--- a/docs/Vodorod Store.pptx
+++ b/docs/Vodorod Store.pptx
@@ -111,6 +111,11 @@
       </a:defRPr>
     </a:lvl9pPr>
   </p:defaultTextStyle>
+  <p:extLst>
+    <p:ext uri="{EFAFB233-063F-42B5-8137-9DF3F51BA10A}">
+      <p15:sldGuideLst xmlns:p15="http://schemas.microsoft.com/office/powerpoint/2012/main"/>
+    </p:ext>
+  </p:extLst>
 </p:presentation>
 </file>
 
@@ -261,7 +266,7 @@
           <a:p>
             <a:fld id="{D8CD3351-83B4-4F00-93E1-4A5ED87C0F85}" type="datetimeFigureOut">
               <a:rPr lang="ru-RU" smtClean="0"/>
-              <a:t>19.04.2023</a:t>
+              <a:t>23.04.2023</a:t>
             </a:fld>
             <a:endParaRPr lang="ru-RU"/>
           </a:p>
@@ -459,7 +464,7 @@
           <a:p>
             <a:fld id="{D8CD3351-83B4-4F00-93E1-4A5ED87C0F85}" type="datetimeFigureOut">
               <a:rPr lang="ru-RU" smtClean="0"/>
-              <a:t>19.04.2023</a:t>
+              <a:t>23.04.2023</a:t>
             </a:fld>
             <a:endParaRPr lang="ru-RU"/>
           </a:p>
@@ -667,7 +672,7 @@
           <a:p>
             <a:fld id="{D8CD3351-83B4-4F00-93E1-4A5ED87C0F85}" type="datetimeFigureOut">
               <a:rPr lang="ru-RU" smtClean="0"/>
-              <a:t>19.04.2023</a:t>
+              <a:t>23.04.2023</a:t>
             </a:fld>
             <a:endParaRPr lang="ru-RU"/>
           </a:p>
@@ -865,7 +870,7 @@
           <a:p>
             <a:fld id="{D8CD3351-83B4-4F00-93E1-4A5ED87C0F85}" type="datetimeFigureOut">
               <a:rPr lang="ru-RU" smtClean="0"/>
-              <a:t>19.04.2023</a:t>
+              <a:t>23.04.2023</a:t>
             </a:fld>
             <a:endParaRPr lang="ru-RU"/>
           </a:p>
@@ -1140,7 +1145,7 @@
           <a:p>
             <a:fld id="{D8CD3351-83B4-4F00-93E1-4A5ED87C0F85}" type="datetimeFigureOut">
               <a:rPr lang="ru-RU" smtClean="0"/>
-              <a:t>19.04.2023</a:t>
+              <a:t>23.04.2023</a:t>
             </a:fld>
             <a:endParaRPr lang="ru-RU"/>
           </a:p>
@@ -1405,7 +1410,7 @@
           <a:p>
             <a:fld id="{D8CD3351-83B4-4F00-93E1-4A5ED87C0F85}" type="datetimeFigureOut">
               <a:rPr lang="ru-RU" smtClean="0"/>
-              <a:t>19.04.2023</a:t>
+              <a:t>23.04.2023</a:t>
             </a:fld>
             <a:endParaRPr lang="ru-RU"/>
           </a:p>
@@ -1817,7 +1822,7 @@
           <a:p>
             <a:fld id="{D8CD3351-83B4-4F00-93E1-4A5ED87C0F85}" type="datetimeFigureOut">
               <a:rPr lang="ru-RU" smtClean="0"/>
-              <a:t>19.04.2023</a:t>
+              <a:t>23.04.2023</a:t>
             </a:fld>
             <a:endParaRPr lang="ru-RU"/>
           </a:p>
@@ -1958,7 +1963,7 @@
           <a:p>
             <a:fld id="{D8CD3351-83B4-4F00-93E1-4A5ED87C0F85}" type="datetimeFigureOut">
               <a:rPr lang="ru-RU" smtClean="0"/>
-              <a:t>19.04.2023</a:t>
+              <a:t>23.04.2023</a:t>
             </a:fld>
             <a:endParaRPr lang="ru-RU"/>
           </a:p>
@@ -2071,7 +2076,7 @@
           <a:p>
             <a:fld id="{D8CD3351-83B4-4F00-93E1-4A5ED87C0F85}" type="datetimeFigureOut">
               <a:rPr lang="ru-RU" smtClean="0"/>
-              <a:t>19.04.2023</a:t>
+              <a:t>23.04.2023</a:t>
             </a:fld>
             <a:endParaRPr lang="ru-RU"/>
           </a:p>
@@ -2382,7 +2387,7 @@
           <a:p>
             <a:fld id="{D8CD3351-83B4-4F00-93E1-4A5ED87C0F85}" type="datetimeFigureOut">
               <a:rPr lang="ru-RU" smtClean="0"/>
-              <a:t>19.04.2023</a:t>
+              <a:t>23.04.2023</a:t>
             </a:fld>
             <a:endParaRPr lang="ru-RU"/>
           </a:p>
@@ -2670,7 +2675,7 @@
           <a:p>
             <a:fld id="{D8CD3351-83B4-4F00-93E1-4A5ED87C0F85}" type="datetimeFigureOut">
               <a:rPr lang="ru-RU" smtClean="0"/>
-              <a:t>19.04.2023</a:t>
+              <a:t>23.04.2023</a:t>
             </a:fld>
             <a:endParaRPr lang="ru-RU"/>
           </a:p>
@@ -2911,7 +2916,7 @@
           <a:p>
             <a:fld id="{D8CD3351-83B4-4F00-93E1-4A5ED87C0F85}" type="datetimeFigureOut">
               <a:rPr lang="ru-RU" smtClean="0"/>
-              <a:t>19.04.2023</a:t>
+              <a:t>23.04.2023</a:t>
             </a:fld>
             <a:endParaRPr lang="ru-RU"/>
           </a:p>
@@ -3393,7 +3398,7 @@
         <p:spPr bwMode="auto">
           <a:xfrm>
             <a:off x="4021522" y="4429918"/>
-            <a:ext cx="4148955" cy="1463076"/>
+            <a:ext cx="4148955" cy="1501373"/>
           </a:xfrm>
           <a:prstGeom prst="rect">
             <a:avLst/>
@@ -3410,36 +3415,86 @@
               <a:defRPr/>
             </a:pPr>
             <a:r>
-              <a:t>Селезнёв Никита Александрович</a:t>
-            </a:r>
+              <a:rPr dirty="0" err="1"/>
+              <a:t>Селезнёв</a:t>
+            </a:r>
+            <a:r>
+              <a:rPr dirty="0"/>
+              <a:t> </a:t>
+            </a:r>
+            <a:r>
+              <a:rPr dirty="0" err="1"/>
+              <a:t>Никита</a:t>
+            </a:r>
+            <a:r>
+              <a:rPr dirty="0"/>
+              <a:t> </a:t>
+            </a:r>
+            <a:r>
+              <a:rPr dirty="0" err="1"/>
+              <a:t>Александрович</a:t>
+            </a:r>
+            <a:endParaRPr dirty="0"/>
           </a:p>
           <a:p>
             <a:pPr algn="ctr">
               <a:defRPr/>
             </a:pPr>
-            <a:endParaRPr/>
+            <a:endParaRPr dirty="0"/>
           </a:p>
           <a:p>
             <a:pPr algn="ctr">
               <a:defRPr/>
             </a:pPr>
             <a:r>
-              <a:t>Соловьёв Кирилл Дмитриевич</a:t>
-            </a:r>
+              <a:rPr dirty="0" err="1"/>
+              <a:t>Соловь</a:t>
+            </a:r>
+            <a:r>
+              <a:rPr lang="ru-RU" dirty="0"/>
+              <a:t>е</a:t>
+            </a:r>
+            <a:r>
+              <a:rPr dirty="0"/>
+              <a:t>в Кирилл </a:t>
+            </a:r>
+            <a:r>
+              <a:rPr dirty="0" err="1"/>
+              <a:t>Дмитриевич</a:t>
+            </a:r>
+            <a:endParaRPr dirty="0"/>
           </a:p>
           <a:p>
             <a:pPr>
               <a:defRPr/>
             </a:pPr>
-            <a:endParaRPr/>
+            <a:endParaRPr dirty="0"/>
           </a:p>
           <a:p>
             <a:pPr algn="ctr">
               <a:defRPr/>
             </a:pPr>
             <a:r>
-              <a:t>Андрюхин Артём Павлович</a:t>
-            </a:r>
+              <a:rPr dirty="0" err="1"/>
+              <a:t>Андрюхин</a:t>
+            </a:r>
+            <a:r>
+              <a:rPr dirty="0"/>
+              <a:t> </a:t>
+            </a:r>
+            <a:r>
+              <a:rPr dirty="0" err="1"/>
+              <a:t>Артём</a:t>
+            </a:r>
+            <a:r>
+              <a:rPr dirty="0"/>
+              <a:t> </a:t>
+            </a:r>
+            <a:r>
+              <a:rPr dirty="0" err="1"/>
+              <a:t>Павлович</a:t>
+            </a:r>
+            <a:endParaRPr dirty="0"/>
           </a:p>
         </p:txBody>
       </p:sp>
@@ -3487,7 +3542,12 @@
               <a:defRPr/>
             </a:pPr>
             <a:r>
-              <a:t>Что из себя представляет?</a:t>
+              <a:rPr lang="ru-RU" dirty="0"/>
+              <a:t>Что из себя представляет проект</a:t>
+            </a:r>
+            <a:r>
+              <a:rPr dirty="0"/>
+              <a:t>?</a:t>
             </a:r>
           </a:p>
         </p:txBody>
@@ -3532,7 +3592,7 @@
             </a:pPr>
             <a:r>
               <a:rPr lang="ru-RU" dirty="0"/>
-              <a:t>Открытая платформа для размещения товара</a:t>
+              <a:t>Открытая платформа для размещения товаров</a:t>
             </a:r>
             <a:endParaRPr dirty="0"/>
           </a:p>
@@ -3582,28 +3642,16 @@
               <a:defRPr/>
             </a:pPr>
             <a:r>
-              <a:rPr dirty="0" err="1"/>
-              <a:t>Цел</a:t>
-            </a:r>
-            <a:r>
               <a:rPr lang="ru-RU" dirty="0"/>
-              <a:t>ь</a:t>
+              <a:t>Цель</a:t>
             </a:r>
             <a:r>
               <a:rPr dirty="0"/>
               <a:t> </a:t>
             </a:r>
             <a:r>
-              <a:rPr dirty="0" err="1"/>
-              <a:t>про</a:t>
-            </a:r>
-            <a:r>
               <a:rPr lang="ru-RU" dirty="0"/>
-              <a:t>э</a:t>
-            </a:r>
-            <a:r>
-              <a:rPr dirty="0" err="1"/>
-              <a:t>кта</a:t>
+              <a:t>проекта</a:t>
             </a:r>
             <a:endParaRPr dirty="0"/>
           </a:p>
@@ -3630,7 +3678,7 @@
             </a:pPr>
             <a:r>
               <a:rPr lang="ru-RU" dirty="0"/>
-              <a:t>Создание открытой платформы для размещения заказов и его скупки покупателями</a:t>
+              <a:t>Создание открытой платформы для размещения товаров продавцами и их покупки потребителями.</a:t>
             </a:r>
             <a:endParaRPr dirty="0"/>
           </a:p>
@@ -3722,7 +3770,7 @@
             </a:pPr>
             <a:r>
               <a:rPr lang="ru-RU" dirty="0"/>
-              <a:t>Маркетплейс - это онлайн платформа, на которой продавцы могут продавать свои товары, а покупатели могут искать и покупать эти товары через Интернет. </a:t>
+              <a:t>Маркетплейс - это онлайн платформа, на которой продавцы могут размещать свои товары, а покупатели могут искать и покупать эти товары через Интернет. </a:t>
             </a:r>
           </a:p>
           <a:p>
@@ -3745,7 +3793,7 @@
             </a:r>
             <a:r>
               <a:rPr lang="ru-RU" dirty="0"/>
-              <a:t> товары и предоставляет пользователям возможность выбирать их в соответствии с определенными параметрами и характеристиками. Например, если вы ищете новый мобильный телефон, маркетплейс позволит вам выбрать марки, модели, операционные системы и другие характеристики, чтобы вы могли сузить свой поиск и найти товар, который соответствует вашим требованиям.</a:t>
+              <a:t> товары и предоставляет пользователям возможность выбирать их в соответствии с определенными параметрами и характеристиками. Например, если покупатель ищет новый мобильный телефон, маркетплейс позволит выбрать марку, модель, операционную систему и другие характеристики телефона, чтобы сузить выбор и найти товар, который соответствует требованиям.</a:t>
             </a:r>
           </a:p>
         </p:txBody>
@@ -3905,14 +3953,49 @@
         </p:blipFill>
         <p:spPr>
           <a:xfrm>
-            <a:off x="0" y="545148"/>
-            <a:ext cx="12192000" cy="5767704"/>
+            <a:off x="1172718" y="437148"/>
+            <a:ext cx="9846563" cy="4658141"/>
           </a:xfrm>
           <a:prstGeom prst="rect">
             <a:avLst/>
           </a:prstGeom>
         </p:spPr>
       </p:pic>
+      <p:sp>
+        <p:nvSpPr>
+          <p:cNvPr id="2" name="Заголовок 1">
+            <a:extLst>
+              <a:ext uri="{FF2B5EF4-FFF2-40B4-BE49-F238E27FC236}">
+                <a16:creationId xmlns:a16="http://schemas.microsoft.com/office/drawing/2014/main" id="{CFE2A119-9248-C6C6-4996-4EB730F8FC06}"/>
+              </a:ext>
+            </a:extLst>
+          </p:cNvPr>
+          <p:cNvSpPr>
+            <a:spLocks noGrp="1"/>
+          </p:cNvSpPr>
+          <p:nvPr>
+            <p:ph type="title"/>
+          </p:nvPr>
+        </p:nvSpPr>
+        <p:spPr>
+          <a:xfrm>
+            <a:off x="0" y="5095289"/>
+            <a:ext cx="10515600" cy="1325563"/>
+          </a:xfrm>
+        </p:spPr>
+        <p:txBody>
+          <a:bodyPr>
+            <a:normAutofit/>
+          </a:bodyPr>
+          <a:lstStyle/>
+          <a:p>
+            <a:r>
+              <a:rPr lang="ru-RU" sz="2000" b="1" dirty="0"/>
+              <a:t>Главная страница маркетплейса</a:t>
+            </a:r>
+          </a:p>
+        </p:txBody>
+      </p:sp>
     </p:spTree>
     <p:extLst>
       <p:ext uri="{BB962C8B-B14F-4D97-AF65-F5344CB8AC3E}">
@@ -3989,13 +4072,13 @@
         </p:nvSpPr>
         <p:spPr>
           <a:xfrm>
-            <a:off x="838200" y="1825625"/>
+            <a:off x="584200" y="1690688"/>
             <a:ext cx="6128657" cy="4351338"/>
           </a:xfrm>
         </p:spPr>
         <p:txBody>
           <a:bodyPr>
-            <a:normAutofit fontScale="92500" lnSpcReduction="10000"/>
+            <a:normAutofit fontScale="85000" lnSpcReduction="10000"/>
           </a:bodyPr>
           <a:lstStyle/>
           <a:p>
@@ -4004,7 +4087,7 @@
             </a:pPr>
             <a:r>
               <a:rPr lang="ru-RU" dirty="0"/>
-              <a:t>Архитектура база данных позволила назначать уникальные характеристики для категорий товаров. Например у смартфона можно узнать какой на нём процессор, а у куртки её сезонность.</a:t>
+              <a:t>Архитектура базы данных позволила назначить уникальные характеристики для категорий товаров, путем связи с конкретным набором характеристик. Например у смартфона можно узнать какой у него процессор, а у куртки – в какой сезон ее носить.</a:t>
             </a:r>
           </a:p>
           <a:p>
@@ -4019,7 +4102,7 @@
             </a:pPr>
             <a:r>
               <a:rPr lang="ru-RU" dirty="0"/>
-              <a:t>Также на сайте представлены интерфейсы для покупателя и поставщиков товара. Есть ещё гость но его права это создать аккаунт, войти в аккаунт, просмотр главной страницы не более</a:t>
+              <a:t>Также на сайте представлены интерфейсы для покупателя, поставщика и гостя товара. Гость может только создать аккаунт, войти в него, просмотреть главную страницу. У пользователь набор действий гораздо шире.</a:t>
             </a:r>
           </a:p>
         </p:txBody>
@@ -4046,7 +4129,7 @@
         </p:blipFill>
         <p:spPr>
           <a:xfrm>
-            <a:off x="6458857" y="1040279"/>
+            <a:off x="6604000" y="1298015"/>
             <a:ext cx="5588000" cy="5136684"/>
           </a:xfrm>
           <a:prstGeom prst="rect">
@@ -4141,13 +4224,8 @@
           <a:p>
             <a:r>
               <a:rPr lang="ru-RU" dirty="0"/>
-              <a:t>Добавление новых </a:t>
-            </a:r>
-            <a:r>
-              <a:rPr lang="ru-RU"/>
-              <a:t>продутка</a:t>
-            </a:r>
-            <a:endParaRPr lang="ru-RU" dirty="0"/>
+              <a:t>Добавление новых продуктов</a:t>
+            </a:r>
           </a:p>
         </p:txBody>
       </p:sp>

--- a/docs/Vodorod Store.pptx
+++ b/docs/Vodorod Store.pptx
@@ -2,25 +2,24 @@
 <file path=ppt/presentation.xml><?xml version="1.0" encoding="utf-8"?>
 <p:presentation xmlns:a="http://schemas.openxmlformats.org/drawingml/2006/main" xmlns:r="http://schemas.openxmlformats.org/officeDocument/2006/relationships" xmlns:p="http://schemas.openxmlformats.org/presentationml/2006/main" saveSubsetFonts="1">
   <p:sldMasterIdLst>
-    <p:sldMasterId id="2147483648" r:id="rId1"/>
+    <p:sldMasterId id="2147483712" r:id="rId1"/>
   </p:sldMasterIdLst>
   <p:sldIdLst>
-    <p:sldId id="257" r:id="rId2"/>
+    <p:sldId id="265" r:id="rId2"/>
     <p:sldId id="258" r:id="rId3"/>
     <p:sldId id="259" r:id="rId4"/>
-    <p:sldId id="260" r:id="rId5"/>
+    <p:sldId id="267" r:id="rId5"/>
     <p:sldId id="264" r:id="rId6"/>
-    <p:sldId id="261" r:id="rId7"/>
-    <p:sldId id="262" r:id="rId8"/>
-    <p:sldId id="263" r:id="rId9"/>
+    <p:sldId id="269" r:id="rId7"/>
+    <p:sldId id="263" r:id="rId8"/>
   </p:sldIdLst>
   <p:sldSz cx="12192000" cy="6858000"/>
   <p:notesSz cx="6858000" cy="9144000"/>
   <p:defaultTextStyle>
     <a:defPPr>
-      <a:defRPr lang="ru-RU"/>
+      <a:defRPr lang="en-US"/>
     </a:defPPr>
-    <a:lvl1pPr marL="0" algn="l" defTabSz="914400" rtl="0" eaLnBrk="1" latinLnBrk="0" hangingPunct="1">
+    <a:lvl1pPr marL="0" algn="l" defTabSz="457200" rtl="0" eaLnBrk="1" latinLnBrk="0" hangingPunct="1">
       <a:defRPr sz="1800" kern="1200">
         <a:solidFill>
           <a:schemeClr val="tx1"/>
@@ -30,7 +29,7 @@
         <a:cs typeface="+mn-cs"/>
       </a:defRPr>
     </a:lvl1pPr>
-    <a:lvl2pPr marL="457200" algn="l" defTabSz="914400" rtl="0" eaLnBrk="1" latinLnBrk="0" hangingPunct="1">
+    <a:lvl2pPr marL="457200" algn="l" defTabSz="457200" rtl="0" eaLnBrk="1" latinLnBrk="0" hangingPunct="1">
       <a:defRPr sz="1800" kern="1200">
         <a:solidFill>
           <a:schemeClr val="tx1"/>
@@ -40,7 +39,7 @@
         <a:cs typeface="+mn-cs"/>
       </a:defRPr>
     </a:lvl2pPr>
-    <a:lvl3pPr marL="914400" algn="l" defTabSz="914400" rtl="0" eaLnBrk="1" latinLnBrk="0" hangingPunct="1">
+    <a:lvl3pPr marL="914400" algn="l" defTabSz="457200" rtl="0" eaLnBrk="1" latinLnBrk="0" hangingPunct="1">
       <a:defRPr sz="1800" kern="1200">
         <a:solidFill>
           <a:schemeClr val="tx1"/>
@@ -50,7 +49,7 @@
         <a:cs typeface="+mn-cs"/>
       </a:defRPr>
     </a:lvl3pPr>
-    <a:lvl4pPr marL="1371600" algn="l" defTabSz="914400" rtl="0" eaLnBrk="1" latinLnBrk="0" hangingPunct="1">
+    <a:lvl4pPr marL="1371600" algn="l" defTabSz="457200" rtl="0" eaLnBrk="1" latinLnBrk="0" hangingPunct="1">
       <a:defRPr sz="1800" kern="1200">
         <a:solidFill>
           <a:schemeClr val="tx1"/>
@@ -60,7 +59,7 @@
         <a:cs typeface="+mn-cs"/>
       </a:defRPr>
     </a:lvl4pPr>
-    <a:lvl5pPr marL="1828800" algn="l" defTabSz="914400" rtl="0" eaLnBrk="1" latinLnBrk="0" hangingPunct="1">
+    <a:lvl5pPr marL="1828800" algn="l" defTabSz="457200" rtl="0" eaLnBrk="1" latinLnBrk="0" hangingPunct="1">
       <a:defRPr sz="1800" kern="1200">
         <a:solidFill>
           <a:schemeClr val="tx1"/>
@@ -70,7 +69,7 @@
         <a:cs typeface="+mn-cs"/>
       </a:defRPr>
     </a:lvl5pPr>
-    <a:lvl6pPr marL="2286000" algn="l" defTabSz="914400" rtl="0" eaLnBrk="1" latinLnBrk="0" hangingPunct="1">
+    <a:lvl6pPr marL="2286000" algn="l" defTabSz="457200" rtl="0" eaLnBrk="1" latinLnBrk="0" hangingPunct="1">
       <a:defRPr sz="1800" kern="1200">
         <a:solidFill>
           <a:schemeClr val="tx1"/>
@@ -80,7 +79,7 @@
         <a:cs typeface="+mn-cs"/>
       </a:defRPr>
     </a:lvl6pPr>
-    <a:lvl7pPr marL="2743200" algn="l" defTabSz="914400" rtl="0" eaLnBrk="1" latinLnBrk="0" hangingPunct="1">
+    <a:lvl7pPr marL="2743200" algn="l" defTabSz="457200" rtl="0" eaLnBrk="1" latinLnBrk="0" hangingPunct="1">
       <a:defRPr sz="1800" kern="1200">
         <a:solidFill>
           <a:schemeClr val="tx1"/>
@@ -90,7 +89,7 @@
         <a:cs typeface="+mn-cs"/>
       </a:defRPr>
     </a:lvl7pPr>
-    <a:lvl8pPr marL="3200400" algn="l" defTabSz="914400" rtl="0" eaLnBrk="1" latinLnBrk="0" hangingPunct="1">
+    <a:lvl8pPr marL="3200400" algn="l" defTabSz="457200" rtl="0" eaLnBrk="1" latinLnBrk="0" hangingPunct="1">
       <a:defRPr sz="1800" kern="1200">
         <a:solidFill>
           <a:schemeClr val="tx1"/>
@@ -100,7 +99,7 @@
         <a:cs typeface="+mn-cs"/>
       </a:defRPr>
     </a:lvl8pPr>
-    <a:lvl9pPr marL="3657600" algn="l" defTabSz="914400" rtl="0" eaLnBrk="1" latinLnBrk="0" hangingPunct="1">
+    <a:lvl9pPr marL="3657600" algn="l" defTabSz="457200" rtl="0" eaLnBrk="1" latinLnBrk="0" hangingPunct="1">
       <a:defRPr sz="1800" kern="1200">
         <a:solidFill>
           <a:schemeClr val="tx1"/>
@@ -136,15 +135,148 @@
           <a:chExt cx="0" cy="0"/>
         </a:xfrm>
       </p:grpSpPr>
-      <p:sp>
-        <p:nvSpPr>
-          <p:cNvPr id="2" name="Заголовок 1">
+      <p:pic>
+        <p:nvPicPr>
+          <p:cNvPr id="7" name="Picture 6" descr="HD-ShadowLong.png"/>
+          <p:cNvPicPr>
+            <a:picLocks noChangeAspect="1"/>
+          </p:cNvPicPr>
+          <p:nvPr/>
+        </p:nvPicPr>
+        <p:blipFill>
+          <a:blip r:embed="rId2">
             <a:extLst>
-              <a:ext uri="{FF2B5EF4-FFF2-40B4-BE49-F238E27FC236}">
-                <a16:creationId xmlns:a16="http://schemas.microsoft.com/office/drawing/2014/main" id="{AD196C52-86DA-7440-FD7E-A1D3F0CBE3BE}"/>
+              <a:ext uri="{28A0092B-C50C-407E-A947-70E740481C1C}">
+                <a14:useLocalDpi xmlns:a14="http://schemas.microsoft.com/office/drawing/2010/main" val="0"/>
               </a:ext>
             </a:extLst>
-          </p:cNvPr>
+          </a:blip>
+          <a:stretch>
+            <a:fillRect/>
+          </a:stretch>
+        </p:blipFill>
+        <p:spPr>
+          <a:xfrm>
+            <a:off x="1" y="4242851"/>
+            <a:ext cx="8968084" cy="275942"/>
+          </a:xfrm>
+          <a:prstGeom prst="rect">
+            <a:avLst/>
+          </a:prstGeom>
+        </p:spPr>
+      </p:pic>
+      <p:pic>
+        <p:nvPicPr>
+          <p:cNvPr id="8" name="Picture 7" descr="HD-ShadowShort.png"/>
+          <p:cNvPicPr>
+            <a:picLocks noChangeAspect="1"/>
+          </p:cNvPicPr>
+          <p:nvPr/>
+        </p:nvPicPr>
+        <p:blipFill>
+          <a:blip r:embed="rId3">
+            <a:extLst>
+              <a:ext uri="{28A0092B-C50C-407E-A947-70E740481C1C}">
+                <a14:useLocalDpi xmlns:a14="http://schemas.microsoft.com/office/drawing/2010/main" val="0"/>
+              </a:ext>
+            </a:extLst>
+          </a:blip>
+          <a:stretch>
+            <a:fillRect/>
+          </a:stretch>
+        </p:blipFill>
+        <p:spPr>
+          <a:xfrm>
+            <a:off x="9111716" y="4243845"/>
+            <a:ext cx="3077108" cy="276940"/>
+          </a:xfrm>
+          <a:prstGeom prst="rect">
+            <a:avLst/>
+          </a:prstGeom>
+        </p:spPr>
+      </p:pic>
+      <p:sp>
+        <p:nvSpPr>
+          <p:cNvPr id="9" name="Rectangle 8"/>
+          <p:cNvSpPr/>
+          <p:nvPr/>
+        </p:nvSpPr>
+        <p:spPr bwMode="ltGray">
+          <a:xfrm>
+            <a:off x="0" y="2590078"/>
+            <a:ext cx="8968085" cy="1660332"/>
+          </a:xfrm>
+          <a:prstGeom prst="rect">
+            <a:avLst/>
+          </a:prstGeom>
+          <a:solidFill>
+            <a:schemeClr val="bg1">
+              <a:lumMod val="85000"/>
+              <a:lumOff val="15000"/>
+            </a:schemeClr>
+          </a:solidFill>
+          <a:ln>
+            <a:noFill/>
+          </a:ln>
+        </p:spPr>
+        <p:style>
+          <a:lnRef idx="2">
+            <a:schemeClr val="accent1">
+              <a:shade val="50000"/>
+            </a:schemeClr>
+          </a:lnRef>
+          <a:fillRef idx="1">
+            <a:schemeClr val="accent1"/>
+          </a:fillRef>
+          <a:effectRef idx="0">
+            <a:schemeClr val="accent1"/>
+          </a:effectRef>
+          <a:fontRef idx="minor">
+            <a:schemeClr val="lt1"/>
+          </a:fontRef>
+        </p:style>
+      </p:sp>
+      <p:sp>
+        <p:nvSpPr>
+          <p:cNvPr id="10" name="Rectangle 9"/>
+          <p:cNvSpPr/>
+          <p:nvPr/>
+        </p:nvSpPr>
+        <p:spPr>
+          <a:xfrm>
+            <a:off x="9111715" y="2590078"/>
+            <a:ext cx="3077109" cy="1660332"/>
+          </a:xfrm>
+          <a:prstGeom prst="rect">
+            <a:avLst/>
+          </a:prstGeom>
+          <a:solidFill>
+            <a:schemeClr val="accent1"/>
+          </a:solidFill>
+          <a:ln>
+            <a:noFill/>
+          </a:ln>
+        </p:spPr>
+        <p:style>
+          <a:lnRef idx="2">
+            <a:schemeClr val="accent1">
+              <a:shade val="50000"/>
+            </a:schemeClr>
+          </a:lnRef>
+          <a:fillRef idx="1">
+            <a:schemeClr val="accent1"/>
+          </a:fillRef>
+          <a:effectRef idx="0">
+            <a:schemeClr val="accent1"/>
+          </a:effectRef>
+          <a:fontRef idx="minor">
+            <a:schemeClr val="lt1"/>
+          </a:fontRef>
+        </p:style>
+      </p:sp>
+      <p:sp>
+        <p:nvSpPr>
+          <p:cNvPr id="2" name="Title 1"/>
           <p:cNvSpPr>
             <a:spLocks noGrp="1"/>
           </p:cNvSpPr>
@@ -154,15 +286,17 @@
         </p:nvSpPr>
         <p:spPr>
           <a:xfrm>
-            <a:off x="1524000" y="1122363"/>
-            <a:ext cx="9144000" cy="2387600"/>
-          </a:xfrm>
-        </p:spPr>
-        <p:txBody>
-          <a:bodyPr anchor="b"/>
+            <a:off x="680322" y="2733709"/>
+            <a:ext cx="8144134" cy="1373070"/>
+          </a:xfrm>
+        </p:spPr>
+        <p:txBody>
+          <a:bodyPr anchor="b">
+            <a:noAutofit/>
+          </a:bodyPr>
           <a:lstStyle>
-            <a:lvl1pPr algn="ctr">
-              <a:defRPr sz="6000"/>
+            <a:lvl1pPr algn="r">
+              <a:defRPr sz="5400"/>
             </a:lvl1pPr>
           </a:lstStyle>
           <a:p>
@@ -170,18 +304,13 @@
               <a:rPr lang="ru-RU"/>
               <a:t>Образец заголовка</a:t>
             </a:r>
-          </a:p>
-        </p:txBody>
-      </p:sp>
-      <p:sp>
-        <p:nvSpPr>
-          <p:cNvPr id="3" name="Подзаголовок 2">
-            <a:extLst>
-              <a:ext uri="{FF2B5EF4-FFF2-40B4-BE49-F238E27FC236}">
-                <a16:creationId xmlns:a16="http://schemas.microsoft.com/office/drawing/2014/main" id="{CF765977-9226-2B6A-66B4-7357F770587E}"/>
-              </a:ext>
-            </a:extLst>
-          </p:cNvPr>
+            <a:endParaRPr lang="en-US" dirty="0"/>
+          </a:p>
+        </p:txBody>
+      </p:sp>
+      <p:sp>
+        <p:nvSpPr>
+          <p:cNvPr id="3" name="Subtitle 2"/>
           <p:cNvSpPr>
             <a:spLocks noGrp="1"/>
           </p:cNvSpPr>
@@ -191,16 +320,18 @@
         </p:nvSpPr>
         <p:spPr>
           <a:xfrm>
-            <a:off x="1524000" y="3602038"/>
-            <a:ext cx="9144000" cy="1655762"/>
-          </a:xfrm>
-        </p:spPr>
-        <p:txBody>
-          <a:bodyPr/>
+            <a:off x="680322" y="4394039"/>
+            <a:ext cx="8144134" cy="1117687"/>
+          </a:xfrm>
+        </p:spPr>
+        <p:txBody>
+          <a:bodyPr>
+            <a:normAutofit/>
+          </a:bodyPr>
           <a:lstStyle>
-            <a:lvl1pPr marL="0" indent="0" algn="ctr">
-              <a:buNone/>
-              <a:defRPr sz="2400"/>
+            <a:lvl1pPr marL="0" indent="0" algn="r">
+              <a:buNone/>
+              <a:defRPr sz="2000"/>
             </a:lvl1pPr>
             <a:lvl2pPr marL="457200" indent="0" algn="ctr">
               <a:buNone/>
@@ -240,18 +371,13 @@
               <a:rPr lang="ru-RU"/>
               <a:t>Образец подзаголовка</a:t>
             </a:r>
-          </a:p>
-        </p:txBody>
-      </p:sp>
-      <p:sp>
-        <p:nvSpPr>
-          <p:cNvPr id="4" name="Дата 3">
-            <a:extLst>
-              <a:ext uri="{FF2B5EF4-FFF2-40B4-BE49-F238E27FC236}">
-                <a16:creationId xmlns:a16="http://schemas.microsoft.com/office/drawing/2014/main" id="{6C408A10-C536-EB71-D6DA-014A71FFB8BE}"/>
-              </a:ext>
-            </a:extLst>
-          </p:cNvPr>
+            <a:endParaRPr lang="en-US" dirty="0"/>
+          </a:p>
+        </p:txBody>
+      </p:sp>
+      <p:sp>
+        <p:nvSpPr>
+          <p:cNvPr id="4" name="Date Placeholder 3"/>
           <p:cNvSpPr>
             <a:spLocks noGrp="1"/>
           </p:cNvSpPr>
@@ -266,7 +392,7 @@
           <a:p>
             <a:fld id="{D8CD3351-83B4-4F00-93E1-4A5ED87C0F85}" type="datetimeFigureOut">
               <a:rPr lang="ru-RU" smtClean="0"/>
-              <a:t>23.04.2023</a:t>
+              <a:t>24.04.2023</a:t>
             </a:fld>
             <a:endParaRPr lang="ru-RU"/>
           </a:p>
@@ -274,13 +400,7 @@
       </p:sp>
       <p:sp>
         <p:nvSpPr>
-          <p:cNvPr id="5" name="Нижний колонтитул 4">
-            <a:extLst>
-              <a:ext uri="{FF2B5EF4-FFF2-40B4-BE49-F238E27FC236}">
-                <a16:creationId xmlns:a16="http://schemas.microsoft.com/office/drawing/2014/main" id="{6FD9937D-5FD5-F652-D30E-8D89AF3DCA42}"/>
-              </a:ext>
-            </a:extLst>
-          </p:cNvPr>
+          <p:cNvPr id="5" name="Footer Placeholder 4"/>
           <p:cNvSpPr>
             <a:spLocks noGrp="1"/>
           </p:cNvSpPr>
@@ -299,13 +419,7 @@
       </p:sp>
       <p:sp>
         <p:nvSpPr>
-          <p:cNvPr id="6" name="Номер слайда 5">
-            <a:extLst>
-              <a:ext uri="{FF2B5EF4-FFF2-40B4-BE49-F238E27FC236}">
-                <a16:creationId xmlns:a16="http://schemas.microsoft.com/office/drawing/2014/main" id="{6A619802-6DD1-D97B-9AA4-D4CF4CB1CB31}"/>
-              </a:ext>
-            </a:extLst>
-          </p:cNvPr>
+          <p:cNvPr id="6" name="Slide Number Placeholder 5"/>
           <p:cNvSpPr>
             <a:spLocks noGrp="1"/>
           </p:cNvSpPr>
@@ -313,7 +427,12 @@
             <p:ph type="sldNum" sz="quarter" idx="12"/>
           </p:nvPr>
         </p:nvSpPr>
-        <p:spPr/>
+        <p:spPr>
+          <a:xfrm>
+            <a:off x="9255346" y="2750337"/>
+            <a:ext cx="1171888" cy="1356442"/>
+          </a:xfrm>
+        </p:spPr>
         <p:txBody>
           <a:bodyPr/>
           <a:lstStyle/>
@@ -329,7 +448,7 @@
     </p:spTree>
     <p:extLst>
       <p:ext uri="{BB962C8B-B14F-4D97-AF65-F5344CB8AC3E}">
-        <p14:creationId xmlns:p14="http://schemas.microsoft.com/office/powerpoint/2010/main" val="498012702"/>
+        <p14:creationId xmlns:p14="http://schemas.microsoft.com/office/powerpoint/2010/main" val="2796972544"/>
       </p:ext>
     </p:extLst>
   </p:cSld>
@@ -340,6 +459,3318 @@
 </file>
 
 <file path=ppt/slideLayouts/slideLayout10.xml><?xml version="1.0" encoding="utf-8"?>
+<p:sldLayout xmlns:a="http://schemas.openxmlformats.org/drawingml/2006/main" xmlns:r="http://schemas.openxmlformats.org/officeDocument/2006/relationships" xmlns:p="http://schemas.openxmlformats.org/presentationml/2006/main" preserve="1">
+  <p:cSld name="Панорамная фотография с подписью">
+    <p:spTree>
+      <p:nvGrpSpPr>
+        <p:cNvPr id="1" name=""/>
+        <p:cNvGrpSpPr/>
+        <p:nvPr/>
+      </p:nvGrpSpPr>
+      <p:grpSpPr>
+        <a:xfrm>
+          <a:off x="0" y="0"/>
+          <a:ext cx="0" cy="0"/>
+          <a:chOff x="0" y="0"/>
+          <a:chExt cx="0" cy="0"/>
+        </a:xfrm>
+      </p:grpSpPr>
+      <p:pic>
+        <p:nvPicPr>
+          <p:cNvPr id="8" name="Picture 7" descr="HD-ShadowLong.png"/>
+          <p:cNvPicPr>
+            <a:picLocks noChangeAspect="1"/>
+          </p:cNvPicPr>
+          <p:nvPr/>
+        </p:nvPicPr>
+        <p:blipFill>
+          <a:blip r:embed="rId2">
+            <a:extLst>
+              <a:ext uri="{28A0092B-C50C-407E-A947-70E740481C1C}">
+                <a14:useLocalDpi xmlns:a14="http://schemas.microsoft.com/office/drawing/2010/main" val="0"/>
+              </a:ext>
+            </a:extLst>
+          </a:blip>
+          <a:stretch>
+            <a:fillRect/>
+          </a:stretch>
+        </p:blipFill>
+        <p:spPr>
+          <a:xfrm>
+            <a:off x="1" y="5928628"/>
+            <a:ext cx="10437812" cy="321164"/>
+          </a:xfrm>
+          <a:prstGeom prst="rect">
+            <a:avLst/>
+          </a:prstGeom>
+        </p:spPr>
+      </p:pic>
+      <p:pic>
+        <p:nvPicPr>
+          <p:cNvPr id="9" name="Picture 8" descr="HD-ShadowShort.png"/>
+          <p:cNvPicPr>
+            <a:picLocks noChangeAspect="1"/>
+          </p:cNvPicPr>
+          <p:nvPr/>
+        </p:nvPicPr>
+        <p:blipFill>
+          <a:blip r:embed="rId3">
+            <a:extLst>
+              <a:ext uri="{28A0092B-C50C-407E-A947-70E740481C1C}">
+                <a14:useLocalDpi xmlns:a14="http://schemas.microsoft.com/office/drawing/2010/main" val="0"/>
+              </a:ext>
+            </a:extLst>
+          </a:blip>
+          <a:stretch>
+            <a:fillRect/>
+          </a:stretch>
+        </p:blipFill>
+        <p:spPr>
+          <a:xfrm>
+            <a:off x="10585826" y="5929622"/>
+            <a:ext cx="1602997" cy="144270"/>
+          </a:xfrm>
+          <a:prstGeom prst="rect">
+            <a:avLst/>
+          </a:prstGeom>
+        </p:spPr>
+      </p:pic>
+      <p:sp>
+        <p:nvSpPr>
+          <p:cNvPr id="10" name="Rectangle 9"/>
+          <p:cNvSpPr/>
+          <p:nvPr/>
+        </p:nvSpPr>
+        <p:spPr bwMode="ltGray">
+          <a:xfrm>
+            <a:off x="0" y="4567988"/>
+            <a:ext cx="10437812" cy="1368198"/>
+          </a:xfrm>
+          <a:prstGeom prst="rect">
+            <a:avLst/>
+          </a:prstGeom>
+          <a:solidFill>
+            <a:schemeClr val="bg1">
+              <a:lumMod val="85000"/>
+              <a:lumOff val="15000"/>
+            </a:schemeClr>
+          </a:solidFill>
+          <a:ln>
+            <a:noFill/>
+          </a:ln>
+        </p:spPr>
+        <p:style>
+          <a:lnRef idx="2">
+            <a:schemeClr val="accent1">
+              <a:shade val="50000"/>
+            </a:schemeClr>
+          </a:lnRef>
+          <a:fillRef idx="1">
+            <a:schemeClr val="accent1"/>
+          </a:fillRef>
+          <a:effectRef idx="0">
+            <a:schemeClr val="accent1"/>
+          </a:effectRef>
+          <a:fontRef idx="minor">
+            <a:schemeClr val="lt1"/>
+          </a:fontRef>
+        </p:style>
+      </p:sp>
+      <p:sp>
+        <p:nvSpPr>
+          <p:cNvPr id="11" name="Rectangle 10"/>
+          <p:cNvSpPr/>
+          <p:nvPr/>
+        </p:nvSpPr>
+        <p:spPr>
+          <a:xfrm>
+            <a:off x="10585827" y="4567988"/>
+            <a:ext cx="1602997" cy="1368198"/>
+          </a:xfrm>
+          <a:prstGeom prst="rect">
+            <a:avLst/>
+          </a:prstGeom>
+          <a:solidFill>
+            <a:schemeClr val="accent1"/>
+          </a:solidFill>
+          <a:ln>
+            <a:noFill/>
+          </a:ln>
+        </p:spPr>
+        <p:style>
+          <a:lnRef idx="2">
+            <a:schemeClr val="accent1">
+              <a:shade val="50000"/>
+            </a:schemeClr>
+          </a:lnRef>
+          <a:fillRef idx="1">
+            <a:schemeClr val="accent1"/>
+          </a:fillRef>
+          <a:effectRef idx="0">
+            <a:schemeClr val="accent1"/>
+          </a:effectRef>
+          <a:fontRef idx="minor">
+            <a:schemeClr val="lt1"/>
+          </a:fontRef>
+        </p:style>
+      </p:sp>
+      <p:sp>
+        <p:nvSpPr>
+          <p:cNvPr id="2" name="Title 1"/>
+          <p:cNvSpPr>
+            <a:spLocks noGrp="1"/>
+          </p:cNvSpPr>
+          <p:nvPr>
+            <p:ph type="title"/>
+          </p:nvPr>
+        </p:nvSpPr>
+        <p:spPr>
+          <a:xfrm>
+            <a:off x="680322" y="4711616"/>
+            <a:ext cx="9613859" cy="453051"/>
+          </a:xfrm>
+        </p:spPr>
+        <p:txBody>
+          <a:bodyPr anchor="b">
+            <a:normAutofit/>
+          </a:bodyPr>
+          <a:lstStyle>
+            <a:lvl1pPr>
+              <a:defRPr sz="2400"/>
+            </a:lvl1pPr>
+          </a:lstStyle>
+          <a:p>
+            <a:r>
+              <a:rPr lang="ru-RU"/>
+              <a:t>Образец заголовка</a:t>
+            </a:r>
+            <a:endParaRPr lang="en-US" dirty="0"/>
+          </a:p>
+        </p:txBody>
+      </p:sp>
+      <p:sp>
+        <p:nvSpPr>
+          <p:cNvPr id="3" name="Picture Placeholder 2"/>
+          <p:cNvSpPr>
+            <a:spLocks noGrp="1" noChangeAspect="1"/>
+          </p:cNvSpPr>
+          <p:nvPr>
+            <p:ph type="pic" idx="1"/>
+          </p:nvPr>
+        </p:nvSpPr>
+        <p:spPr>
+          <a:xfrm>
+            <a:off x="680322" y="609597"/>
+            <a:ext cx="9613859" cy="3589575"/>
+          </a:xfrm>
+          <a:noFill/>
+          <a:ln>
+            <a:noFill/>
+          </a:ln>
+          <a:effectLst>
+            <a:outerShdw blurRad="76200" dist="63500" dir="5040000" algn="tl" rotWithShape="0">
+              <a:srgbClr val="000000">
+                <a:alpha val="41000"/>
+              </a:srgbClr>
+            </a:outerShdw>
+          </a:effectLst>
+        </p:spPr>
+        <p:txBody>
+          <a:bodyPr anchor="t"/>
+          <a:lstStyle>
+            <a:lvl1pPr marL="0" indent="0">
+              <a:buNone/>
+              <a:defRPr sz="3200"/>
+            </a:lvl1pPr>
+            <a:lvl2pPr marL="457200" indent="0">
+              <a:buNone/>
+              <a:defRPr sz="2800"/>
+            </a:lvl2pPr>
+            <a:lvl3pPr marL="914400" indent="0">
+              <a:buNone/>
+              <a:defRPr sz="2400"/>
+            </a:lvl3pPr>
+            <a:lvl4pPr marL="1371600" indent="0">
+              <a:buNone/>
+              <a:defRPr sz="2000"/>
+            </a:lvl4pPr>
+            <a:lvl5pPr marL="1828800" indent="0">
+              <a:buNone/>
+              <a:defRPr sz="2000"/>
+            </a:lvl5pPr>
+            <a:lvl6pPr marL="2286000" indent="0">
+              <a:buNone/>
+              <a:defRPr sz="2000"/>
+            </a:lvl6pPr>
+            <a:lvl7pPr marL="2743200" indent="0">
+              <a:buNone/>
+              <a:defRPr sz="2000"/>
+            </a:lvl7pPr>
+            <a:lvl8pPr marL="3200400" indent="0">
+              <a:buNone/>
+              <a:defRPr sz="2000"/>
+            </a:lvl8pPr>
+            <a:lvl9pPr marL="3657600" indent="0">
+              <a:buNone/>
+              <a:defRPr sz="2000"/>
+            </a:lvl9pPr>
+          </a:lstStyle>
+          <a:p>
+            <a:r>
+              <a:rPr lang="ru-RU"/>
+              <a:t>Вставка рисунка</a:t>
+            </a:r>
+            <a:endParaRPr lang="en-US" dirty="0"/>
+          </a:p>
+        </p:txBody>
+      </p:sp>
+      <p:sp>
+        <p:nvSpPr>
+          <p:cNvPr id="4" name="Text Placeholder 3"/>
+          <p:cNvSpPr>
+            <a:spLocks noGrp="1"/>
+          </p:cNvSpPr>
+          <p:nvPr>
+            <p:ph type="body" sz="half" idx="2"/>
+          </p:nvPr>
+        </p:nvSpPr>
+        <p:spPr>
+          <a:xfrm>
+            <a:off x="680319" y="5169583"/>
+            <a:ext cx="9613862" cy="622971"/>
+          </a:xfrm>
+        </p:spPr>
+        <p:txBody>
+          <a:bodyPr/>
+          <a:lstStyle>
+            <a:lvl1pPr marL="0" indent="0">
+              <a:buNone/>
+              <a:defRPr sz="1600"/>
+            </a:lvl1pPr>
+            <a:lvl2pPr marL="457200" indent="0">
+              <a:buNone/>
+              <a:defRPr sz="1400"/>
+            </a:lvl2pPr>
+            <a:lvl3pPr marL="914400" indent="0">
+              <a:buNone/>
+              <a:defRPr sz="1200"/>
+            </a:lvl3pPr>
+            <a:lvl4pPr marL="1371600" indent="0">
+              <a:buNone/>
+              <a:defRPr sz="1000"/>
+            </a:lvl4pPr>
+            <a:lvl5pPr marL="1828800" indent="0">
+              <a:buNone/>
+              <a:defRPr sz="1000"/>
+            </a:lvl5pPr>
+            <a:lvl6pPr marL="2286000" indent="0">
+              <a:buNone/>
+              <a:defRPr sz="1000"/>
+            </a:lvl6pPr>
+            <a:lvl7pPr marL="2743200" indent="0">
+              <a:buNone/>
+              <a:defRPr sz="1000"/>
+            </a:lvl7pPr>
+            <a:lvl8pPr marL="3200400" indent="0">
+              <a:buNone/>
+              <a:defRPr sz="1000"/>
+            </a:lvl8pPr>
+            <a:lvl9pPr marL="3657600" indent="0">
+              <a:buNone/>
+              <a:defRPr sz="1000"/>
+            </a:lvl9pPr>
+          </a:lstStyle>
+          <a:p>
+            <a:pPr lvl="0"/>
+            <a:r>
+              <a:rPr lang="ru-RU"/>
+              <a:t>Образец текста</a:t>
+            </a:r>
+          </a:p>
+        </p:txBody>
+      </p:sp>
+      <p:sp>
+        <p:nvSpPr>
+          <p:cNvPr id="5" name="Date Placeholder 4"/>
+          <p:cNvSpPr>
+            <a:spLocks noGrp="1"/>
+          </p:cNvSpPr>
+          <p:nvPr>
+            <p:ph type="dt" sz="half" idx="10"/>
+          </p:nvPr>
+        </p:nvSpPr>
+        <p:spPr/>
+        <p:txBody>
+          <a:bodyPr/>
+          <a:lstStyle/>
+          <a:p>
+            <a:fld id="{D8CD3351-83B4-4F00-93E1-4A5ED87C0F85}" type="datetimeFigureOut">
+              <a:rPr lang="ru-RU" smtClean="0"/>
+              <a:t>24.04.2023</a:t>
+            </a:fld>
+            <a:endParaRPr lang="ru-RU"/>
+          </a:p>
+        </p:txBody>
+      </p:sp>
+      <p:sp>
+        <p:nvSpPr>
+          <p:cNvPr id="6" name="Footer Placeholder 5"/>
+          <p:cNvSpPr>
+            <a:spLocks noGrp="1"/>
+          </p:cNvSpPr>
+          <p:nvPr>
+            <p:ph type="ftr" sz="quarter" idx="11"/>
+          </p:nvPr>
+        </p:nvSpPr>
+        <p:spPr/>
+        <p:txBody>
+          <a:bodyPr/>
+          <a:lstStyle/>
+          <a:p>
+            <a:endParaRPr lang="ru-RU"/>
+          </a:p>
+        </p:txBody>
+      </p:sp>
+      <p:sp>
+        <p:nvSpPr>
+          <p:cNvPr id="7" name="Slide Number Placeholder 6"/>
+          <p:cNvSpPr>
+            <a:spLocks noGrp="1"/>
+          </p:cNvSpPr>
+          <p:nvPr>
+            <p:ph type="sldNum" sz="quarter" idx="12"/>
+          </p:nvPr>
+        </p:nvSpPr>
+        <p:spPr>
+          <a:xfrm>
+            <a:off x="10729455" y="4711309"/>
+            <a:ext cx="1154151" cy="1090789"/>
+          </a:xfrm>
+        </p:spPr>
+        <p:txBody>
+          <a:bodyPr/>
+          <a:lstStyle/>
+          <a:p>
+            <a:fld id="{4F04D78C-EEA0-4044-9FBE-22ABCBA39020}" type="slidenum">
+              <a:rPr lang="ru-RU" smtClean="0"/>
+              <a:t>‹#›</a:t>
+            </a:fld>
+            <a:endParaRPr lang="ru-RU"/>
+          </a:p>
+        </p:txBody>
+      </p:sp>
+    </p:spTree>
+    <p:extLst>
+      <p:ext uri="{BB962C8B-B14F-4D97-AF65-F5344CB8AC3E}">
+        <p14:creationId xmlns:p14="http://schemas.microsoft.com/office/powerpoint/2010/main" val="2096498946"/>
+      </p:ext>
+    </p:extLst>
+  </p:cSld>
+  <p:clrMapOvr>
+    <a:masterClrMapping/>
+  </p:clrMapOvr>
+</p:sldLayout>
+</file>
+
+<file path=ppt/slideLayouts/slideLayout11.xml><?xml version="1.0" encoding="utf-8"?>
+<p:sldLayout xmlns:a="http://schemas.openxmlformats.org/drawingml/2006/main" xmlns:r="http://schemas.openxmlformats.org/officeDocument/2006/relationships" xmlns:p="http://schemas.openxmlformats.org/presentationml/2006/main" preserve="1">
+  <p:cSld name="Заголовок и подпись">
+    <p:spTree>
+      <p:nvGrpSpPr>
+        <p:cNvPr id="1" name=""/>
+        <p:cNvGrpSpPr/>
+        <p:nvPr/>
+      </p:nvGrpSpPr>
+      <p:grpSpPr>
+        <a:xfrm>
+          <a:off x="0" y="0"/>
+          <a:ext cx="0" cy="0"/>
+          <a:chOff x="0" y="0"/>
+          <a:chExt cx="0" cy="0"/>
+        </a:xfrm>
+      </p:grpSpPr>
+      <p:pic>
+        <p:nvPicPr>
+          <p:cNvPr id="8" name="Picture 7" descr="HD-ShadowLong.png"/>
+          <p:cNvPicPr>
+            <a:picLocks noChangeAspect="1"/>
+          </p:cNvPicPr>
+          <p:nvPr/>
+        </p:nvPicPr>
+        <p:blipFill>
+          <a:blip r:embed="rId2">
+            <a:extLst>
+              <a:ext uri="{28A0092B-C50C-407E-A947-70E740481C1C}">
+                <a14:useLocalDpi xmlns:a14="http://schemas.microsoft.com/office/drawing/2010/main" val="0"/>
+              </a:ext>
+            </a:extLst>
+          </a:blip>
+          <a:stretch>
+            <a:fillRect/>
+          </a:stretch>
+        </p:blipFill>
+        <p:spPr>
+          <a:xfrm>
+            <a:off x="1" y="5928628"/>
+            <a:ext cx="10437812" cy="321164"/>
+          </a:xfrm>
+          <a:prstGeom prst="rect">
+            <a:avLst/>
+          </a:prstGeom>
+        </p:spPr>
+      </p:pic>
+      <p:pic>
+        <p:nvPicPr>
+          <p:cNvPr id="9" name="Picture 8" descr="HD-ShadowShort.png"/>
+          <p:cNvPicPr>
+            <a:picLocks noChangeAspect="1"/>
+          </p:cNvPicPr>
+          <p:nvPr/>
+        </p:nvPicPr>
+        <p:blipFill>
+          <a:blip r:embed="rId3">
+            <a:extLst>
+              <a:ext uri="{28A0092B-C50C-407E-A947-70E740481C1C}">
+                <a14:useLocalDpi xmlns:a14="http://schemas.microsoft.com/office/drawing/2010/main" val="0"/>
+              </a:ext>
+            </a:extLst>
+          </a:blip>
+          <a:stretch>
+            <a:fillRect/>
+          </a:stretch>
+        </p:blipFill>
+        <p:spPr>
+          <a:xfrm>
+            <a:off x="10585826" y="5929622"/>
+            <a:ext cx="1602997" cy="144270"/>
+          </a:xfrm>
+          <a:prstGeom prst="rect">
+            <a:avLst/>
+          </a:prstGeom>
+        </p:spPr>
+      </p:pic>
+      <p:sp>
+        <p:nvSpPr>
+          <p:cNvPr id="10" name="Rectangle 9"/>
+          <p:cNvSpPr/>
+          <p:nvPr/>
+        </p:nvSpPr>
+        <p:spPr bwMode="ltGray">
+          <a:xfrm>
+            <a:off x="0" y="4567988"/>
+            <a:ext cx="10437812" cy="1368198"/>
+          </a:xfrm>
+          <a:prstGeom prst="rect">
+            <a:avLst/>
+          </a:prstGeom>
+          <a:solidFill>
+            <a:schemeClr val="bg1">
+              <a:lumMod val="85000"/>
+              <a:lumOff val="15000"/>
+            </a:schemeClr>
+          </a:solidFill>
+          <a:ln>
+            <a:noFill/>
+          </a:ln>
+        </p:spPr>
+        <p:style>
+          <a:lnRef idx="2">
+            <a:schemeClr val="accent1">
+              <a:shade val="50000"/>
+            </a:schemeClr>
+          </a:lnRef>
+          <a:fillRef idx="1">
+            <a:schemeClr val="accent1"/>
+          </a:fillRef>
+          <a:effectRef idx="0">
+            <a:schemeClr val="accent1"/>
+          </a:effectRef>
+          <a:fontRef idx="minor">
+            <a:schemeClr val="lt1"/>
+          </a:fontRef>
+        </p:style>
+      </p:sp>
+      <p:sp>
+        <p:nvSpPr>
+          <p:cNvPr id="11" name="Rectangle 10"/>
+          <p:cNvSpPr/>
+          <p:nvPr/>
+        </p:nvSpPr>
+        <p:spPr>
+          <a:xfrm>
+            <a:off x="10585827" y="4567988"/>
+            <a:ext cx="1602997" cy="1368198"/>
+          </a:xfrm>
+          <a:prstGeom prst="rect">
+            <a:avLst/>
+          </a:prstGeom>
+          <a:solidFill>
+            <a:schemeClr val="accent1"/>
+          </a:solidFill>
+          <a:ln>
+            <a:noFill/>
+          </a:ln>
+        </p:spPr>
+        <p:style>
+          <a:lnRef idx="2">
+            <a:schemeClr val="accent1">
+              <a:shade val="50000"/>
+            </a:schemeClr>
+          </a:lnRef>
+          <a:fillRef idx="1">
+            <a:schemeClr val="accent1"/>
+          </a:fillRef>
+          <a:effectRef idx="0">
+            <a:schemeClr val="accent1"/>
+          </a:effectRef>
+          <a:fontRef idx="minor">
+            <a:schemeClr val="lt1"/>
+          </a:fontRef>
+        </p:style>
+      </p:sp>
+      <p:sp>
+        <p:nvSpPr>
+          <p:cNvPr id="2" name="Title 1"/>
+          <p:cNvSpPr>
+            <a:spLocks noGrp="1"/>
+          </p:cNvSpPr>
+          <p:nvPr>
+            <p:ph type="title"/>
+          </p:nvPr>
+        </p:nvSpPr>
+        <p:spPr>
+          <a:xfrm>
+            <a:off x="680322" y="609597"/>
+            <a:ext cx="9613858" cy="3592750"/>
+          </a:xfrm>
+        </p:spPr>
+        <p:txBody>
+          <a:bodyPr anchor="ctr"/>
+          <a:lstStyle>
+            <a:lvl1pPr>
+              <a:defRPr sz="3200"/>
+            </a:lvl1pPr>
+          </a:lstStyle>
+          <a:p>
+            <a:r>
+              <a:rPr lang="ru-RU"/>
+              <a:t>Образец заголовка</a:t>
+            </a:r>
+            <a:endParaRPr lang="en-US" dirty="0"/>
+          </a:p>
+        </p:txBody>
+      </p:sp>
+      <p:sp>
+        <p:nvSpPr>
+          <p:cNvPr id="4" name="Text Placeholder 3"/>
+          <p:cNvSpPr>
+            <a:spLocks noGrp="1"/>
+          </p:cNvSpPr>
+          <p:nvPr>
+            <p:ph type="body" sz="half" idx="2"/>
+          </p:nvPr>
+        </p:nvSpPr>
+        <p:spPr>
+          <a:xfrm>
+            <a:off x="680322" y="4711615"/>
+            <a:ext cx="9613859" cy="1090789"/>
+          </a:xfrm>
+        </p:spPr>
+        <p:txBody>
+          <a:bodyPr anchor="ctr"/>
+          <a:lstStyle>
+            <a:lvl1pPr marL="0" indent="0">
+              <a:buNone/>
+              <a:defRPr sz="1600"/>
+            </a:lvl1pPr>
+            <a:lvl2pPr marL="457200" indent="0">
+              <a:buNone/>
+              <a:defRPr sz="1400"/>
+            </a:lvl2pPr>
+            <a:lvl3pPr marL="914400" indent="0">
+              <a:buNone/>
+              <a:defRPr sz="1200"/>
+            </a:lvl3pPr>
+            <a:lvl4pPr marL="1371600" indent="0">
+              <a:buNone/>
+              <a:defRPr sz="1000"/>
+            </a:lvl4pPr>
+            <a:lvl5pPr marL="1828800" indent="0">
+              <a:buNone/>
+              <a:defRPr sz="1000"/>
+            </a:lvl5pPr>
+            <a:lvl6pPr marL="2286000" indent="0">
+              <a:buNone/>
+              <a:defRPr sz="1000"/>
+            </a:lvl6pPr>
+            <a:lvl7pPr marL="2743200" indent="0">
+              <a:buNone/>
+              <a:defRPr sz="1000"/>
+            </a:lvl7pPr>
+            <a:lvl8pPr marL="3200400" indent="0">
+              <a:buNone/>
+              <a:defRPr sz="1000"/>
+            </a:lvl8pPr>
+            <a:lvl9pPr marL="3657600" indent="0">
+              <a:buNone/>
+              <a:defRPr sz="1000"/>
+            </a:lvl9pPr>
+          </a:lstStyle>
+          <a:p>
+            <a:pPr lvl="0"/>
+            <a:r>
+              <a:rPr lang="ru-RU"/>
+              <a:t>Образец текста</a:t>
+            </a:r>
+          </a:p>
+        </p:txBody>
+      </p:sp>
+      <p:sp>
+        <p:nvSpPr>
+          <p:cNvPr id="5" name="Date Placeholder 4"/>
+          <p:cNvSpPr>
+            <a:spLocks noGrp="1"/>
+          </p:cNvSpPr>
+          <p:nvPr>
+            <p:ph type="dt" sz="half" idx="10"/>
+          </p:nvPr>
+        </p:nvSpPr>
+        <p:spPr/>
+        <p:txBody>
+          <a:bodyPr/>
+          <a:lstStyle/>
+          <a:p>
+            <a:fld id="{D8CD3351-83B4-4F00-93E1-4A5ED87C0F85}" type="datetimeFigureOut">
+              <a:rPr lang="ru-RU" smtClean="0"/>
+              <a:t>24.04.2023</a:t>
+            </a:fld>
+            <a:endParaRPr lang="ru-RU"/>
+          </a:p>
+        </p:txBody>
+      </p:sp>
+      <p:sp>
+        <p:nvSpPr>
+          <p:cNvPr id="6" name="Footer Placeholder 5"/>
+          <p:cNvSpPr>
+            <a:spLocks noGrp="1"/>
+          </p:cNvSpPr>
+          <p:nvPr>
+            <p:ph type="ftr" sz="quarter" idx="11"/>
+          </p:nvPr>
+        </p:nvSpPr>
+        <p:spPr/>
+        <p:txBody>
+          <a:bodyPr/>
+          <a:lstStyle/>
+          <a:p>
+            <a:endParaRPr lang="ru-RU"/>
+          </a:p>
+        </p:txBody>
+      </p:sp>
+      <p:sp>
+        <p:nvSpPr>
+          <p:cNvPr id="7" name="Slide Number Placeholder 6"/>
+          <p:cNvSpPr>
+            <a:spLocks noGrp="1"/>
+          </p:cNvSpPr>
+          <p:nvPr>
+            <p:ph type="sldNum" sz="quarter" idx="12"/>
+          </p:nvPr>
+        </p:nvSpPr>
+        <p:spPr>
+          <a:xfrm>
+            <a:off x="10729455" y="4711615"/>
+            <a:ext cx="1154151" cy="1090789"/>
+          </a:xfrm>
+        </p:spPr>
+        <p:txBody>
+          <a:bodyPr/>
+          <a:lstStyle/>
+          <a:p>
+            <a:fld id="{4F04D78C-EEA0-4044-9FBE-22ABCBA39020}" type="slidenum">
+              <a:rPr lang="ru-RU" smtClean="0"/>
+              <a:t>‹#›</a:t>
+            </a:fld>
+            <a:endParaRPr lang="ru-RU"/>
+          </a:p>
+        </p:txBody>
+      </p:sp>
+    </p:spTree>
+    <p:extLst>
+      <p:ext uri="{BB962C8B-B14F-4D97-AF65-F5344CB8AC3E}">
+        <p14:creationId xmlns:p14="http://schemas.microsoft.com/office/powerpoint/2010/main" val="4098867791"/>
+      </p:ext>
+    </p:extLst>
+  </p:cSld>
+  <p:clrMapOvr>
+    <a:masterClrMapping/>
+  </p:clrMapOvr>
+</p:sldLayout>
+</file>
+
+<file path=ppt/slideLayouts/slideLayout12.xml><?xml version="1.0" encoding="utf-8"?>
+<p:sldLayout xmlns:a="http://schemas.openxmlformats.org/drawingml/2006/main" xmlns:r="http://schemas.openxmlformats.org/officeDocument/2006/relationships" xmlns:p="http://schemas.openxmlformats.org/presentationml/2006/main" preserve="1">
+  <p:cSld name="Цитата с подписью">
+    <p:spTree>
+      <p:nvGrpSpPr>
+        <p:cNvPr id="1" name=""/>
+        <p:cNvGrpSpPr/>
+        <p:nvPr/>
+      </p:nvGrpSpPr>
+      <p:grpSpPr>
+        <a:xfrm>
+          <a:off x="0" y="0"/>
+          <a:ext cx="0" cy="0"/>
+          <a:chOff x="0" y="0"/>
+          <a:chExt cx="0" cy="0"/>
+        </a:xfrm>
+      </p:grpSpPr>
+      <p:pic>
+        <p:nvPicPr>
+          <p:cNvPr id="11" name="Picture 10" descr="HD-ShadowLong.png"/>
+          <p:cNvPicPr>
+            <a:picLocks noChangeAspect="1"/>
+          </p:cNvPicPr>
+          <p:nvPr/>
+        </p:nvPicPr>
+        <p:blipFill>
+          <a:blip r:embed="rId2">
+            <a:extLst>
+              <a:ext uri="{28A0092B-C50C-407E-A947-70E740481C1C}">
+                <a14:useLocalDpi xmlns:a14="http://schemas.microsoft.com/office/drawing/2010/main" val="0"/>
+              </a:ext>
+            </a:extLst>
+          </a:blip>
+          <a:stretch>
+            <a:fillRect/>
+          </a:stretch>
+        </p:blipFill>
+        <p:spPr>
+          <a:xfrm>
+            <a:off x="1" y="5928628"/>
+            <a:ext cx="10437812" cy="321164"/>
+          </a:xfrm>
+          <a:prstGeom prst="rect">
+            <a:avLst/>
+          </a:prstGeom>
+        </p:spPr>
+      </p:pic>
+      <p:pic>
+        <p:nvPicPr>
+          <p:cNvPr id="13" name="Picture 12" descr="HD-ShadowShort.png"/>
+          <p:cNvPicPr>
+            <a:picLocks noChangeAspect="1"/>
+          </p:cNvPicPr>
+          <p:nvPr/>
+        </p:nvPicPr>
+        <p:blipFill>
+          <a:blip r:embed="rId3">
+            <a:extLst>
+              <a:ext uri="{28A0092B-C50C-407E-A947-70E740481C1C}">
+                <a14:useLocalDpi xmlns:a14="http://schemas.microsoft.com/office/drawing/2010/main" val="0"/>
+              </a:ext>
+            </a:extLst>
+          </a:blip>
+          <a:stretch>
+            <a:fillRect/>
+          </a:stretch>
+        </p:blipFill>
+        <p:spPr>
+          <a:xfrm>
+            <a:off x="10585826" y="5929622"/>
+            <a:ext cx="1602997" cy="144270"/>
+          </a:xfrm>
+          <a:prstGeom prst="rect">
+            <a:avLst/>
+          </a:prstGeom>
+        </p:spPr>
+      </p:pic>
+      <p:sp>
+        <p:nvSpPr>
+          <p:cNvPr id="14" name="Rectangle 13"/>
+          <p:cNvSpPr/>
+          <p:nvPr/>
+        </p:nvSpPr>
+        <p:spPr bwMode="ltGray">
+          <a:xfrm>
+            <a:off x="0" y="4567988"/>
+            <a:ext cx="10437812" cy="1368198"/>
+          </a:xfrm>
+          <a:prstGeom prst="rect">
+            <a:avLst/>
+          </a:prstGeom>
+          <a:solidFill>
+            <a:schemeClr val="bg1">
+              <a:lumMod val="85000"/>
+              <a:lumOff val="15000"/>
+            </a:schemeClr>
+          </a:solidFill>
+          <a:ln>
+            <a:noFill/>
+          </a:ln>
+        </p:spPr>
+        <p:style>
+          <a:lnRef idx="2">
+            <a:schemeClr val="accent1">
+              <a:shade val="50000"/>
+            </a:schemeClr>
+          </a:lnRef>
+          <a:fillRef idx="1">
+            <a:schemeClr val="accent1"/>
+          </a:fillRef>
+          <a:effectRef idx="0">
+            <a:schemeClr val="accent1"/>
+          </a:effectRef>
+          <a:fontRef idx="minor">
+            <a:schemeClr val="lt1"/>
+          </a:fontRef>
+        </p:style>
+      </p:sp>
+      <p:sp>
+        <p:nvSpPr>
+          <p:cNvPr id="15" name="Rectangle 14"/>
+          <p:cNvSpPr/>
+          <p:nvPr/>
+        </p:nvSpPr>
+        <p:spPr>
+          <a:xfrm>
+            <a:off x="10585827" y="4567988"/>
+            <a:ext cx="1602997" cy="1368198"/>
+          </a:xfrm>
+          <a:prstGeom prst="rect">
+            <a:avLst/>
+          </a:prstGeom>
+          <a:solidFill>
+            <a:schemeClr val="accent1"/>
+          </a:solidFill>
+          <a:ln>
+            <a:noFill/>
+          </a:ln>
+        </p:spPr>
+        <p:style>
+          <a:lnRef idx="2">
+            <a:schemeClr val="accent1">
+              <a:shade val="50000"/>
+            </a:schemeClr>
+          </a:lnRef>
+          <a:fillRef idx="1">
+            <a:schemeClr val="accent1"/>
+          </a:fillRef>
+          <a:effectRef idx="0">
+            <a:schemeClr val="accent1"/>
+          </a:effectRef>
+          <a:fontRef idx="minor">
+            <a:schemeClr val="lt1"/>
+          </a:fontRef>
+        </p:style>
+      </p:sp>
+      <p:sp>
+        <p:nvSpPr>
+          <p:cNvPr id="2" name="Title 1"/>
+          <p:cNvSpPr>
+            <a:spLocks noGrp="1"/>
+          </p:cNvSpPr>
+          <p:nvPr>
+            <p:ph type="title"/>
+          </p:nvPr>
+        </p:nvSpPr>
+        <p:spPr>
+          <a:xfrm>
+            <a:off x="1127856" y="609598"/>
+            <a:ext cx="8718877" cy="3036061"/>
+          </a:xfrm>
+        </p:spPr>
+        <p:txBody>
+          <a:bodyPr anchor="ctr"/>
+          <a:lstStyle>
+            <a:lvl1pPr>
+              <a:defRPr sz="3200"/>
+            </a:lvl1pPr>
+          </a:lstStyle>
+          <a:p>
+            <a:r>
+              <a:rPr lang="ru-RU"/>
+              <a:t>Образец заголовка</a:t>
+            </a:r>
+            <a:endParaRPr lang="en-US" dirty="0"/>
+          </a:p>
+        </p:txBody>
+      </p:sp>
+      <p:sp>
+        <p:nvSpPr>
+          <p:cNvPr id="12" name="Text Placeholder 3"/>
+          <p:cNvSpPr>
+            <a:spLocks noGrp="1"/>
+          </p:cNvSpPr>
+          <p:nvPr>
+            <p:ph type="body" sz="half" idx="13"/>
+          </p:nvPr>
+        </p:nvSpPr>
+        <p:spPr>
+          <a:xfrm>
+            <a:off x="1402288" y="3653379"/>
+            <a:ext cx="8156579" cy="548968"/>
+          </a:xfrm>
+        </p:spPr>
+        <p:txBody>
+          <a:bodyPr anchor="t">
+            <a:normAutofit/>
+          </a:bodyPr>
+          <a:lstStyle>
+            <a:lvl1pPr marL="0" indent="0">
+              <a:buNone/>
+              <a:defRPr sz="1400"/>
+            </a:lvl1pPr>
+            <a:lvl2pPr marL="457200" indent="0">
+              <a:buNone/>
+              <a:defRPr sz="1400"/>
+            </a:lvl2pPr>
+            <a:lvl3pPr marL="914400" indent="0">
+              <a:buNone/>
+              <a:defRPr sz="1200"/>
+            </a:lvl3pPr>
+            <a:lvl4pPr marL="1371600" indent="0">
+              <a:buNone/>
+              <a:defRPr sz="1000"/>
+            </a:lvl4pPr>
+            <a:lvl5pPr marL="1828800" indent="0">
+              <a:buNone/>
+              <a:defRPr sz="1000"/>
+            </a:lvl5pPr>
+            <a:lvl6pPr marL="2286000" indent="0">
+              <a:buNone/>
+              <a:defRPr sz="1000"/>
+            </a:lvl6pPr>
+            <a:lvl7pPr marL="2743200" indent="0">
+              <a:buNone/>
+              <a:defRPr sz="1000"/>
+            </a:lvl7pPr>
+            <a:lvl8pPr marL="3200400" indent="0">
+              <a:buNone/>
+              <a:defRPr sz="1000"/>
+            </a:lvl8pPr>
+            <a:lvl9pPr marL="3657600" indent="0">
+              <a:buNone/>
+              <a:defRPr sz="1000"/>
+            </a:lvl9pPr>
+          </a:lstStyle>
+          <a:p>
+            <a:pPr lvl="0"/>
+            <a:r>
+              <a:rPr lang="ru-RU"/>
+              <a:t>Образец текста</a:t>
+            </a:r>
+          </a:p>
+        </p:txBody>
+      </p:sp>
+      <p:sp>
+        <p:nvSpPr>
+          <p:cNvPr id="4" name="Text Placeholder 3"/>
+          <p:cNvSpPr>
+            <a:spLocks noGrp="1"/>
+          </p:cNvSpPr>
+          <p:nvPr>
+            <p:ph type="body" sz="half" idx="2"/>
+          </p:nvPr>
+        </p:nvSpPr>
+        <p:spPr>
+          <a:xfrm>
+            <a:off x="680322" y="4711615"/>
+            <a:ext cx="9613859" cy="1090789"/>
+          </a:xfrm>
+        </p:spPr>
+        <p:txBody>
+          <a:bodyPr anchor="ctr">
+            <a:normAutofit/>
+          </a:bodyPr>
+          <a:lstStyle>
+            <a:lvl1pPr marL="0" indent="0">
+              <a:buNone/>
+              <a:defRPr sz="1600"/>
+            </a:lvl1pPr>
+            <a:lvl2pPr marL="457200" indent="0">
+              <a:buNone/>
+              <a:defRPr sz="1400"/>
+            </a:lvl2pPr>
+            <a:lvl3pPr marL="914400" indent="0">
+              <a:buNone/>
+              <a:defRPr sz="1200"/>
+            </a:lvl3pPr>
+            <a:lvl4pPr marL="1371600" indent="0">
+              <a:buNone/>
+              <a:defRPr sz="1000"/>
+            </a:lvl4pPr>
+            <a:lvl5pPr marL="1828800" indent="0">
+              <a:buNone/>
+              <a:defRPr sz="1000"/>
+            </a:lvl5pPr>
+            <a:lvl6pPr marL="2286000" indent="0">
+              <a:buNone/>
+              <a:defRPr sz="1000"/>
+            </a:lvl6pPr>
+            <a:lvl7pPr marL="2743200" indent="0">
+              <a:buNone/>
+              <a:defRPr sz="1000"/>
+            </a:lvl7pPr>
+            <a:lvl8pPr marL="3200400" indent="0">
+              <a:buNone/>
+              <a:defRPr sz="1000"/>
+            </a:lvl8pPr>
+            <a:lvl9pPr marL="3657600" indent="0">
+              <a:buNone/>
+              <a:defRPr sz="1000"/>
+            </a:lvl9pPr>
+          </a:lstStyle>
+          <a:p>
+            <a:pPr lvl="0"/>
+            <a:r>
+              <a:rPr lang="ru-RU"/>
+              <a:t>Образец текста</a:t>
+            </a:r>
+          </a:p>
+        </p:txBody>
+      </p:sp>
+      <p:sp>
+        <p:nvSpPr>
+          <p:cNvPr id="5" name="Date Placeholder 4"/>
+          <p:cNvSpPr>
+            <a:spLocks noGrp="1"/>
+          </p:cNvSpPr>
+          <p:nvPr>
+            <p:ph type="dt" sz="half" idx="10"/>
+          </p:nvPr>
+        </p:nvSpPr>
+        <p:spPr/>
+        <p:txBody>
+          <a:bodyPr/>
+          <a:lstStyle/>
+          <a:p>
+            <a:fld id="{D8CD3351-83B4-4F00-93E1-4A5ED87C0F85}" type="datetimeFigureOut">
+              <a:rPr lang="ru-RU" smtClean="0"/>
+              <a:t>24.04.2023</a:t>
+            </a:fld>
+            <a:endParaRPr lang="ru-RU"/>
+          </a:p>
+        </p:txBody>
+      </p:sp>
+      <p:sp>
+        <p:nvSpPr>
+          <p:cNvPr id="6" name="Footer Placeholder 5"/>
+          <p:cNvSpPr>
+            <a:spLocks noGrp="1"/>
+          </p:cNvSpPr>
+          <p:nvPr>
+            <p:ph type="ftr" sz="quarter" idx="11"/>
+          </p:nvPr>
+        </p:nvSpPr>
+        <p:spPr/>
+        <p:txBody>
+          <a:bodyPr/>
+          <a:lstStyle/>
+          <a:p>
+            <a:endParaRPr lang="ru-RU"/>
+          </a:p>
+        </p:txBody>
+      </p:sp>
+      <p:sp>
+        <p:nvSpPr>
+          <p:cNvPr id="7" name="Slide Number Placeholder 6"/>
+          <p:cNvSpPr>
+            <a:spLocks noGrp="1"/>
+          </p:cNvSpPr>
+          <p:nvPr>
+            <p:ph type="sldNum" sz="quarter" idx="12"/>
+          </p:nvPr>
+        </p:nvSpPr>
+        <p:spPr>
+          <a:xfrm>
+            <a:off x="10729455" y="4709925"/>
+            <a:ext cx="1154151" cy="1090789"/>
+          </a:xfrm>
+        </p:spPr>
+        <p:txBody>
+          <a:bodyPr/>
+          <a:lstStyle/>
+          <a:p>
+            <a:fld id="{4F04D78C-EEA0-4044-9FBE-22ABCBA39020}" type="slidenum">
+              <a:rPr lang="ru-RU" smtClean="0"/>
+              <a:t>‹#›</a:t>
+            </a:fld>
+            <a:endParaRPr lang="ru-RU"/>
+          </a:p>
+        </p:txBody>
+      </p:sp>
+      <p:sp>
+        <p:nvSpPr>
+          <p:cNvPr id="16" name="TextBox 15"/>
+          <p:cNvSpPr txBox="1"/>
+          <p:nvPr/>
+        </p:nvSpPr>
+        <p:spPr>
+          <a:xfrm>
+            <a:off x="583572" y="748116"/>
+            <a:ext cx="609600" cy="584776"/>
+          </a:xfrm>
+          <a:prstGeom prst="rect">
+            <a:avLst/>
+          </a:prstGeom>
+        </p:spPr>
+        <p:txBody>
+          <a:bodyPr vert="horz" lIns="91440" tIns="45720" rIns="91440" bIns="45720" rtlCol="0" anchor="ctr">
+            <a:noAutofit/>
+          </a:bodyPr>
+          <a:lstStyle>
+            <a:lvl1pPr>
+              <a:spcBef>
+                <a:spcPct val="0"/>
+              </a:spcBef>
+              <a:buNone/>
+              <a:defRPr sz="3200" b="0" cap="all">
+                <a:ln w="3175" cmpd="sng">
+                  <a:noFill/>
+                </a:ln>
+                <a:effectLst>
+                  <a:glow rad="38100">
+                    <a:schemeClr val="bg1">
+                      <a:lumMod val="65000"/>
+                      <a:lumOff val="35000"/>
+                      <a:alpha val="40000"/>
+                    </a:schemeClr>
+                  </a:glow>
+                  <a:outerShdw blurRad="28575" dist="38100" dir="14040000" algn="tl" rotWithShape="0">
+                    <a:srgbClr val="000000">
+                      <a:alpha val="25000"/>
+                    </a:srgbClr>
+                  </a:outerShdw>
+                </a:effectLst>
+              </a:defRPr>
+            </a:lvl1pPr>
+            <a:lvl2pPr>
+              <a:defRPr>
+                <a:solidFill>
+                  <a:schemeClr val="tx2"/>
+                </a:solidFill>
+              </a:defRPr>
+            </a:lvl2pPr>
+            <a:lvl3pPr>
+              <a:defRPr>
+                <a:solidFill>
+                  <a:schemeClr val="tx2"/>
+                </a:solidFill>
+              </a:defRPr>
+            </a:lvl3pPr>
+            <a:lvl4pPr>
+              <a:defRPr>
+                <a:solidFill>
+                  <a:schemeClr val="tx2"/>
+                </a:solidFill>
+              </a:defRPr>
+            </a:lvl4pPr>
+            <a:lvl5pPr>
+              <a:defRPr>
+                <a:solidFill>
+                  <a:schemeClr val="tx2"/>
+                </a:solidFill>
+              </a:defRPr>
+            </a:lvl5pPr>
+            <a:lvl6pPr>
+              <a:defRPr>
+                <a:solidFill>
+                  <a:schemeClr val="tx2"/>
+                </a:solidFill>
+              </a:defRPr>
+            </a:lvl6pPr>
+            <a:lvl7pPr>
+              <a:defRPr>
+                <a:solidFill>
+                  <a:schemeClr val="tx2"/>
+                </a:solidFill>
+              </a:defRPr>
+            </a:lvl7pPr>
+            <a:lvl8pPr>
+              <a:defRPr>
+                <a:solidFill>
+                  <a:schemeClr val="tx2"/>
+                </a:solidFill>
+              </a:defRPr>
+            </a:lvl8pPr>
+            <a:lvl9pPr>
+              <a:defRPr>
+                <a:solidFill>
+                  <a:schemeClr val="tx2"/>
+                </a:solidFill>
+              </a:defRPr>
+            </a:lvl9pPr>
+          </a:lstStyle>
+          <a:p>
+            <a:pPr lvl="0"/>
+            <a:r>
+              <a:rPr lang="en-US" sz="7200" dirty="0">
+                <a:solidFill>
+                  <a:schemeClr val="tx1"/>
+                </a:solidFill>
+                <a:effectLst/>
+              </a:rPr>
+              <a:t>“</a:t>
+            </a:r>
+          </a:p>
+        </p:txBody>
+      </p:sp>
+      <p:sp>
+        <p:nvSpPr>
+          <p:cNvPr id="17" name="TextBox 16"/>
+          <p:cNvSpPr txBox="1"/>
+          <p:nvPr/>
+        </p:nvSpPr>
+        <p:spPr>
+          <a:xfrm>
+            <a:off x="9662809" y="3033524"/>
+            <a:ext cx="609600" cy="584776"/>
+          </a:xfrm>
+          <a:prstGeom prst="rect">
+            <a:avLst/>
+          </a:prstGeom>
+        </p:spPr>
+        <p:txBody>
+          <a:bodyPr vert="horz" lIns="91440" tIns="45720" rIns="91440" bIns="45720" rtlCol="0" anchor="ctr">
+            <a:noAutofit/>
+          </a:bodyPr>
+          <a:lstStyle>
+            <a:lvl1pPr>
+              <a:spcBef>
+                <a:spcPct val="0"/>
+              </a:spcBef>
+              <a:buNone/>
+              <a:defRPr sz="3200" b="0" cap="all">
+                <a:ln w="3175" cmpd="sng">
+                  <a:noFill/>
+                </a:ln>
+                <a:effectLst>
+                  <a:glow rad="38100">
+                    <a:schemeClr val="bg1">
+                      <a:lumMod val="65000"/>
+                      <a:lumOff val="35000"/>
+                      <a:alpha val="40000"/>
+                    </a:schemeClr>
+                  </a:glow>
+                  <a:outerShdw blurRad="28575" dist="38100" dir="14040000" algn="tl" rotWithShape="0">
+                    <a:srgbClr val="000000">
+                      <a:alpha val="25000"/>
+                    </a:srgbClr>
+                  </a:outerShdw>
+                </a:effectLst>
+              </a:defRPr>
+            </a:lvl1pPr>
+            <a:lvl2pPr>
+              <a:defRPr>
+                <a:solidFill>
+                  <a:schemeClr val="tx2"/>
+                </a:solidFill>
+              </a:defRPr>
+            </a:lvl2pPr>
+            <a:lvl3pPr>
+              <a:defRPr>
+                <a:solidFill>
+                  <a:schemeClr val="tx2"/>
+                </a:solidFill>
+              </a:defRPr>
+            </a:lvl3pPr>
+            <a:lvl4pPr>
+              <a:defRPr>
+                <a:solidFill>
+                  <a:schemeClr val="tx2"/>
+                </a:solidFill>
+              </a:defRPr>
+            </a:lvl4pPr>
+            <a:lvl5pPr>
+              <a:defRPr>
+                <a:solidFill>
+                  <a:schemeClr val="tx2"/>
+                </a:solidFill>
+              </a:defRPr>
+            </a:lvl5pPr>
+            <a:lvl6pPr>
+              <a:defRPr>
+                <a:solidFill>
+                  <a:schemeClr val="tx2"/>
+                </a:solidFill>
+              </a:defRPr>
+            </a:lvl6pPr>
+            <a:lvl7pPr>
+              <a:defRPr>
+                <a:solidFill>
+                  <a:schemeClr val="tx2"/>
+                </a:solidFill>
+              </a:defRPr>
+            </a:lvl7pPr>
+            <a:lvl8pPr>
+              <a:defRPr>
+                <a:solidFill>
+                  <a:schemeClr val="tx2"/>
+                </a:solidFill>
+              </a:defRPr>
+            </a:lvl8pPr>
+            <a:lvl9pPr>
+              <a:defRPr>
+                <a:solidFill>
+                  <a:schemeClr val="tx2"/>
+                </a:solidFill>
+              </a:defRPr>
+            </a:lvl9pPr>
+          </a:lstStyle>
+          <a:p>
+            <a:pPr lvl="0" algn="r"/>
+            <a:r>
+              <a:rPr lang="en-US" sz="7200" dirty="0">
+                <a:solidFill>
+                  <a:schemeClr val="tx1"/>
+                </a:solidFill>
+                <a:effectLst/>
+              </a:rPr>
+              <a:t>”</a:t>
+            </a:r>
+          </a:p>
+        </p:txBody>
+      </p:sp>
+    </p:spTree>
+    <p:extLst>
+      <p:ext uri="{BB962C8B-B14F-4D97-AF65-F5344CB8AC3E}">
+        <p14:creationId xmlns:p14="http://schemas.microsoft.com/office/powerpoint/2010/main" val="3527669258"/>
+      </p:ext>
+    </p:extLst>
+  </p:cSld>
+  <p:clrMapOvr>
+    <a:masterClrMapping/>
+  </p:clrMapOvr>
+</p:sldLayout>
+</file>
+
+<file path=ppt/slideLayouts/slideLayout13.xml><?xml version="1.0" encoding="utf-8"?>
+<p:sldLayout xmlns:a="http://schemas.openxmlformats.org/drawingml/2006/main" xmlns:r="http://schemas.openxmlformats.org/officeDocument/2006/relationships" xmlns:p="http://schemas.openxmlformats.org/presentationml/2006/main" preserve="1">
+  <p:cSld name="Карточка имени">
+    <p:spTree>
+      <p:nvGrpSpPr>
+        <p:cNvPr id="1" name=""/>
+        <p:cNvGrpSpPr/>
+        <p:nvPr/>
+      </p:nvGrpSpPr>
+      <p:grpSpPr>
+        <a:xfrm>
+          <a:off x="0" y="0"/>
+          <a:ext cx="0" cy="0"/>
+          <a:chOff x="0" y="0"/>
+          <a:chExt cx="0" cy="0"/>
+        </a:xfrm>
+      </p:grpSpPr>
+      <p:pic>
+        <p:nvPicPr>
+          <p:cNvPr id="9" name="Picture 8" descr="HD-ShadowLong.png"/>
+          <p:cNvPicPr>
+            <a:picLocks noChangeAspect="1"/>
+          </p:cNvPicPr>
+          <p:nvPr/>
+        </p:nvPicPr>
+        <p:blipFill>
+          <a:blip r:embed="rId2">
+            <a:extLst>
+              <a:ext uri="{28A0092B-C50C-407E-A947-70E740481C1C}">
+                <a14:useLocalDpi xmlns:a14="http://schemas.microsoft.com/office/drawing/2010/main" val="0"/>
+              </a:ext>
+            </a:extLst>
+          </a:blip>
+          <a:stretch>
+            <a:fillRect/>
+          </a:stretch>
+        </p:blipFill>
+        <p:spPr>
+          <a:xfrm>
+            <a:off x="1" y="5928628"/>
+            <a:ext cx="10437812" cy="321164"/>
+          </a:xfrm>
+          <a:prstGeom prst="rect">
+            <a:avLst/>
+          </a:prstGeom>
+        </p:spPr>
+      </p:pic>
+      <p:pic>
+        <p:nvPicPr>
+          <p:cNvPr id="10" name="Picture 9" descr="HD-ShadowShort.png"/>
+          <p:cNvPicPr>
+            <a:picLocks noChangeAspect="1"/>
+          </p:cNvPicPr>
+          <p:nvPr/>
+        </p:nvPicPr>
+        <p:blipFill>
+          <a:blip r:embed="rId3">
+            <a:extLst>
+              <a:ext uri="{28A0092B-C50C-407E-A947-70E740481C1C}">
+                <a14:useLocalDpi xmlns:a14="http://schemas.microsoft.com/office/drawing/2010/main" val="0"/>
+              </a:ext>
+            </a:extLst>
+          </a:blip>
+          <a:stretch>
+            <a:fillRect/>
+          </a:stretch>
+        </p:blipFill>
+        <p:spPr>
+          <a:xfrm>
+            <a:off x="10585826" y="5929622"/>
+            <a:ext cx="1602997" cy="144270"/>
+          </a:xfrm>
+          <a:prstGeom prst="rect">
+            <a:avLst/>
+          </a:prstGeom>
+        </p:spPr>
+      </p:pic>
+      <p:sp>
+        <p:nvSpPr>
+          <p:cNvPr id="11" name="Rectangle 10"/>
+          <p:cNvSpPr/>
+          <p:nvPr/>
+        </p:nvSpPr>
+        <p:spPr bwMode="ltGray">
+          <a:xfrm>
+            <a:off x="0" y="4567988"/>
+            <a:ext cx="10437812" cy="1368198"/>
+          </a:xfrm>
+          <a:prstGeom prst="rect">
+            <a:avLst/>
+          </a:prstGeom>
+          <a:solidFill>
+            <a:schemeClr val="bg1">
+              <a:lumMod val="85000"/>
+              <a:lumOff val="15000"/>
+            </a:schemeClr>
+          </a:solidFill>
+          <a:ln>
+            <a:noFill/>
+          </a:ln>
+        </p:spPr>
+        <p:style>
+          <a:lnRef idx="2">
+            <a:schemeClr val="accent1">
+              <a:shade val="50000"/>
+            </a:schemeClr>
+          </a:lnRef>
+          <a:fillRef idx="1">
+            <a:schemeClr val="accent1"/>
+          </a:fillRef>
+          <a:effectRef idx="0">
+            <a:schemeClr val="accent1"/>
+          </a:effectRef>
+          <a:fontRef idx="minor">
+            <a:schemeClr val="lt1"/>
+          </a:fontRef>
+        </p:style>
+      </p:sp>
+      <p:sp>
+        <p:nvSpPr>
+          <p:cNvPr id="12" name="Rectangle 11"/>
+          <p:cNvSpPr/>
+          <p:nvPr/>
+        </p:nvSpPr>
+        <p:spPr>
+          <a:xfrm>
+            <a:off x="10585827" y="4567988"/>
+            <a:ext cx="1602997" cy="1368198"/>
+          </a:xfrm>
+          <a:prstGeom prst="rect">
+            <a:avLst/>
+          </a:prstGeom>
+          <a:solidFill>
+            <a:schemeClr val="accent1"/>
+          </a:solidFill>
+          <a:ln>
+            <a:noFill/>
+          </a:ln>
+        </p:spPr>
+        <p:style>
+          <a:lnRef idx="2">
+            <a:schemeClr val="accent1">
+              <a:shade val="50000"/>
+            </a:schemeClr>
+          </a:lnRef>
+          <a:fillRef idx="1">
+            <a:schemeClr val="accent1"/>
+          </a:fillRef>
+          <a:effectRef idx="0">
+            <a:schemeClr val="accent1"/>
+          </a:effectRef>
+          <a:fontRef idx="minor">
+            <a:schemeClr val="lt1"/>
+          </a:fontRef>
+        </p:style>
+      </p:sp>
+      <p:sp>
+        <p:nvSpPr>
+          <p:cNvPr id="2" name="Title 1"/>
+          <p:cNvSpPr>
+            <a:spLocks noGrp="1"/>
+          </p:cNvSpPr>
+          <p:nvPr>
+            <p:ph type="title"/>
+          </p:nvPr>
+        </p:nvSpPr>
+        <p:spPr>
+          <a:xfrm>
+            <a:off x="680319" y="4711615"/>
+            <a:ext cx="9613862" cy="588535"/>
+          </a:xfrm>
+        </p:spPr>
+        <p:txBody>
+          <a:bodyPr anchor="b"/>
+          <a:lstStyle>
+            <a:lvl1pPr>
+              <a:defRPr sz="3200"/>
+            </a:lvl1pPr>
+          </a:lstStyle>
+          <a:p>
+            <a:r>
+              <a:rPr lang="ru-RU"/>
+              <a:t>Образец заголовка</a:t>
+            </a:r>
+            <a:endParaRPr lang="en-US" dirty="0"/>
+          </a:p>
+        </p:txBody>
+      </p:sp>
+      <p:sp>
+        <p:nvSpPr>
+          <p:cNvPr id="4" name="Text Placeholder 3"/>
+          <p:cNvSpPr>
+            <a:spLocks noGrp="1"/>
+          </p:cNvSpPr>
+          <p:nvPr>
+            <p:ph type="body" sz="half" idx="2"/>
+          </p:nvPr>
+        </p:nvSpPr>
+        <p:spPr>
+          <a:xfrm>
+            <a:off x="680320" y="5300149"/>
+            <a:ext cx="9613862" cy="502255"/>
+          </a:xfrm>
+        </p:spPr>
+        <p:txBody>
+          <a:bodyPr anchor="t"/>
+          <a:lstStyle>
+            <a:lvl1pPr marL="0" indent="0">
+              <a:buNone/>
+              <a:defRPr sz="1600"/>
+            </a:lvl1pPr>
+            <a:lvl2pPr marL="457200" indent="0">
+              <a:buNone/>
+              <a:defRPr sz="1400"/>
+            </a:lvl2pPr>
+            <a:lvl3pPr marL="914400" indent="0">
+              <a:buNone/>
+              <a:defRPr sz="1200"/>
+            </a:lvl3pPr>
+            <a:lvl4pPr marL="1371600" indent="0">
+              <a:buNone/>
+              <a:defRPr sz="1000"/>
+            </a:lvl4pPr>
+            <a:lvl5pPr marL="1828800" indent="0">
+              <a:buNone/>
+              <a:defRPr sz="1000"/>
+            </a:lvl5pPr>
+            <a:lvl6pPr marL="2286000" indent="0">
+              <a:buNone/>
+              <a:defRPr sz="1000"/>
+            </a:lvl6pPr>
+            <a:lvl7pPr marL="2743200" indent="0">
+              <a:buNone/>
+              <a:defRPr sz="1000"/>
+            </a:lvl7pPr>
+            <a:lvl8pPr marL="3200400" indent="0">
+              <a:buNone/>
+              <a:defRPr sz="1000"/>
+            </a:lvl8pPr>
+            <a:lvl9pPr marL="3657600" indent="0">
+              <a:buNone/>
+              <a:defRPr sz="1000"/>
+            </a:lvl9pPr>
+          </a:lstStyle>
+          <a:p>
+            <a:pPr lvl="0"/>
+            <a:r>
+              <a:rPr lang="ru-RU"/>
+              <a:t>Образец текста</a:t>
+            </a:r>
+          </a:p>
+        </p:txBody>
+      </p:sp>
+      <p:sp>
+        <p:nvSpPr>
+          <p:cNvPr id="5" name="Date Placeholder 4"/>
+          <p:cNvSpPr>
+            <a:spLocks noGrp="1"/>
+          </p:cNvSpPr>
+          <p:nvPr>
+            <p:ph type="dt" sz="half" idx="10"/>
+          </p:nvPr>
+        </p:nvSpPr>
+        <p:spPr/>
+        <p:txBody>
+          <a:bodyPr/>
+          <a:lstStyle/>
+          <a:p>
+            <a:fld id="{D8CD3351-83B4-4F00-93E1-4A5ED87C0F85}" type="datetimeFigureOut">
+              <a:rPr lang="ru-RU" smtClean="0"/>
+              <a:t>24.04.2023</a:t>
+            </a:fld>
+            <a:endParaRPr lang="ru-RU"/>
+          </a:p>
+        </p:txBody>
+      </p:sp>
+      <p:sp>
+        <p:nvSpPr>
+          <p:cNvPr id="6" name="Footer Placeholder 5"/>
+          <p:cNvSpPr>
+            <a:spLocks noGrp="1"/>
+          </p:cNvSpPr>
+          <p:nvPr>
+            <p:ph type="ftr" sz="quarter" idx="11"/>
+          </p:nvPr>
+        </p:nvSpPr>
+        <p:spPr/>
+        <p:txBody>
+          <a:bodyPr/>
+          <a:lstStyle/>
+          <a:p>
+            <a:endParaRPr lang="ru-RU"/>
+          </a:p>
+        </p:txBody>
+      </p:sp>
+      <p:sp>
+        <p:nvSpPr>
+          <p:cNvPr id="7" name="Slide Number Placeholder 6"/>
+          <p:cNvSpPr>
+            <a:spLocks noGrp="1"/>
+          </p:cNvSpPr>
+          <p:nvPr>
+            <p:ph type="sldNum" sz="quarter" idx="12"/>
+          </p:nvPr>
+        </p:nvSpPr>
+        <p:spPr>
+          <a:xfrm>
+            <a:off x="10729455" y="4709925"/>
+            <a:ext cx="1154151" cy="1090789"/>
+          </a:xfrm>
+        </p:spPr>
+        <p:txBody>
+          <a:bodyPr/>
+          <a:lstStyle/>
+          <a:p>
+            <a:fld id="{4F04D78C-EEA0-4044-9FBE-22ABCBA39020}" type="slidenum">
+              <a:rPr lang="ru-RU" smtClean="0"/>
+              <a:t>‹#›</a:t>
+            </a:fld>
+            <a:endParaRPr lang="ru-RU"/>
+          </a:p>
+        </p:txBody>
+      </p:sp>
+    </p:spTree>
+    <p:extLst>
+      <p:ext uri="{BB962C8B-B14F-4D97-AF65-F5344CB8AC3E}">
+        <p14:creationId xmlns:p14="http://schemas.microsoft.com/office/powerpoint/2010/main" val="3556279642"/>
+      </p:ext>
+    </p:extLst>
+  </p:cSld>
+  <p:clrMapOvr>
+    <a:masterClrMapping/>
+  </p:clrMapOvr>
+</p:sldLayout>
+</file>
+
+<file path=ppt/slideLayouts/slideLayout14.xml><?xml version="1.0" encoding="utf-8"?>
+<p:sldLayout xmlns:a="http://schemas.openxmlformats.org/drawingml/2006/main" xmlns:r="http://schemas.openxmlformats.org/officeDocument/2006/relationships" xmlns:p="http://schemas.openxmlformats.org/presentationml/2006/main" preserve="1">
+  <p:cSld name="Три колонки">
+    <p:spTree>
+      <p:nvGrpSpPr>
+        <p:cNvPr id="1" name=""/>
+        <p:cNvGrpSpPr/>
+        <p:nvPr/>
+      </p:nvGrpSpPr>
+      <p:grpSpPr>
+        <a:xfrm>
+          <a:off x="0" y="0"/>
+          <a:ext cx="0" cy="0"/>
+          <a:chOff x="0" y="0"/>
+          <a:chExt cx="0" cy="0"/>
+        </a:xfrm>
+      </p:grpSpPr>
+      <p:pic>
+        <p:nvPicPr>
+          <p:cNvPr id="13" name="Picture 12" descr="HD-ShadowLong.png"/>
+          <p:cNvPicPr>
+            <a:picLocks noChangeAspect="1"/>
+          </p:cNvPicPr>
+          <p:nvPr/>
+        </p:nvPicPr>
+        <p:blipFill>
+          <a:blip r:embed="rId2">
+            <a:extLst>
+              <a:ext uri="{28A0092B-C50C-407E-A947-70E740481C1C}">
+                <a14:useLocalDpi xmlns:a14="http://schemas.microsoft.com/office/drawing/2010/main" val="0"/>
+              </a:ext>
+            </a:extLst>
+          </a:blip>
+          <a:stretch>
+            <a:fillRect/>
+          </a:stretch>
+        </p:blipFill>
+        <p:spPr>
+          <a:xfrm>
+            <a:off x="1" y="1970240"/>
+            <a:ext cx="10437812" cy="321164"/>
+          </a:xfrm>
+          <a:prstGeom prst="rect">
+            <a:avLst/>
+          </a:prstGeom>
+        </p:spPr>
+      </p:pic>
+      <p:pic>
+        <p:nvPicPr>
+          <p:cNvPr id="14" name="Picture 13" descr="HD-ShadowShort.png"/>
+          <p:cNvPicPr>
+            <a:picLocks noChangeAspect="1"/>
+          </p:cNvPicPr>
+          <p:nvPr/>
+        </p:nvPicPr>
+        <p:blipFill>
+          <a:blip r:embed="rId3">
+            <a:extLst>
+              <a:ext uri="{28A0092B-C50C-407E-A947-70E740481C1C}">
+                <a14:useLocalDpi xmlns:a14="http://schemas.microsoft.com/office/drawing/2010/main" val="0"/>
+              </a:ext>
+            </a:extLst>
+          </a:blip>
+          <a:stretch>
+            <a:fillRect/>
+          </a:stretch>
+        </p:blipFill>
+        <p:spPr>
+          <a:xfrm>
+            <a:off x="10585826" y="1971234"/>
+            <a:ext cx="1602997" cy="144270"/>
+          </a:xfrm>
+          <a:prstGeom prst="rect">
+            <a:avLst/>
+          </a:prstGeom>
+        </p:spPr>
+      </p:pic>
+      <p:sp>
+        <p:nvSpPr>
+          <p:cNvPr id="16" name="Rectangle 15"/>
+          <p:cNvSpPr/>
+          <p:nvPr/>
+        </p:nvSpPr>
+        <p:spPr bwMode="ltGray">
+          <a:xfrm>
+            <a:off x="0" y="609600"/>
+            <a:ext cx="10437812" cy="1368198"/>
+          </a:xfrm>
+          <a:prstGeom prst="rect">
+            <a:avLst/>
+          </a:prstGeom>
+          <a:solidFill>
+            <a:schemeClr val="bg1">
+              <a:lumMod val="85000"/>
+              <a:lumOff val="15000"/>
+            </a:schemeClr>
+          </a:solidFill>
+          <a:ln>
+            <a:noFill/>
+          </a:ln>
+        </p:spPr>
+        <p:style>
+          <a:lnRef idx="2">
+            <a:schemeClr val="accent1">
+              <a:shade val="50000"/>
+            </a:schemeClr>
+          </a:lnRef>
+          <a:fillRef idx="1">
+            <a:schemeClr val="accent1"/>
+          </a:fillRef>
+          <a:effectRef idx="0">
+            <a:schemeClr val="accent1"/>
+          </a:effectRef>
+          <a:fontRef idx="minor">
+            <a:schemeClr val="lt1"/>
+          </a:fontRef>
+        </p:style>
+      </p:sp>
+      <p:sp>
+        <p:nvSpPr>
+          <p:cNvPr id="17" name="Rectangle 16"/>
+          <p:cNvSpPr/>
+          <p:nvPr/>
+        </p:nvSpPr>
+        <p:spPr>
+          <a:xfrm>
+            <a:off x="10585827" y="609600"/>
+            <a:ext cx="1602997" cy="1368198"/>
+          </a:xfrm>
+          <a:prstGeom prst="rect">
+            <a:avLst/>
+          </a:prstGeom>
+          <a:solidFill>
+            <a:schemeClr val="accent1"/>
+          </a:solidFill>
+          <a:ln>
+            <a:noFill/>
+          </a:ln>
+        </p:spPr>
+        <p:style>
+          <a:lnRef idx="2">
+            <a:schemeClr val="accent1">
+              <a:shade val="50000"/>
+            </a:schemeClr>
+          </a:lnRef>
+          <a:fillRef idx="1">
+            <a:schemeClr val="accent1"/>
+          </a:fillRef>
+          <a:effectRef idx="0">
+            <a:schemeClr val="accent1"/>
+          </a:effectRef>
+          <a:fontRef idx="minor">
+            <a:schemeClr val="lt1"/>
+          </a:fontRef>
+        </p:style>
+      </p:sp>
+      <p:sp>
+        <p:nvSpPr>
+          <p:cNvPr id="15" name="Title 1"/>
+          <p:cNvSpPr>
+            <a:spLocks noGrp="1"/>
+          </p:cNvSpPr>
+          <p:nvPr>
+            <p:ph type="title"/>
+          </p:nvPr>
+        </p:nvSpPr>
+        <p:spPr>
+          <a:xfrm>
+            <a:off x="669222" y="753228"/>
+            <a:ext cx="9624960" cy="1080938"/>
+          </a:xfrm>
+        </p:spPr>
+        <p:txBody>
+          <a:bodyPr/>
+          <a:lstStyle/>
+          <a:p>
+            <a:r>
+              <a:rPr lang="ru-RU"/>
+              <a:t>Образец заголовка</a:t>
+            </a:r>
+            <a:endParaRPr lang="en-US" dirty="0"/>
+          </a:p>
+        </p:txBody>
+      </p:sp>
+      <p:sp>
+        <p:nvSpPr>
+          <p:cNvPr id="7" name="Text Placeholder 2"/>
+          <p:cNvSpPr>
+            <a:spLocks noGrp="1"/>
+          </p:cNvSpPr>
+          <p:nvPr>
+            <p:ph type="body" idx="1"/>
+          </p:nvPr>
+        </p:nvSpPr>
+        <p:spPr>
+          <a:xfrm>
+            <a:off x="660946" y="2336873"/>
+            <a:ext cx="3070034" cy="576262"/>
+          </a:xfrm>
+        </p:spPr>
+        <p:txBody>
+          <a:bodyPr anchor="b">
+            <a:noAutofit/>
+          </a:bodyPr>
+          <a:lstStyle>
+            <a:lvl1pPr marL="0" indent="0">
+              <a:buNone/>
+              <a:defRPr sz="2400" b="0">
+                <a:solidFill>
+                  <a:schemeClr val="tx1"/>
+                </a:solidFill>
+              </a:defRPr>
+            </a:lvl1pPr>
+            <a:lvl2pPr marL="457200" indent="0">
+              <a:buNone/>
+              <a:defRPr sz="2000" b="1"/>
+            </a:lvl2pPr>
+            <a:lvl3pPr marL="914400" indent="0">
+              <a:buNone/>
+              <a:defRPr sz="1800" b="1"/>
+            </a:lvl3pPr>
+            <a:lvl4pPr marL="1371600" indent="0">
+              <a:buNone/>
+              <a:defRPr sz="1600" b="1"/>
+            </a:lvl4pPr>
+            <a:lvl5pPr marL="1828800" indent="0">
+              <a:buNone/>
+              <a:defRPr sz="1600" b="1"/>
+            </a:lvl5pPr>
+            <a:lvl6pPr marL="2286000" indent="0">
+              <a:buNone/>
+              <a:defRPr sz="1600" b="1"/>
+            </a:lvl6pPr>
+            <a:lvl7pPr marL="2743200" indent="0">
+              <a:buNone/>
+              <a:defRPr sz="1600" b="1"/>
+            </a:lvl7pPr>
+            <a:lvl8pPr marL="3200400" indent="0">
+              <a:buNone/>
+              <a:defRPr sz="1600" b="1"/>
+            </a:lvl8pPr>
+            <a:lvl9pPr marL="3657600" indent="0">
+              <a:buNone/>
+              <a:defRPr sz="1600" b="1"/>
+            </a:lvl9pPr>
+          </a:lstStyle>
+          <a:p>
+            <a:pPr lvl="0"/>
+            <a:r>
+              <a:rPr lang="ru-RU"/>
+              <a:t>Образец текста</a:t>
+            </a:r>
+          </a:p>
+        </p:txBody>
+      </p:sp>
+      <p:sp>
+        <p:nvSpPr>
+          <p:cNvPr id="8" name="Text Placeholder 3"/>
+          <p:cNvSpPr>
+            <a:spLocks noGrp="1"/>
+          </p:cNvSpPr>
+          <p:nvPr>
+            <p:ph type="body" sz="half" idx="15"/>
+          </p:nvPr>
+        </p:nvSpPr>
+        <p:spPr>
+          <a:xfrm>
+            <a:off x="680322" y="3022673"/>
+            <a:ext cx="3049702" cy="2913513"/>
+          </a:xfrm>
+        </p:spPr>
+        <p:txBody>
+          <a:bodyPr anchor="t">
+            <a:normAutofit/>
+          </a:bodyPr>
+          <a:lstStyle>
+            <a:lvl1pPr marL="0" indent="0">
+              <a:buNone/>
+              <a:defRPr sz="1400"/>
+            </a:lvl1pPr>
+            <a:lvl2pPr marL="457200" indent="0">
+              <a:buNone/>
+              <a:defRPr sz="1200"/>
+            </a:lvl2pPr>
+            <a:lvl3pPr marL="914400" indent="0">
+              <a:buNone/>
+              <a:defRPr sz="1000"/>
+            </a:lvl3pPr>
+            <a:lvl4pPr marL="1371600" indent="0">
+              <a:buNone/>
+              <a:defRPr sz="900"/>
+            </a:lvl4pPr>
+            <a:lvl5pPr marL="1828800" indent="0">
+              <a:buNone/>
+              <a:defRPr sz="900"/>
+            </a:lvl5pPr>
+            <a:lvl6pPr marL="2286000" indent="0">
+              <a:buNone/>
+              <a:defRPr sz="900"/>
+            </a:lvl6pPr>
+            <a:lvl7pPr marL="2743200" indent="0">
+              <a:buNone/>
+              <a:defRPr sz="900"/>
+            </a:lvl7pPr>
+            <a:lvl8pPr marL="3200400" indent="0">
+              <a:buNone/>
+              <a:defRPr sz="900"/>
+            </a:lvl8pPr>
+            <a:lvl9pPr marL="3657600" indent="0">
+              <a:buNone/>
+              <a:defRPr sz="900"/>
+            </a:lvl9pPr>
+          </a:lstStyle>
+          <a:p>
+            <a:pPr lvl="0"/>
+            <a:r>
+              <a:rPr lang="ru-RU"/>
+              <a:t>Образец текста</a:t>
+            </a:r>
+          </a:p>
+        </p:txBody>
+      </p:sp>
+      <p:sp>
+        <p:nvSpPr>
+          <p:cNvPr id="9" name="Text Placeholder 4"/>
+          <p:cNvSpPr>
+            <a:spLocks noGrp="1"/>
+          </p:cNvSpPr>
+          <p:nvPr>
+            <p:ph type="body" sz="quarter" idx="3"/>
+          </p:nvPr>
+        </p:nvSpPr>
+        <p:spPr>
+          <a:xfrm>
+            <a:off x="3956025" y="2336873"/>
+            <a:ext cx="3063240" cy="576262"/>
+          </a:xfrm>
+        </p:spPr>
+        <p:txBody>
+          <a:bodyPr anchor="b">
+            <a:noAutofit/>
+          </a:bodyPr>
+          <a:lstStyle>
+            <a:lvl1pPr marL="0" indent="0">
+              <a:buNone/>
+              <a:defRPr sz="2400" b="0">
+                <a:solidFill>
+                  <a:schemeClr val="tx1"/>
+                </a:solidFill>
+              </a:defRPr>
+            </a:lvl1pPr>
+            <a:lvl2pPr marL="457200" indent="0">
+              <a:buNone/>
+              <a:defRPr sz="2000" b="1"/>
+            </a:lvl2pPr>
+            <a:lvl3pPr marL="914400" indent="0">
+              <a:buNone/>
+              <a:defRPr sz="1800" b="1"/>
+            </a:lvl3pPr>
+            <a:lvl4pPr marL="1371600" indent="0">
+              <a:buNone/>
+              <a:defRPr sz="1600" b="1"/>
+            </a:lvl4pPr>
+            <a:lvl5pPr marL="1828800" indent="0">
+              <a:buNone/>
+              <a:defRPr sz="1600" b="1"/>
+            </a:lvl5pPr>
+            <a:lvl6pPr marL="2286000" indent="0">
+              <a:buNone/>
+              <a:defRPr sz="1600" b="1"/>
+            </a:lvl6pPr>
+            <a:lvl7pPr marL="2743200" indent="0">
+              <a:buNone/>
+              <a:defRPr sz="1600" b="1"/>
+            </a:lvl7pPr>
+            <a:lvl8pPr marL="3200400" indent="0">
+              <a:buNone/>
+              <a:defRPr sz="1600" b="1"/>
+            </a:lvl8pPr>
+            <a:lvl9pPr marL="3657600" indent="0">
+              <a:buNone/>
+              <a:defRPr sz="1600" b="1"/>
+            </a:lvl9pPr>
+          </a:lstStyle>
+          <a:p>
+            <a:pPr lvl="0"/>
+            <a:r>
+              <a:rPr lang="ru-RU"/>
+              <a:t>Образец текста</a:t>
+            </a:r>
+          </a:p>
+        </p:txBody>
+      </p:sp>
+      <p:sp>
+        <p:nvSpPr>
+          <p:cNvPr id="10" name="Text Placeholder 3"/>
+          <p:cNvSpPr>
+            <a:spLocks noGrp="1"/>
+          </p:cNvSpPr>
+          <p:nvPr>
+            <p:ph type="body" sz="half" idx="16"/>
+          </p:nvPr>
+        </p:nvSpPr>
+        <p:spPr>
+          <a:xfrm>
+            <a:off x="3945470" y="3022673"/>
+            <a:ext cx="3063240" cy="2913513"/>
+          </a:xfrm>
+        </p:spPr>
+        <p:txBody>
+          <a:bodyPr anchor="t">
+            <a:normAutofit/>
+          </a:bodyPr>
+          <a:lstStyle>
+            <a:lvl1pPr marL="0" indent="0">
+              <a:buNone/>
+              <a:defRPr sz="1400"/>
+            </a:lvl1pPr>
+            <a:lvl2pPr marL="457200" indent="0">
+              <a:buNone/>
+              <a:defRPr sz="1200"/>
+            </a:lvl2pPr>
+            <a:lvl3pPr marL="914400" indent="0">
+              <a:buNone/>
+              <a:defRPr sz="1000"/>
+            </a:lvl3pPr>
+            <a:lvl4pPr marL="1371600" indent="0">
+              <a:buNone/>
+              <a:defRPr sz="900"/>
+            </a:lvl4pPr>
+            <a:lvl5pPr marL="1828800" indent="0">
+              <a:buNone/>
+              <a:defRPr sz="900"/>
+            </a:lvl5pPr>
+            <a:lvl6pPr marL="2286000" indent="0">
+              <a:buNone/>
+              <a:defRPr sz="900"/>
+            </a:lvl6pPr>
+            <a:lvl7pPr marL="2743200" indent="0">
+              <a:buNone/>
+              <a:defRPr sz="900"/>
+            </a:lvl7pPr>
+            <a:lvl8pPr marL="3200400" indent="0">
+              <a:buNone/>
+              <a:defRPr sz="900"/>
+            </a:lvl8pPr>
+            <a:lvl9pPr marL="3657600" indent="0">
+              <a:buNone/>
+              <a:defRPr sz="900"/>
+            </a:lvl9pPr>
+          </a:lstStyle>
+          <a:p>
+            <a:pPr lvl="0"/>
+            <a:r>
+              <a:rPr lang="ru-RU"/>
+              <a:t>Образец текста</a:t>
+            </a:r>
+          </a:p>
+        </p:txBody>
+      </p:sp>
+      <p:sp>
+        <p:nvSpPr>
+          <p:cNvPr id="11" name="Text Placeholder 4"/>
+          <p:cNvSpPr>
+            <a:spLocks noGrp="1"/>
+          </p:cNvSpPr>
+          <p:nvPr>
+            <p:ph type="body" sz="quarter" idx="13"/>
+          </p:nvPr>
+        </p:nvSpPr>
+        <p:spPr>
+          <a:xfrm>
+            <a:off x="7224156" y="2336873"/>
+            <a:ext cx="3070025" cy="576262"/>
+          </a:xfrm>
+        </p:spPr>
+        <p:txBody>
+          <a:bodyPr anchor="b">
+            <a:noAutofit/>
+          </a:bodyPr>
+          <a:lstStyle>
+            <a:lvl1pPr marL="0" indent="0">
+              <a:buNone/>
+              <a:defRPr sz="2400" b="0">
+                <a:solidFill>
+                  <a:schemeClr val="tx1"/>
+                </a:solidFill>
+              </a:defRPr>
+            </a:lvl1pPr>
+            <a:lvl2pPr marL="457200" indent="0">
+              <a:buNone/>
+              <a:defRPr sz="2000" b="1"/>
+            </a:lvl2pPr>
+            <a:lvl3pPr marL="914400" indent="0">
+              <a:buNone/>
+              <a:defRPr sz="1800" b="1"/>
+            </a:lvl3pPr>
+            <a:lvl4pPr marL="1371600" indent="0">
+              <a:buNone/>
+              <a:defRPr sz="1600" b="1"/>
+            </a:lvl4pPr>
+            <a:lvl5pPr marL="1828800" indent="0">
+              <a:buNone/>
+              <a:defRPr sz="1600" b="1"/>
+            </a:lvl5pPr>
+            <a:lvl6pPr marL="2286000" indent="0">
+              <a:buNone/>
+              <a:defRPr sz="1600" b="1"/>
+            </a:lvl6pPr>
+            <a:lvl7pPr marL="2743200" indent="0">
+              <a:buNone/>
+              <a:defRPr sz="1600" b="1"/>
+            </a:lvl7pPr>
+            <a:lvl8pPr marL="3200400" indent="0">
+              <a:buNone/>
+              <a:defRPr sz="1600" b="1"/>
+            </a:lvl8pPr>
+            <a:lvl9pPr marL="3657600" indent="0">
+              <a:buNone/>
+              <a:defRPr sz="1600" b="1"/>
+            </a:lvl9pPr>
+          </a:lstStyle>
+          <a:p>
+            <a:pPr lvl="0"/>
+            <a:r>
+              <a:rPr lang="ru-RU"/>
+              <a:t>Образец текста</a:t>
+            </a:r>
+          </a:p>
+        </p:txBody>
+      </p:sp>
+      <p:sp>
+        <p:nvSpPr>
+          <p:cNvPr id="12" name="Text Placeholder 3"/>
+          <p:cNvSpPr>
+            <a:spLocks noGrp="1"/>
+          </p:cNvSpPr>
+          <p:nvPr>
+            <p:ph type="body" sz="half" idx="17"/>
+          </p:nvPr>
+        </p:nvSpPr>
+        <p:spPr>
+          <a:xfrm>
+            <a:off x="7224156" y="3022673"/>
+            <a:ext cx="3070025" cy="2913513"/>
+          </a:xfrm>
+        </p:spPr>
+        <p:txBody>
+          <a:bodyPr anchor="t">
+            <a:normAutofit/>
+          </a:bodyPr>
+          <a:lstStyle>
+            <a:lvl1pPr marL="0" indent="0">
+              <a:buNone/>
+              <a:defRPr sz="1400"/>
+            </a:lvl1pPr>
+            <a:lvl2pPr marL="457200" indent="0">
+              <a:buNone/>
+              <a:defRPr sz="1200"/>
+            </a:lvl2pPr>
+            <a:lvl3pPr marL="914400" indent="0">
+              <a:buNone/>
+              <a:defRPr sz="1000"/>
+            </a:lvl3pPr>
+            <a:lvl4pPr marL="1371600" indent="0">
+              <a:buNone/>
+              <a:defRPr sz="900"/>
+            </a:lvl4pPr>
+            <a:lvl5pPr marL="1828800" indent="0">
+              <a:buNone/>
+              <a:defRPr sz="900"/>
+            </a:lvl5pPr>
+            <a:lvl6pPr marL="2286000" indent="0">
+              <a:buNone/>
+              <a:defRPr sz="900"/>
+            </a:lvl6pPr>
+            <a:lvl7pPr marL="2743200" indent="0">
+              <a:buNone/>
+              <a:defRPr sz="900"/>
+            </a:lvl7pPr>
+            <a:lvl8pPr marL="3200400" indent="0">
+              <a:buNone/>
+              <a:defRPr sz="900"/>
+            </a:lvl8pPr>
+            <a:lvl9pPr marL="3657600" indent="0">
+              <a:buNone/>
+              <a:defRPr sz="900"/>
+            </a:lvl9pPr>
+          </a:lstStyle>
+          <a:p>
+            <a:pPr lvl="0"/>
+            <a:r>
+              <a:rPr lang="ru-RU"/>
+              <a:t>Образец текста</a:t>
+            </a:r>
+          </a:p>
+        </p:txBody>
+      </p:sp>
+      <p:sp>
+        <p:nvSpPr>
+          <p:cNvPr id="3" name="Date Placeholder 2"/>
+          <p:cNvSpPr>
+            <a:spLocks noGrp="1"/>
+          </p:cNvSpPr>
+          <p:nvPr>
+            <p:ph type="dt" sz="half" idx="10"/>
+          </p:nvPr>
+        </p:nvSpPr>
+        <p:spPr/>
+        <p:txBody>
+          <a:bodyPr/>
+          <a:lstStyle/>
+          <a:p>
+            <a:fld id="{D8CD3351-83B4-4F00-93E1-4A5ED87C0F85}" type="datetimeFigureOut">
+              <a:rPr lang="ru-RU" smtClean="0"/>
+              <a:t>24.04.2023</a:t>
+            </a:fld>
+            <a:endParaRPr lang="ru-RU"/>
+          </a:p>
+        </p:txBody>
+      </p:sp>
+      <p:sp>
+        <p:nvSpPr>
+          <p:cNvPr id="4" name="Footer Placeholder 3"/>
+          <p:cNvSpPr>
+            <a:spLocks noGrp="1"/>
+          </p:cNvSpPr>
+          <p:nvPr>
+            <p:ph type="ftr" sz="quarter" idx="11"/>
+          </p:nvPr>
+        </p:nvSpPr>
+        <p:spPr/>
+        <p:txBody>
+          <a:bodyPr/>
+          <a:lstStyle/>
+          <a:p>
+            <a:endParaRPr lang="ru-RU"/>
+          </a:p>
+        </p:txBody>
+      </p:sp>
+      <p:sp>
+        <p:nvSpPr>
+          <p:cNvPr id="5" name="Slide Number Placeholder 4"/>
+          <p:cNvSpPr>
+            <a:spLocks noGrp="1"/>
+          </p:cNvSpPr>
+          <p:nvPr>
+            <p:ph type="sldNum" sz="quarter" idx="12"/>
+          </p:nvPr>
+        </p:nvSpPr>
+        <p:spPr/>
+        <p:txBody>
+          <a:bodyPr/>
+          <a:lstStyle/>
+          <a:p>
+            <a:fld id="{4F04D78C-EEA0-4044-9FBE-22ABCBA39020}" type="slidenum">
+              <a:rPr lang="ru-RU" smtClean="0"/>
+              <a:t>‹#›</a:t>
+            </a:fld>
+            <a:endParaRPr lang="ru-RU"/>
+          </a:p>
+        </p:txBody>
+      </p:sp>
+    </p:spTree>
+    <p:extLst>
+      <p:ext uri="{BB962C8B-B14F-4D97-AF65-F5344CB8AC3E}">
+        <p14:creationId xmlns:p14="http://schemas.microsoft.com/office/powerpoint/2010/main" val="3261885421"/>
+      </p:ext>
+    </p:extLst>
+  </p:cSld>
+  <p:clrMapOvr>
+    <a:masterClrMapping/>
+  </p:clrMapOvr>
+</p:sldLayout>
+</file>
+
+<file path=ppt/slideLayouts/slideLayout15.xml><?xml version="1.0" encoding="utf-8"?>
+<p:sldLayout xmlns:a="http://schemas.openxmlformats.org/drawingml/2006/main" xmlns:r="http://schemas.openxmlformats.org/officeDocument/2006/relationships" xmlns:p="http://schemas.openxmlformats.org/presentationml/2006/main" preserve="1">
+  <p:cSld name="Столбец с тремя рисунками">
+    <p:spTree>
+      <p:nvGrpSpPr>
+        <p:cNvPr id="1" name=""/>
+        <p:cNvGrpSpPr/>
+        <p:nvPr/>
+      </p:nvGrpSpPr>
+      <p:grpSpPr>
+        <a:xfrm>
+          <a:off x="0" y="0"/>
+          <a:ext cx="0" cy="0"/>
+          <a:chOff x="0" y="0"/>
+          <a:chExt cx="0" cy="0"/>
+        </a:xfrm>
+      </p:grpSpPr>
+      <p:pic>
+        <p:nvPicPr>
+          <p:cNvPr id="15" name="Picture 14" descr="HD-ShadowLong.png"/>
+          <p:cNvPicPr>
+            <a:picLocks noChangeAspect="1"/>
+          </p:cNvPicPr>
+          <p:nvPr/>
+        </p:nvPicPr>
+        <p:blipFill>
+          <a:blip r:embed="rId2">
+            <a:extLst>
+              <a:ext uri="{28A0092B-C50C-407E-A947-70E740481C1C}">
+                <a14:useLocalDpi xmlns:a14="http://schemas.microsoft.com/office/drawing/2010/main" val="0"/>
+              </a:ext>
+            </a:extLst>
+          </a:blip>
+          <a:stretch>
+            <a:fillRect/>
+          </a:stretch>
+        </p:blipFill>
+        <p:spPr>
+          <a:xfrm>
+            <a:off x="1" y="1970240"/>
+            <a:ext cx="10437812" cy="321164"/>
+          </a:xfrm>
+          <a:prstGeom prst="rect">
+            <a:avLst/>
+          </a:prstGeom>
+        </p:spPr>
+      </p:pic>
+      <p:pic>
+        <p:nvPicPr>
+          <p:cNvPr id="16" name="Picture 15" descr="HD-ShadowShort.png"/>
+          <p:cNvPicPr>
+            <a:picLocks noChangeAspect="1"/>
+          </p:cNvPicPr>
+          <p:nvPr/>
+        </p:nvPicPr>
+        <p:blipFill>
+          <a:blip r:embed="rId3">
+            <a:extLst>
+              <a:ext uri="{28A0092B-C50C-407E-A947-70E740481C1C}">
+                <a14:useLocalDpi xmlns:a14="http://schemas.microsoft.com/office/drawing/2010/main" val="0"/>
+              </a:ext>
+            </a:extLst>
+          </a:blip>
+          <a:stretch>
+            <a:fillRect/>
+          </a:stretch>
+        </p:blipFill>
+        <p:spPr>
+          <a:xfrm>
+            <a:off x="10585826" y="1971234"/>
+            <a:ext cx="1602997" cy="144270"/>
+          </a:xfrm>
+          <a:prstGeom prst="rect">
+            <a:avLst/>
+          </a:prstGeom>
+        </p:spPr>
+      </p:pic>
+      <p:sp>
+        <p:nvSpPr>
+          <p:cNvPr id="17" name="Rectangle 16"/>
+          <p:cNvSpPr/>
+          <p:nvPr/>
+        </p:nvSpPr>
+        <p:spPr bwMode="ltGray">
+          <a:xfrm>
+            <a:off x="0" y="609600"/>
+            <a:ext cx="10437812" cy="1368198"/>
+          </a:xfrm>
+          <a:prstGeom prst="rect">
+            <a:avLst/>
+          </a:prstGeom>
+          <a:solidFill>
+            <a:schemeClr val="bg1">
+              <a:lumMod val="85000"/>
+              <a:lumOff val="15000"/>
+            </a:schemeClr>
+          </a:solidFill>
+          <a:ln>
+            <a:noFill/>
+          </a:ln>
+        </p:spPr>
+        <p:style>
+          <a:lnRef idx="2">
+            <a:schemeClr val="accent1">
+              <a:shade val="50000"/>
+            </a:schemeClr>
+          </a:lnRef>
+          <a:fillRef idx="1">
+            <a:schemeClr val="accent1"/>
+          </a:fillRef>
+          <a:effectRef idx="0">
+            <a:schemeClr val="accent1"/>
+          </a:effectRef>
+          <a:fontRef idx="minor">
+            <a:schemeClr val="lt1"/>
+          </a:fontRef>
+        </p:style>
+      </p:sp>
+      <p:sp>
+        <p:nvSpPr>
+          <p:cNvPr id="18" name="Rectangle 17"/>
+          <p:cNvSpPr/>
+          <p:nvPr/>
+        </p:nvSpPr>
+        <p:spPr>
+          <a:xfrm>
+            <a:off x="10585827" y="609600"/>
+            <a:ext cx="1602997" cy="1368198"/>
+          </a:xfrm>
+          <a:prstGeom prst="rect">
+            <a:avLst/>
+          </a:prstGeom>
+          <a:solidFill>
+            <a:schemeClr val="accent1"/>
+          </a:solidFill>
+          <a:ln>
+            <a:noFill/>
+          </a:ln>
+        </p:spPr>
+        <p:style>
+          <a:lnRef idx="2">
+            <a:schemeClr val="accent1">
+              <a:shade val="50000"/>
+            </a:schemeClr>
+          </a:lnRef>
+          <a:fillRef idx="1">
+            <a:schemeClr val="accent1"/>
+          </a:fillRef>
+          <a:effectRef idx="0">
+            <a:schemeClr val="accent1"/>
+          </a:effectRef>
+          <a:fontRef idx="minor">
+            <a:schemeClr val="lt1"/>
+          </a:fontRef>
+        </p:style>
+      </p:sp>
+      <p:sp>
+        <p:nvSpPr>
+          <p:cNvPr id="30" name="Title 1"/>
+          <p:cNvSpPr>
+            <a:spLocks noGrp="1"/>
+          </p:cNvSpPr>
+          <p:nvPr>
+            <p:ph type="title"/>
+          </p:nvPr>
+        </p:nvSpPr>
+        <p:spPr>
+          <a:xfrm>
+            <a:off x="680322" y="753228"/>
+            <a:ext cx="9613860" cy="1080938"/>
+          </a:xfrm>
+        </p:spPr>
+        <p:txBody>
+          <a:bodyPr/>
+          <a:lstStyle/>
+          <a:p>
+            <a:r>
+              <a:rPr lang="ru-RU"/>
+              <a:t>Образец заголовка</a:t>
+            </a:r>
+            <a:endParaRPr lang="en-US" dirty="0"/>
+          </a:p>
+        </p:txBody>
+      </p:sp>
+      <p:sp>
+        <p:nvSpPr>
+          <p:cNvPr id="19" name="Text Placeholder 2"/>
+          <p:cNvSpPr>
+            <a:spLocks noGrp="1"/>
+          </p:cNvSpPr>
+          <p:nvPr>
+            <p:ph type="body" idx="1"/>
+          </p:nvPr>
+        </p:nvSpPr>
+        <p:spPr>
+          <a:xfrm>
+            <a:off x="680318" y="4297503"/>
+            <a:ext cx="3049705" cy="576262"/>
+          </a:xfrm>
+        </p:spPr>
+        <p:txBody>
+          <a:bodyPr anchor="b">
+            <a:noAutofit/>
+          </a:bodyPr>
+          <a:lstStyle>
+            <a:lvl1pPr marL="0" indent="0">
+              <a:buNone/>
+              <a:defRPr sz="2400" b="0">
+                <a:solidFill>
+                  <a:schemeClr val="tx1"/>
+                </a:solidFill>
+              </a:defRPr>
+            </a:lvl1pPr>
+            <a:lvl2pPr marL="457200" indent="0">
+              <a:buNone/>
+              <a:defRPr sz="2000" b="1"/>
+            </a:lvl2pPr>
+            <a:lvl3pPr marL="914400" indent="0">
+              <a:buNone/>
+              <a:defRPr sz="1800" b="1"/>
+            </a:lvl3pPr>
+            <a:lvl4pPr marL="1371600" indent="0">
+              <a:buNone/>
+              <a:defRPr sz="1600" b="1"/>
+            </a:lvl4pPr>
+            <a:lvl5pPr marL="1828800" indent="0">
+              <a:buNone/>
+              <a:defRPr sz="1600" b="1"/>
+            </a:lvl5pPr>
+            <a:lvl6pPr marL="2286000" indent="0">
+              <a:buNone/>
+              <a:defRPr sz="1600" b="1"/>
+            </a:lvl6pPr>
+            <a:lvl7pPr marL="2743200" indent="0">
+              <a:buNone/>
+              <a:defRPr sz="1600" b="1"/>
+            </a:lvl7pPr>
+            <a:lvl8pPr marL="3200400" indent="0">
+              <a:buNone/>
+              <a:defRPr sz="1600" b="1"/>
+            </a:lvl8pPr>
+            <a:lvl9pPr marL="3657600" indent="0">
+              <a:buNone/>
+              <a:defRPr sz="1600" b="1"/>
+            </a:lvl9pPr>
+          </a:lstStyle>
+          <a:p>
+            <a:pPr lvl="0"/>
+            <a:r>
+              <a:rPr lang="ru-RU"/>
+              <a:t>Образец текста</a:t>
+            </a:r>
+          </a:p>
+        </p:txBody>
+      </p:sp>
+      <p:sp>
+        <p:nvSpPr>
+          <p:cNvPr id="20" name="Picture Placeholder 2"/>
+          <p:cNvSpPr>
+            <a:spLocks noGrp="1" noChangeAspect="1"/>
+          </p:cNvSpPr>
+          <p:nvPr>
+            <p:ph type="pic" idx="15"/>
+          </p:nvPr>
+        </p:nvSpPr>
+        <p:spPr>
+          <a:xfrm>
+            <a:off x="680318" y="2336873"/>
+            <a:ext cx="3049705" cy="1524000"/>
+          </a:xfrm>
+          <a:prstGeom prst="roundRect">
+            <a:avLst>
+              <a:gd name="adj" fmla="val 0"/>
+            </a:avLst>
+          </a:prstGeom>
+          <a:effectLst>
+            <a:outerShdw blurRad="50800" dist="50800" dir="5400000" algn="tl" rotWithShape="0">
+              <a:srgbClr val="000000">
+                <a:alpha val="43000"/>
+              </a:srgbClr>
+            </a:outerShdw>
+          </a:effectLst>
+        </p:spPr>
+        <p:txBody>
+          <a:bodyPr anchor="t">
+            <a:normAutofit/>
+          </a:bodyPr>
+          <a:lstStyle>
+            <a:lvl1pPr marL="0" indent="0" algn="ctr">
+              <a:buNone/>
+              <a:defRPr sz="1600"/>
+            </a:lvl1pPr>
+            <a:lvl2pPr marL="457200" indent="0">
+              <a:buNone/>
+              <a:defRPr sz="1600"/>
+            </a:lvl2pPr>
+            <a:lvl3pPr marL="914400" indent="0">
+              <a:buNone/>
+              <a:defRPr sz="1600"/>
+            </a:lvl3pPr>
+            <a:lvl4pPr marL="1371600" indent="0">
+              <a:buNone/>
+              <a:defRPr sz="1600"/>
+            </a:lvl4pPr>
+            <a:lvl5pPr marL="1828800" indent="0">
+              <a:buNone/>
+              <a:defRPr sz="1600"/>
+            </a:lvl5pPr>
+            <a:lvl6pPr marL="2286000" indent="0">
+              <a:buNone/>
+              <a:defRPr sz="1600"/>
+            </a:lvl6pPr>
+            <a:lvl7pPr marL="2743200" indent="0">
+              <a:buNone/>
+              <a:defRPr sz="1600"/>
+            </a:lvl7pPr>
+            <a:lvl8pPr marL="3200400" indent="0">
+              <a:buNone/>
+              <a:defRPr sz="1600"/>
+            </a:lvl8pPr>
+            <a:lvl9pPr marL="3657600" indent="0">
+              <a:buNone/>
+              <a:defRPr sz="1600"/>
+            </a:lvl9pPr>
+          </a:lstStyle>
+          <a:p>
+            <a:r>
+              <a:rPr lang="ru-RU"/>
+              <a:t>Вставка рисунка</a:t>
+            </a:r>
+            <a:endParaRPr lang="en-US" dirty="0"/>
+          </a:p>
+        </p:txBody>
+      </p:sp>
+      <p:sp>
+        <p:nvSpPr>
+          <p:cNvPr id="21" name="Text Placeholder 3"/>
+          <p:cNvSpPr>
+            <a:spLocks noGrp="1"/>
+          </p:cNvSpPr>
+          <p:nvPr>
+            <p:ph type="body" sz="half" idx="18"/>
+          </p:nvPr>
+        </p:nvSpPr>
+        <p:spPr>
+          <a:xfrm>
+            <a:off x="680318" y="4873765"/>
+            <a:ext cx="3049705" cy="1062422"/>
+          </a:xfrm>
+        </p:spPr>
+        <p:txBody>
+          <a:bodyPr anchor="t">
+            <a:normAutofit/>
+          </a:bodyPr>
+          <a:lstStyle>
+            <a:lvl1pPr marL="0" indent="0">
+              <a:buNone/>
+              <a:defRPr sz="1400"/>
+            </a:lvl1pPr>
+            <a:lvl2pPr marL="457200" indent="0">
+              <a:buNone/>
+              <a:defRPr sz="1200"/>
+            </a:lvl2pPr>
+            <a:lvl3pPr marL="914400" indent="0">
+              <a:buNone/>
+              <a:defRPr sz="1000"/>
+            </a:lvl3pPr>
+            <a:lvl4pPr marL="1371600" indent="0">
+              <a:buNone/>
+              <a:defRPr sz="900"/>
+            </a:lvl4pPr>
+            <a:lvl5pPr marL="1828800" indent="0">
+              <a:buNone/>
+              <a:defRPr sz="900"/>
+            </a:lvl5pPr>
+            <a:lvl6pPr marL="2286000" indent="0">
+              <a:buNone/>
+              <a:defRPr sz="900"/>
+            </a:lvl6pPr>
+            <a:lvl7pPr marL="2743200" indent="0">
+              <a:buNone/>
+              <a:defRPr sz="900"/>
+            </a:lvl7pPr>
+            <a:lvl8pPr marL="3200400" indent="0">
+              <a:buNone/>
+              <a:defRPr sz="900"/>
+            </a:lvl8pPr>
+            <a:lvl9pPr marL="3657600" indent="0">
+              <a:buNone/>
+              <a:defRPr sz="900"/>
+            </a:lvl9pPr>
+          </a:lstStyle>
+          <a:p>
+            <a:pPr lvl="0"/>
+            <a:r>
+              <a:rPr lang="ru-RU"/>
+              <a:t>Образец текста</a:t>
+            </a:r>
+          </a:p>
+        </p:txBody>
+      </p:sp>
+      <p:sp>
+        <p:nvSpPr>
+          <p:cNvPr id="22" name="Text Placeholder 4"/>
+          <p:cNvSpPr>
+            <a:spLocks noGrp="1"/>
+          </p:cNvSpPr>
+          <p:nvPr>
+            <p:ph type="body" sz="quarter" idx="3"/>
+          </p:nvPr>
+        </p:nvSpPr>
+        <p:spPr>
+          <a:xfrm>
+            <a:off x="3945471" y="4297503"/>
+            <a:ext cx="3063240" cy="576262"/>
+          </a:xfrm>
+        </p:spPr>
+        <p:txBody>
+          <a:bodyPr anchor="b">
+            <a:noAutofit/>
+          </a:bodyPr>
+          <a:lstStyle>
+            <a:lvl1pPr marL="0" indent="0">
+              <a:buNone/>
+              <a:defRPr sz="2400" b="0">
+                <a:solidFill>
+                  <a:schemeClr val="tx1"/>
+                </a:solidFill>
+              </a:defRPr>
+            </a:lvl1pPr>
+            <a:lvl2pPr marL="457200" indent="0">
+              <a:buNone/>
+              <a:defRPr sz="2000" b="1"/>
+            </a:lvl2pPr>
+            <a:lvl3pPr marL="914400" indent="0">
+              <a:buNone/>
+              <a:defRPr sz="1800" b="1"/>
+            </a:lvl3pPr>
+            <a:lvl4pPr marL="1371600" indent="0">
+              <a:buNone/>
+              <a:defRPr sz="1600" b="1"/>
+            </a:lvl4pPr>
+            <a:lvl5pPr marL="1828800" indent="0">
+              <a:buNone/>
+              <a:defRPr sz="1600" b="1"/>
+            </a:lvl5pPr>
+            <a:lvl6pPr marL="2286000" indent="0">
+              <a:buNone/>
+              <a:defRPr sz="1600" b="1"/>
+            </a:lvl6pPr>
+            <a:lvl7pPr marL="2743200" indent="0">
+              <a:buNone/>
+              <a:defRPr sz="1600" b="1"/>
+            </a:lvl7pPr>
+            <a:lvl8pPr marL="3200400" indent="0">
+              <a:buNone/>
+              <a:defRPr sz="1600" b="1"/>
+            </a:lvl8pPr>
+            <a:lvl9pPr marL="3657600" indent="0">
+              <a:buNone/>
+              <a:defRPr sz="1600" b="1"/>
+            </a:lvl9pPr>
+          </a:lstStyle>
+          <a:p>
+            <a:pPr lvl="0"/>
+            <a:r>
+              <a:rPr lang="ru-RU"/>
+              <a:t>Образец текста</a:t>
+            </a:r>
+          </a:p>
+        </p:txBody>
+      </p:sp>
+      <p:sp>
+        <p:nvSpPr>
+          <p:cNvPr id="23" name="Picture Placeholder 2"/>
+          <p:cNvSpPr>
+            <a:spLocks noGrp="1" noChangeAspect="1"/>
+          </p:cNvSpPr>
+          <p:nvPr>
+            <p:ph type="pic" idx="21"/>
+          </p:nvPr>
+        </p:nvSpPr>
+        <p:spPr>
+          <a:xfrm>
+            <a:off x="3945470" y="2336873"/>
+            <a:ext cx="3063240" cy="1524000"/>
+          </a:xfrm>
+          <a:prstGeom prst="roundRect">
+            <a:avLst>
+              <a:gd name="adj" fmla="val 0"/>
+            </a:avLst>
+          </a:prstGeom>
+          <a:effectLst>
+            <a:outerShdw blurRad="50800" dist="50800" dir="5400000" algn="tl" rotWithShape="0">
+              <a:srgbClr val="000000">
+                <a:alpha val="43000"/>
+              </a:srgbClr>
+            </a:outerShdw>
+          </a:effectLst>
+        </p:spPr>
+        <p:txBody>
+          <a:bodyPr anchor="t">
+            <a:normAutofit/>
+          </a:bodyPr>
+          <a:lstStyle>
+            <a:lvl1pPr marL="0" indent="0" algn="ctr">
+              <a:buNone/>
+              <a:defRPr sz="1600"/>
+            </a:lvl1pPr>
+            <a:lvl2pPr marL="457200" indent="0">
+              <a:buNone/>
+              <a:defRPr sz="1600"/>
+            </a:lvl2pPr>
+            <a:lvl3pPr marL="914400" indent="0">
+              <a:buNone/>
+              <a:defRPr sz="1600"/>
+            </a:lvl3pPr>
+            <a:lvl4pPr marL="1371600" indent="0">
+              <a:buNone/>
+              <a:defRPr sz="1600"/>
+            </a:lvl4pPr>
+            <a:lvl5pPr marL="1828800" indent="0">
+              <a:buNone/>
+              <a:defRPr sz="1600"/>
+            </a:lvl5pPr>
+            <a:lvl6pPr marL="2286000" indent="0">
+              <a:buNone/>
+              <a:defRPr sz="1600"/>
+            </a:lvl6pPr>
+            <a:lvl7pPr marL="2743200" indent="0">
+              <a:buNone/>
+              <a:defRPr sz="1600"/>
+            </a:lvl7pPr>
+            <a:lvl8pPr marL="3200400" indent="0">
+              <a:buNone/>
+              <a:defRPr sz="1600"/>
+            </a:lvl8pPr>
+            <a:lvl9pPr marL="3657600" indent="0">
+              <a:buNone/>
+              <a:defRPr sz="1600"/>
+            </a:lvl9pPr>
+          </a:lstStyle>
+          <a:p>
+            <a:r>
+              <a:rPr lang="ru-RU"/>
+              <a:t>Вставка рисунка</a:t>
+            </a:r>
+            <a:endParaRPr lang="en-US" dirty="0"/>
+          </a:p>
+        </p:txBody>
+      </p:sp>
+      <p:sp>
+        <p:nvSpPr>
+          <p:cNvPr id="24" name="Text Placeholder 3"/>
+          <p:cNvSpPr>
+            <a:spLocks noGrp="1"/>
+          </p:cNvSpPr>
+          <p:nvPr>
+            <p:ph type="body" sz="half" idx="19"/>
+          </p:nvPr>
+        </p:nvSpPr>
+        <p:spPr>
+          <a:xfrm>
+            <a:off x="3944117" y="4873764"/>
+            <a:ext cx="3067297" cy="1062422"/>
+          </a:xfrm>
+        </p:spPr>
+        <p:txBody>
+          <a:bodyPr anchor="t">
+            <a:normAutofit/>
+          </a:bodyPr>
+          <a:lstStyle>
+            <a:lvl1pPr marL="0" indent="0">
+              <a:buNone/>
+              <a:defRPr sz="1400"/>
+            </a:lvl1pPr>
+            <a:lvl2pPr marL="457200" indent="0">
+              <a:buNone/>
+              <a:defRPr sz="1200"/>
+            </a:lvl2pPr>
+            <a:lvl3pPr marL="914400" indent="0">
+              <a:buNone/>
+              <a:defRPr sz="1000"/>
+            </a:lvl3pPr>
+            <a:lvl4pPr marL="1371600" indent="0">
+              <a:buNone/>
+              <a:defRPr sz="900"/>
+            </a:lvl4pPr>
+            <a:lvl5pPr marL="1828800" indent="0">
+              <a:buNone/>
+              <a:defRPr sz="900"/>
+            </a:lvl5pPr>
+            <a:lvl6pPr marL="2286000" indent="0">
+              <a:buNone/>
+              <a:defRPr sz="900"/>
+            </a:lvl6pPr>
+            <a:lvl7pPr marL="2743200" indent="0">
+              <a:buNone/>
+              <a:defRPr sz="900"/>
+            </a:lvl7pPr>
+            <a:lvl8pPr marL="3200400" indent="0">
+              <a:buNone/>
+              <a:defRPr sz="900"/>
+            </a:lvl8pPr>
+            <a:lvl9pPr marL="3657600" indent="0">
+              <a:buNone/>
+              <a:defRPr sz="900"/>
+            </a:lvl9pPr>
+          </a:lstStyle>
+          <a:p>
+            <a:pPr lvl="0"/>
+            <a:r>
+              <a:rPr lang="ru-RU"/>
+              <a:t>Образец текста</a:t>
+            </a:r>
+          </a:p>
+        </p:txBody>
+      </p:sp>
+      <p:sp>
+        <p:nvSpPr>
+          <p:cNvPr id="25" name="Text Placeholder 4"/>
+          <p:cNvSpPr>
+            <a:spLocks noGrp="1"/>
+          </p:cNvSpPr>
+          <p:nvPr>
+            <p:ph type="body" sz="quarter" idx="13"/>
+          </p:nvPr>
+        </p:nvSpPr>
+        <p:spPr>
+          <a:xfrm>
+            <a:off x="7230678" y="4297503"/>
+            <a:ext cx="3063505" cy="576262"/>
+          </a:xfrm>
+        </p:spPr>
+        <p:txBody>
+          <a:bodyPr anchor="b">
+            <a:noAutofit/>
+          </a:bodyPr>
+          <a:lstStyle>
+            <a:lvl1pPr marL="0" indent="0">
+              <a:buNone/>
+              <a:defRPr sz="2400" b="0">
+                <a:solidFill>
+                  <a:schemeClr val="tx1"/>
+                </a:solidFill>
+              </a:defRPr>
+            </a:lvl1pPr>
+            <a:lvl2pPr marL="457200" indent="0">
+              <a:buNone/>
+              <a:defRPr sz="2000" b="1"/>
+            </a:lvl2pPr>
+            <a:lvl3pPr marL="914400" indent="0">
+              <a:buNone/>
+              <a:defRPr sz="1800" b="1"/>
+            </a:lvl3pPr>
+            <a:lvl4pPr marL="1371600" indent="0">
+              <a:buNone/>
+              <a:defRPr sz="1600" b="1"/>
+            </a:lvl4pPr>
+            <a:lvl5pPr marL="1828800" indent="0">
+              <a:buNone/>
+              <a:defRPr sz="1600" b="1"/>
+            </a:lvl5pPr>
+            <a:lvl6pPr marL="2286000" indent="0">
+              <a:buNone/>
+              <a:defRPr sz="1600" b="1"/>
+            </a:lvl6pPr>
+            <a:lvl7pPr marL="2743200" indent="0">
+              <a:buNone/>
+              <a:defRPr sz="1600" b="1"/>
+            </a:lvl7pPr>
+            <a:lvl8pPr marL="3200400" indent="0">
+              <a:buNone/>
+              <a:defRPr sz="1600" b="1"/>
+            </a:lvl8pPr>
+            <a:lvl9pPr marL="3657600" indent="0">
+              <a:buNone/>
+              <a:defRPr sz="1600" b="1"/>
+            </a:lvl9pPr>
+          </a:lstStyle>
+          <a:p>
+            <a:pPr lvl="0"/>
+            <a:r>
+              <a:rPr lang="ru-RU"/>
+              <a:t>Образец текста</a:t>
+            </a:r>
+          </a:p>
+        </p:txBody>
+      </p:sp>
+      <p:sp>
+        <p:nvSpPr>
+          <p:cNvPr id="26" name="Picture Placeholder 2"/>
+          <p:cNvSpPr>
+            <a:spLocks noGrp="1" noChangeAspect="1"/>
+          </p:cNvSpPr>
+          <p:nvPr>
+            <p:ph type="pic" idx="22"/>
+          </p:nvPr>
+        </p:nvSpPr>
+        <p:spPr>
+          <a:xfrm>
+            <a:off x="7230677" y="2336873"/>
+            <a:ext cx="3063505" cy="1524000"/>
+          </a:xfrm>
+          <a:prstGeom prst="roundRect">
+            <a:avLst>
+              <a:gd name="adj" fmla="val 0"/>
+            </a:avLst>
+          </a:prstGeom>
+          <a:effectLst>
+            <a:outerShdw blurRad="50800" dist="50800" dir="5400000" algn="tl" rotWithShape="0">
+              <a:srgbClr val="000000">
+                <a:alpha val="43000"/>
+              </a:srgbClr>
+            </a:outerShdw>
+          </a:effectLst>
+        </p:spPr>
+        <p:txBody>
+          <a:bodyPr anchor="t">
+            <a:normAutofit/>
+          </a:bodyPr>
+          <a:lstStyle>
+            <a:lvl1pPr marL="0" indent="0" algn="ctr">
+              <a:buNone/>
+              <a:defRPr sz="1600"/>
+            </a:lvl1pPr>
+            <a:lvl2pPr marL="457200" indent="0">
+              <a:buNone/>
+              <a:defRPr sz="1600"/>
+            </a:lvl2pPr>
+            <a:lvl3pPr marL="914400" indent="0">
+              <a:buNone/>
+              <a:defRPr sz="1600"/>
+            </a:lvl3pPr>
+            <a:lvl4pPr marL="1371600" indent="0">
+              <a:buNone/>
+              <a:defRPr sz="1600"/>
+            </a:lvl4pPr>
+            <a:lvl5pPr marL="1828800" indent="0">
+              <a:buNone/>
+              <a:defRPr sz="1600"/>
+            </a:lvl5pPr>
+            <a:lvl6pPr marL="2286000" indent="0">
+              <a:buNone/>
+              <a:defRPr sz="1600"/>
+            </a:lvl6pPr>
+            <a:lvl7pPr marL="2743200" indent="0">
+              <a:buNone/>
+              <a:defRPr sz="1600"/>
+            </a:lvl7pPr>
+            <a:lvl8pPr marL="3200400" indent="0">
+              <a:buNone/>
+              <a:defRPr sz="1600"/>
+            </a:lvl8pPr>
+            <a:lvl9pPr marL="3657600" indent="0">
+              <a:buNone/>
+              <a:defRPr sz="1600"/>
+            </a:lvl9pPr>
+          </a:lstStyle>
+          <a:p>
+            <a:r>
+              <a:rPr lang="ru-RU"/>
+              <a:t>Вставка рисунка</a:t>
+            </a:r>
+            <a:endParaRPr lang="en-US" dirty="0"/>
+          </a:p>
+        </p:txBody>
+      </p:sp>
+      <p:sp>
+        <p:nvSpPr>
+          <p:cNvPr id="27" name="Text Placeholder 3"/>
+          <p:cNvSpPr>
+            <a:spLocks noGrp="1"/>
+          </p:cNvSpPr>
+          <p:nvPr>
+            <p:ph type="body" sz="half" idx="20"/>
+          </p:nvPr>
+        </p:nvSpPr>
+        <p:spPr>
+          <a:xfrm>
+            <a:off x="7230553" y="4873762"/>
+            <a:ext cx="3067563" cy="1062422"/>
+          </a:xfrm>
+        </p:spPr>
+        <p:txBody>
+          <a:bodyPr anchor="t">
+            <a:normAutofit/>
+          </a:bodyPr>
+          <a:lstStyle>
+            <a:lvl1pPr marL="0" indent="0">
+              <a:buNone/>
+              <a:defRPr sz="1400"/>
+            </a:lvl1pPr>
+            <a:lvl2pPr marL="457200" indent="0">
+              <a:buNone/>
+              <a:defRPr sz="1200"/>
+            </a:lvl2pPr>
+            <a:lvl3pPr marL="914400" indent="0">
+              <a:buNone/>
+              <a:defRPr sz="1000"/>
+            </a:lvl3pPr>
+            <a:lvl4pPr marL="1371600" indent="0">
+              <a:buNone/>
+              <a:defRPr sz="900"/>
+            </a:lvl4pPr>
+            <a:lvl5pPr marL="1828800" indent="0">
+              <a:buNone/>
+              <a:defRPr sz="900"/>
+            </a:lvl5pPr>
+            <a:lvl6pPr marL="2286000" indent="0">
+              <a:buNone/>
+              <a:defRPr sz="900"/>
+            </a:lvl6pPr>
+            <a:lvl7pPr marL="2743200" indent="0">
+              <a:buNone/>
+              <a:defRPr sz="900"/>
+            </a:lvl7pPr>
+            <a:lvl8pPr marL="3200400" indent="0">
+              <a:buNone/>
+              <a:defRPr sz="900"/>
+            </a:lvl8pPr>
+            <a:lvl9pPr marL="3657600" indent="0">
+              <a:buNone/>
+              <a:defRPr sz="900"/>
+            </a:lvl9pPr>
+          </a:lstStyle>
+          <a:p>
+            <a:pPr lvl="0"/>
+            <a:r>
+              <a:rPr lang="ru-RU"/>
+              <a:t>Образец текста</a:t>
+            </a:r>
+          </a:p>
+        </p:txBody>
+      </p:sp>
+      <p:sp>
+        <p:nvSpPr>
+          <p:cNvPr id="3" name="Date Placeholder 2"/>
+          <p:cNvSpPr>
+            <a:spLocks noGrp="1"/>
+          </p:cNvSpPr>
+          <p:nvPr>
+            <p:ph type="dt" sz="half" idx="10"/>
+          </p:nvPr>
+        </p:nvSpPr>
+        <p:spPr/>
+        <p:txBody>
+          <a:bodyPr/>
+          <a:lstStyle/>
+          <a:p>
+            <a:fld id="{D8CD3351-83B4-4F00-93E1-4A5ED87C0F85}" type="datetimeFigureOut">
+              <a:rPr lang="ru-RU" smtClean="0"/>
+              <a:t>24.04.2023</a:t>
+            </a:fld>
+            <a:endParaRPr lang="ru-RU"/>
+          </a:p>
+        </p:txBody>
+      </p:sp>
+      <p:sp>
+        <p:nvSpPr>
+          <p:cNvPr id="4" name="Footer Placeholder 3"/>
+          <p:cNvSpPr>
+            <a:spLocks noGrp="1"/>
+          </p:cNvSpPr>
+          <p:nvPr>
+            <p:ph type="ftr" sz="quarter" idx="11"/>
+          </p:nvPr>
+        </p:nvSpPr>
+        <p:spPr/>
+        <p:txBody>
+          <a:bodyPr/>
+          <a:lstStyle/>
+          <a:p>
+            <a:endParaRPr lang="ru-RU"/>
+          </a:p>
+        </p:txBody>
+      </p:sp>
+      <p:sp>
+        <p:nvSpPr>
+          <p:cNvPr id="5" name="Slide Number Placeholder 4"/>
+          <p:cNvSpPr>
+            <a:spLocks noGrp="1"/>
+          </p:cNvSpPr>
+          <p:nvPr>
+            <p:ph type="sldNum" sz="quarter" idx="12"/>
+          </p:nvPr>
+        </p:nvSpPr>
+        <p:spPr/>
+        <p:txBody>
+          <a:bodyPr/>
+          <a:lstStyle/>
+          <a:p>
+            <a:fld id="{4F04D78C-EEA0-4044-9FBE-22ABCBA39020}" type="slidenum">
+              <a:rPr lang="ru-RU" smtClean="0"/>
+              <a:t>‹#›</a:t>
+            </a:fld>
+            <a:endParaRPr lang="ru-RU"/>
+          </a:p>
+        </p:txBody>
+      </p:sp>
+    </p:spTree>
+    <p:extLst>
+      <p:ext uri="{BB962C8B-B14F-4D97-AF65-F5344CB8AC3E}">
+        <p14:creationId xmlns:p14="http://schemas.microsoft.com/office/powerpoint/2010/main" val="3149072148"/>
+      </p:ext>
+    </p:extLst>
+  </p:cSld>
+  <p:clrMapOvr>
+    <a:masterClrMapping/>
+  </p:clrMapOvr>
+</p:sldLayout>
+</file>
+
+<file path=ppt/slideLayouts/slideLayout16.xml><?xml version="1.0" encoding="utf-8"?>
 <p:sldLayout xmlns:a="http://schemas.openxmlformats.org/drawingml/2006/main" xmlns:r="http://schemas.openxmlformats.org/officeDocument/2006/relationships" xmlns:p="http://schemas.openxmlformats.org/presentationml/2006/main" type="vertTx" preserve="1">
   <p:cSld name="Заголовок и вертикальный текст">
     <p:spTree>
@@ -356,20 +3787,232 @@
           <a:chExt cx="0" cy="0"/>
         </a:xfrm>
       </p:grpSpPr>
-      <p:sp>
-        <p:nvSpPr>
-          <p:cNvPr id="2" name="Заголовок 1">
+      <p:pic>
+        <p:nvPicPr>
+          <p:cNvPr id="7" name="Picture 6" descr="HD-ShadowLong.png"/>
+          <p:cNvPicPr>
+            <a:picLocks noChangeAspect="1"/>
+          </p:cNvPicPr>
+          <p:nvPr/>
+        </p:nvPicPr>
+        <p:blipFill>
+          <a:blip r:embed="rId2">
             <a:extLst>
-              <a:ext uri="{FF2B5EF4-FFF2-40B4-BE49-F238E27FC236}">
-                <a16:creationId xmlns:a16="http://schemas.microsoft.com/office/drawing/2014/main" id="{FB316544-FCB7-9DB8-9648-C816E8475866}"/>
+              <a:ext uri="{28A0092B-C50C-407E-A947-70E740481C1C}">
+                <a14:useLocalDpi xmlns:a14="http://schemas.microsoft.com/office/drawing/2010/main" val="0"/>
               </a:ext>
             </a:extLst>
-          </p:cNvPr>
+          </a:blip>
+          <a:stretch>
+            <a:fillRect/>
+          </a:stretch>
+        </p:blipFill>
+        <p:spPr>
+          <a:xfrm>
+            <a:off x="1" y="1970240"/>
+            <a:ext cx="10437812" cy="321164"/>
+          </a:xfrm>
+          <a:prstGeom prst="rect">
+            <a:avLst/>
+          </a:prstGeom>
+        </p:spPr>
+      </p:pic>
+      <p:pic>
+        <p:nvPicPr>
+          <p:cNvPr id="8" name="Picture 7" descr="HD-ShadowShort.png"/>
+          <p:cNvPicPr>
+            <a:picLocks noChangeAspect="1"/>
+          </p:cNvPicPr>
+          <p:nvPr/>
+        </p:nvPicPr>
+        <p:blipFill>
+          <a:blip r:embed="rId3">
+            <a:extLst>
+              <a:ext uri="{28A0092B-C50C-407E-A947-70E740481C1C}">
+                <a14:useLocalDpi xmlns:a14="http://schemas.microsoft.com/office/drawing/2010/main" val="0"/>
+              </a:ext>
+            </a:extLst>
+          </a:blip>
+          <a:stretch>
+            <a:fillRect/>
+          </a:stretch>
+        </p:blipFill>
+        <p:spPr>
+          <a:xfrm>
+            <a:off x="10585826" y="1971234"/>
+            <a:ext cx="1602997" cy="144270"/>
+          </a:xfrm>
+          <a:prstGeom prst="rect">
+            <a:avLst/>
+          </a:prstGeom>
+        </p:spPr>
+      </p:pic>
+      <p:sp>
+        <p:nvSpPr>
+          <p:cNvPr id="9" name="Rectangle 8"/>
+          <p:cNvSpPr/>
+          <p:nvPr/>
+        </p:nvSpPr>
+        <p:spPr bwMode="ltGray">
+          <a:xfrm>
+            <a:off x="0" y="609600"/>
+            <a:ext cx="10437812" cy="1368198"/>
+          </a:xfrm>
+          <a:prstGeom prst="rect">
+            <a:avLst/>
+          </a:prstGeom>
+          <a:solidFill>
+            <a:schemeClr val="bg1">
+              <a:lumMod val="85000"/>
+              <a:lumOff val="15000"/>
+            </a:schemeClr>
+          </a:solidFill>
+          <a:ln>
+            <a:noFill/>
+          </a:ln>
+        </p:spPr>
+        <p:style>
+          <a:lnRef idx="2">
+            <a:schemeClr val="accent1">
+              <a:shade val="50000"/>
+            </a:schemeClr>
+          </a:lnRef>
+          <a:fillRef idx="1">
+            <a:schemeClr val="accent1"/>
+          </a:fillRef>
+          <a:effectRef idx="0">
+            <a:schemeClr val="accent1"/>
+          </a:effectRef>
+          <a:fontRef idx="minor">
+            <a:schemeClr val="lt1"/>
+          </a:fontRef>
+        </p:style>
+      </p:sp>
+      <p:sp>
+        <p:nvSpPr>
+          <p:cNvPr id="10" name="Rectangle 9"/>
+          <p:cNvSpPr/>
+          <p:nvPr/>
+        </p:nvSpPr>
+        <p:spPr>
+          <a:xfrm>
+            <a:off x="10585827" y="609600"/>
+            <a:ext cx="1602997" cy="1368198"/>
+          </a:xfrm>
+          <a:prstGeom prst="rect">
+            <a:avLst/>
+          </a:prstGeom>
+          <a:solidFill>
+            <a:schemeClr val="accent1"/>
+          </a:solidFill>
+          <a:ln>
+            <a:noFill/>
+          </a:ln>
+        </p:spPr>
+        <p:style>
+          <a:lnRef idx="2">
+            <a:schemeClr val="accent1">
+              <a:shade val="50000"/>
+            </a:schemeClr>
+          </a:lnRef>
+          <a:fillRef idx="1">
+            <a:schemeClr val="accent1"/>
+          </a:fillRef>
+          <a:effectRef idx="0">
+            <a:schemeClr val="accent1"/>
+          </a:effectRef>
+          <a:fontRef idx="minor">
+            <a:schemeClr val="lt1"/>
+          </a:fontRef>
+        </p:style>
+      </p:sp>
+      <p:sp>
+        <p:nvSpPr>
+          <p:cNvPr id="2" name="Title 1"/>
           <p:cNvSpPr>
             <a:spLocks noGrp="1"/>
           </p:cNvSpPr>
           <p:nvPr>
             <p:ph type="title"/>
+          </p:nvPr>
+        </p:nvSpPr>
+        <p:spPr/>
+        <p:txBody>
+          <a:bodyPr/>
+          <a:lstStyle>
+            <a:lvl1pPr algn="r">
+              <a:defRPr/>
+            </a:lvl1pPr>
+          </a:lstStyle>
+          <a:p>
+            <a:r>
+              <a:rPr lang="ru-RU"/>
+              <a:t>Образец заголовка</a:t>
+            </a:r>
+            <a:endParaRPr lang="en-US" dirty="0"/>
+          </a:p>
+        </p:txBody>
+      </p:sp>
+      <p:sp>
+        <p:nvSpPr>
+          <p:cNvPr id="3" name="Vertical Text Placeholder 2"/>
+          <p:cNvSpPr>
+            <a:spLocks noGrp="1"/>
+          </p:cNvSpPr>
+          <p:nvPr>
+            <p:ph type="body" orient="vert" idx="1"/>
+          </p:nvPr>
+        </p:nvSpPr>
+        <p:spPr/>
+        <p:txBody>
+          <a:bodyPr vert="eaVert"/>
+          <a:lstStyle/>
+          <a:p>
+            <a:pPr lvl="0"/>
+            <a:r>
+              <a:rPr lang="ru-RU"/>
+              <a:t>Образец текста</a:t>
+            </a:r>
+          </a:p>
+          <a:p>
+            <a:pPr lvl="1"/>
+            <a:r>
+              <a:rPr lang="ru-RU"/>
+              <a:t>Второй уровень</a:t>
+            </a:r>
+          </a:p>
+          <a:p>
+            <a:pPr lvl="2"/>
+            <a:r>
+              <a:rPr lang="ru-RU"/>
+              <a:t>Третий уровень</a:t>
+            </a:r>
+          </a:p>
+          <a:p>
+            <a:pPr lvl="3"/>
+            <a:r>
+              <a:rPr lang="ru-RU"/>
+              <a:t>Четвертый уровень</a:t>
+            </a:r>
+          </a:p>
+          <a:p>
+            <a:pPr lvl="4"/>
+            <a:r>
+              <a:rPr lang="ru-RU"/>
+              <a:t>Пятый уровень</a:t>
+            </a:r>
+            <a:endParaRPr lang="en-US" dirty="0"/>
+          </a:p>
+        </p:txBody>
+      </p:sp>
+      <p:sp>
+        <p:nvSpPr>
+          <p:cNvPr id="4" name="Date Placeholder 3"/>
+          <p:cNvSpPr>
+            <a:spLocks noGrp="1"/>
+          </p:cNvSpPr>
+          <p:nvPr>
+            <p:ph type="dt" sz="half" idx="10"/>
           </p:nvPr>
         </p:nvSpPr>
         <p:spPr/>
@@ -377,84 +4020,22 @@
           <a:bodyPr/>
           <a:lstStyle/>
           <a:p>
-            <a:r>
-              <a:rPr lang="ru-RU"/>
-              <a:t>Образец заголовка</a:t>
-            </a:r>
-          </a:p>
-        </p:txBody>
-      </p:sp>
-      <p:sp>
-        <p:nvSpPr>
-          <p:cNvPr id="3" name="Вертикальный текст 2">
-            <a:extLst>
-              <a:ext uri="{FF2B5EF4-FFF2-40B4-BE49-F238E27FC236}">
-                <a16:creationId xmlns:a16="http://schemas.microsoft.com/office/drawing/2014/main" id="{DE6EE34A-7FFE-C28A-F596-0751E04D324C}"/>
-              </a:ext>
-            </a:extLst>
-          </p:cNvPr>
-          <p:cNvSpPr>
-            <a:spLocks noGrp="1"/>
-          </p:cNvSpPr>
-          <p:nvPr>
-            <p:ph type="body" orient="vert" idx="1"/>
-          </p:nvPr>
-        </p:nvSpPr>
-        <p:spPr/>
-        <p:txBody>
-          <a:bodyPr vert="eaVert"/>
-          <a:lstStyle/>
-          <a:p>
-            <a:pPr lvl="0"/>
-            <a:r>
-              <a:rPr lang="ru-RU"/>
-              <a:t>Образец текста</a:t>
-            </a:r>
-          </a:p>
-          <a:p>
-            <a:pPr lvl="1"/>
-            <a:r>
-              <a:rPr lang="ru-RU"/>
-              <a:t>Второй уровень</a:t>
-            </a:r>
-          </a:p>
-          <a:p>
-            <a:pPr lvl="2"/>
-            <a:r>
-              <a:rPr lang="ru-RU"/>
-              <a:t>Третий уровень</a:t>
-            </a:r>
-          </a:p>
-          <a:p>
-            <a:pPr lvl="3"/>
-            <a:r>
-              <a:rPr lang="ru-RU"/>
-              <a:t>Четвертый уровень</a:t>
-            </a:r>
-          </a:p>
-          <a:p>
-            <a:pPr lvl="4"/>
-            <a:r>
-              <a:rPr lang="ru-RU"/>
-              <a:t>Пятый уровень</a:t>
-            </a:r>
-          </a:p>
-        </p:txBody>
-      </p:sp>
-      <p:sp>
-        <p:nvSpPr>
-          <p:cNvPr id="4" name="Дата 3">
-            <a:extLst>
-              <a:ext uri="{FF2B5EF4-FFF2-40B4-BE49-F238E27FC236}">
-                <a16:creationId xmlns:a16="http://schemas.microsoft.com/office/drawing/2014/main" id="{9975539A-6810-B036-9256-523DAA830C22}"/>
-              </a:ext>
-            </a:extLst>
-          </p:cNvPr>
-          <p:cNvSpPr>
-            <a:spLocks noGrp="1"/>
-          </p:cNvSpPr>
-          <p:nvPr>
-            <p:ph type="dt" sz="half" idx="10"/>
+            <a:fld id="{D8CD3351-83B4-4F00-93E1-4A5ED87C0F85}" type="datetimeFigureOut">
+              <a:rPr lang="ru-RU" smtClean="0"/>
+              <a:t>24.04.2023</a:t>
+            </a:fld>
+            <a:endParaRPr lang="ru-RU"/>
+          </a:p>
+        </p:txBody>
+      </p:sp>
+      <p:sp>
+        <p:nvSpPr>
+          <p:cNvPr id="5" name="Footer Placeholder 4"/>
+          <p:cNvSpPr>
+            <a:spLocks noGrp="1"/>
+          </p:cNvSpPr>
+          <p:nvPr>
+            <p:ph type="ftr" sz="quarter" idx="11"/>
           </p:nvPr>
         </p:nvSpPr>
         <p:spPr/>
@@ -462,48 +4043,13 @@
           <a:bodyPr/>
           <a:lstStyle/>
           <a:p>
-            <a:fld id="{D8CD3351-83B4-4F00-93E1-4A5ED87C0F85}" type="datetimeFigureOut">
-              <a:rPr lang="ru-RU" smtClean="0"/>
-              <a:t>23.04.2023</a:t>
-            </a:fld>
             <a:endParaRPr lang="ru-RU"/>
           </a:p>
         </p:txBody>
       </p:sp>
       <p:sp>
         <p:nvSpPr>
-          <p:cNvPr id="5" name="Нижний колонтитул 4">
-            <a:extLst>
-              <a:ext uri="{FF2B5EF4-FFF2-40B4-BE49-F238E27FC236}">
-                <a16:creationId xmlns:a16="http://schemas.microsoft.com/office/drawing/2014/main" id="{FCD20A3B-5527-0370-9A23-2DD1E6C57B64}"/>
-              </a:ext>
-            </a:extLst>
-          </p:cNvPr>
-          <p:cNvSpPr>
-            <a:spLocks noGrp="1"/>
-          </p:cNvSpPr>
-          <p:nvPr>
-            <p:ph type="ftr" sz="quarter" idx="11"/>
-          </p:nvPr>
-        </p:nvSpPr>
-        <p:spPr/>
-        <p:txBody>
-          <a:bodyPr/>
-          <a:lstStyle/>
-          <a:p>
-            <a:endParaRPr lang="ru-RU"/>
-          </a:p>
-        </p:txBody>
-      </p:sp>
-      <p:sp>
-        <p:nvSpPr>
-          <p:cNvPr id="6" name="Номер слайда 5">
-            <a:extLst>
-              <a:ext uri="{FF2B5EF4-FFF2-40B4-BE49-F238E27FC236}">
-                <a16:creationId xmlns:a16="http://schemas.microsoft.com/office/drawing/2014/main" id="{91D55C80-11BB-E4BB-587F-7E13C32F7DFF}"/>
-              </a:ext>
-            </a:extLst>
-          </p:cNvPr>
+          <p:cNvPr id="6" name="Slide Number Placeholder 5"/>
           <p:cNvSpPr>
             <a:spLocks noGrp="1"/>
           </p:cNvSpPr>
@@ -527,7 +4073,7 @@
     </p:spTree>
     <p:extLst>
       <p:ext uri="{BB962C8B-B14F-4D97-AF65-F5344CB8AC3E}">
-        <p14:creationId xmlns:p14="http://schemas.microsoft.com/office/powerpoint/2010/main" val="2011619763"/>
+        <p14:creationId xmlns:p14="http://schemas.microsoft.com/office/powerpoint/2010/main" val="319988721"/>
       </p:ext>
     </p:extLst>
   </p:cSld>
@@ -537,7 +4083,7 @@
 </p:sldLayout>
 </file>
 
-<file path=ppt/slideLayouts/slideLayout11.xml><?xml version="1.0" encoding="utf-8"?>
+<file path=ppt/slideLayouts/slideLayout17.xml><?xml version="1.0" encoding="utf-8"?>
 <p:sldLayout xmlns:a="http://schemas.openxmlformats.org/drawingml/2006/main" xmlns:r="http://schemas.openxmlformats.org/officeDocument/2006/relationships" xmlns:p="http://schemas.openxmlformats.org/presentationml/2006/main" type="vertTitleAndTx" preserve="1">
   <p:cSld name="Вертикальный заголовок и текст">
     <p:spTree>
@@ -556,13 +4102,86 @@
       </p:grpSpPr>
       <p:sp>
         <p:nvSpPr>
-          <p:cNvPr id="2" name="Вертикальный заголовок 1">
-            <a:extLst>
-              <a:ext uri="{FF2B5EF4-FFF2-40B4-BE49-F238E27FC236}">
-                <a16:creationId xmlns:a16="http://schemas.microsoft.com/office/drawing/2014/main" id="{901B61E3-466E-E0FE-95E1-DEA64E378D24}"/>
-              </a:ext>
-            </a:extLst>
-          </p:cNvPr>
+          <p:cNvPr id="7" name="Rectangle 6"/>
+          <p:cNvSpPr/>
+          <p:nvPr/>
+        </p:nvSpPr>
+        <p:spPr bwMode="ltGray">
+          <a:xfrm rot="5400000">
+            <a:off x="8116207" y="1869395"/>
+            <a:ext cx="5106988" cy="1368198"/>
+          </a:xfrm>
+          <a:prstGeom prst="rect">
+            <a:avLst/>
+          </a:prstGeom>
+          <a:solidFill>
+            <a:schemeClr val="bg1">
+              <a:lumMod val="85000"/>
+              <a:lumOff val="15000"/>
+            </a:schemeClr>
+          </a:solidFill>
+          <a:ln>
+            <a:noFill/>
+          </a:ln>
+        </p:spPr>
+        <p:style>
+          <a:lnRef idx="2">
+            <a:schemeClr val="accent1">
+              <a:shade val="50000"/>
+            </a:schemeClr>
+          </a:lnRef>
+          <a:fillRef idx="1">
+            <a:schemeClr val="accent1"/>
+          </a:fillRef>
+          <a:effectRef idx="0">
+            <a:schemeClr val="accent1"/>
+          </a:effectRef>
+          <a:fontRef idx="minor">
+            <a:schemeClr val="lt1"/>
+          </a:fontRef>
+        </p:style>
+      </p:sp>
+      <p:sp>
+        <p:nvSpPr>
+          <p:cNvPr id="8" name="Rectangle 7"/>
+          <p:cNvSpPr/>
+          <p:nvPr/>
+        </p:nvSpPr>
+        <p:spPr>
+          <a:xfrm rot="5400000">
+            <a:off x="9868202" y="5372403"/>
+            <a:ext cx="1602997" cy="1368198"/>
+          </a:xfrm>
+          <a:prstGeom prst="rect">
+            <a:avLst/>
+          </a:prstGeom>
+          <a:solidFill>
+            <a:schemeClr val="accent1"/>
+          </a:solidFill>
+          <a:ln>
+            <a:noFill/>
+          </a:ln>
+        </p:spPr>
+        <p:style>
+          <a:lnRef idx="2">
+            <a:schemeClr val="accent1">
+              <a:shade val="50000"/>
+            </a:schemeClr>
+          </a:lnRef>
+          <a:fillRef idx="1">
+            <a:schemeClr val="accent1"/>
+          </a:fillRef>
+          <a:effectRef idx="0">
+            <a:schemeClr val="accent1"/>
+          </a:effectRef>
+          <a:fontRef idx="minor">
+            <a:schemeClr val="lt1"/>
+          </a:fontRef>
+        </p:style>
+      </p:sp>
+      <p:sp>
+        <p:nvSpPr>
+          <p:cNvPr id="2" name="Vertical Title 1"/>
           <p:cNvSpPr>
             <a:spLocks noGrp="1"/>
           </p:cNvSpPr>
@@ -572,8 +4191,8 @@
         </p:nvSpPr>
         <p:spPr>
           <a:xfrm>
-            <a:off x="8724900" y="365125"/>
-            <a:ext cx="2628900" cy="5811838"/>
+            <a:off x="10129231" y="609597"/>
+            <a:ext cx="1073802" cy="4353760"/>
           </a:xfrm>
         </p:spPr>
         <p:txBody>
@@ -584,18 +4203,13 @@
               <a:rPr lang="ru-RU"/>
               <a:t>Образец заголовка</a:t>
             </a:r>
-          </a:p>
-        </p:txBody>
-      </p:sp>
-      <p:sp>
-        <p:nvSpPr>
-          <p:cNvPr id="3" name="Вертикальный текст 2">
-            <a:extLst>
-              <a:ext uri="{FF2B5EF4-FFF2-40B4-BE49-F238E27FC236}">
-                <a16:creationId xmlns:a16="http://schemas.microsoft.com/office/drawing/2014/main" id="{02A8D030-6B0A-F128-81C6-86DB9F7C5031}"/>
-              </a:ext>
-            </a:extLst>
-          </p:cNvPr>
+            <a:endParaRPr lang="en-US" dirty="0"/>
+          </a:p>
+        </p:txBody>
+      </p:sp>
+      <p:sp>
+        <p:nvSpPr>
+          <p:cNvPr id="3" name="Vertical Text Placeholder 2"/>
           <p:cNvSpPr>
             <a:spLocks noGrp="1"/>
           </p:cNvSpPr>
@@ -605,8 +4219,8 @@
         </p:nvSpPr>
         <p:spPr>
           <a:xfrm>
-            <a:off x="838200" y="365125"/>
-            <a:ext cx="7734300" cy="5811838"/>
+            <a:off x="680322" y="609597"/>
+            <a:ext cx="8870004" cy="5326589"/>
           </a:xfrm>
         </p:spPr>
         <p:txBody>
@@ -646,18 +4260,13 @@
               <a:rPr lang="ru-RU"/>
               <a:t>Пятый уровень</a:t>
             </a:r>
-          </a:p>
-        </p:txBody>
-      </p:sp>
-      <p:sp>
-        <p:nvSpPr>
-          <p:cNvPr id="4" name="Дата 3">
-            <a:extLst>
-              <a:ext uri="{FF2B5EF4-FFF2-40B4-BE49-F238E27FC236}">
-                <a16:creationId xmlns:a16="http://schemas.microsoft.com/office/drawing/2014/main" id="{317A1B4F-B59D-AF88-A54B-D3499E716398}"/>
-              </a:ext>
-            </a:extLst>
-          </p:cNvPr>
+            <a:endParaRPr lang="en-US" dirty="0"/>
+          </a:p>
+        </p:txBody>
+      </p:sp>
+      <p:sp>
+        <p:nvSpPr>
+          <p:cNvPr id="4" name="Date Placeholder 3"/>
           <p:cNvSpPr>
             <a:spLocks noGrp="1"/>
           </p:cNvSpPr>
@@ -665,14 +4274,19 @@
             <p:ph type="dt" sz="half" idx="10"/>
           </p:nvPr>
         </p:nvSpPr>
-        <p:spPr/>
+        <p:spPr>
+          <a:xfrm>
+            <a:off x="6807126" y="5936187"/>
+            <a:ext cx="2743200" cy="365125"/>
+          </a:xfrm>
+        </p:spPr>
         <p:txBody>
           <a:bodyPr/>
           <a:lstStyle/>
           <a:p>
             <a:fld id="{D8CD3351-83B4-4F00-93E1-4A5ED87C0F85}" type="datetimeFigureOut">
               <a:rPr lang="ru-RU" smtClean="0"/>
-              <a:t>23.04.2023</a:t>
+              <a:t>24.04.2023</a:t>
             </a:fld>
             <a:endParaRPr lang="ru-RU"/>
           </a:p>
@@ -680,13 +4294,7 @@
       </p:sp>
       <p:sp>
         <p:nvSpPr>
-          <p:cNvPr id="5" name="Нижний колонтитул 4">
-            <a:extLst>
-              <a:ext uri="{FF2B5EF4-FFF2-40B4-BE49-F238E27FC236}">
-                <a16:creationId xmlns:a16="http://schemas.microsoft.com/office/drawing/2014/main" id="{F42051F9-5682-4104-8DCE-40BD52A3A5E9}"/>
-              </a:ext>
-            </a:extLst>
-          </p:cNvPr>
+          <p:cNvPr id="5" name="Footer Placeholder 4"/>
           <p:cNvSpPr>
             <a:spLocks noGrp="1"/>
           </p:cNvSpPr>
@@ -694,7 +4302,12 @@
             <p:ph type="ftr" sz="quarter" idx="11"/>
           </p:nvPr>
         </p:nvSpPr>
-        <p:spPr/>
+        <p:spPr>
+          <a:xfrm>
+            <a:off x="680321" y="5936188"/>
+            <a:ext cx="6126805" cy="365125"/>
+          </a:xfrm>
+        </p:spPr>
         <p:txBody>
           <a:bodyPr/>
           <a:lstStyle/>
@@ -705,13 +4318,7 @@
       </p:sp>
       <p:sp>
         <p:nvSpPr>
-          <p:cNvPr id="6" name="Номер слайда 5">
-            <a:extLst>
-              <a:ext uri="{FF2B5EF4-FFF2-40B4-BE49-F238E27FC236}">
-                <a16:creationId xmlns:a16="http://schemas.microsoft.com/office/drawing/2014/main" id="{BA511F59-4F20-CEB9-46DE-CF883C7DC4CD}"/>
-              </a:ext>
-            </a:extLst>
-          </p:cNvPr>
+          <p:cNvPr id="6" name="Slide Number Placeholder 5"/>
           <p:cNvSpPr>
             <a:spLocks noGrp="1"/>
           </p:cNvSpPr>
@@ -719,10 +4326,19 @@
             <p:ph type="sldNum" sz="quarter" idx="12"/>
           </p:nvPr>
         </p:nvSpPr>
-        <p:spPr/>
-        <p:txBody>
-          <a:bodyPr/>
-          <a:lstStyle/>
+        <p:spPr>
+          <a:xfrm>
+            <a:off x="10097550" y="5398633"/>
+            <a:ext cx="1154151" cy="1090789"/>
+          </a:xfrm>
+        </p:spPr>
+        <p:txBody>
+          <a:bodyPr anchor="t"/>
+          <a:lstStyle>
+            <a:lvl1pPr algn="ctr">
+              <a:defRPr/>
+            </a:lvl1pPr>
+          </a:lstStyle>
           <a:p>
             <a:fld id="{4F04D78C-EEA0-4044-9FBE-22ABCBA39020}" type="slidenum">
               <a:rPr lang="ru-RU" smtClean="0"/>
@@ -735,7 +4351,7 @@
     </p:spTree>
     <p:extLst>
       <p:ext uri="{BB962C8B-B14F-4D97-AF65-F5344CB8AC3E}">
-        <p14:creationId xmlns:p14="http://schemas.microsoft.com/office/powerpoint/2010/main" val="1834431548"/>
+        <p14:creationId xmlns:p14="http://schemas.microsoft.com/office/powerpoint/2010/main" val="3845519339"/>
       </p:ext>
     </p:extLst>
   </p:cSld>
@@ -762,15 +4378,148 @@
           <a:chExt cx="0" cy="0"/>
         </a:xfrm>
       </p:grpSpPr>
-      <p:sp>
-        <p:nvSpPr>
-          <p:cNvPr id="2" name="Заголовок 1">
+      <p:pic>
+        <p:nvPicPr>
+          <p:cNvPr id="15" name="Picture 14" descr="HD-ShadowLong.png"/>
+          <p:cNvPicPr>
+            <a:picLocks noChangeAspect="1"/>
+          </p:cNvPicPr>
+          <p:nvPr/>
+        </p:nvPicPr>
+        <p:blipFill>
+          <a:blip r:embed="rId2">
             <a:extLst>
-              <a:ext uri="{FF2B5EF4-FFF2-40B4-BE49-F238E27FC236}">
-                <a16:creationId xmlns:a16="http://schemas.microsoft.com/office/drawing/2014/main" id="{9CE7C488-AC08-85D4-F48B-2FEAA0EC8C7A}"/>
+              <a:ext uri="{28A0092B-C50C-407E-A947-70E740481C1C}">
+                <a14:useLocalDpi xmlns:a14="http://schemas.microsoft.com/office/drawing/2010/main" val="0"/>
               </a:ext>
             </a:extLst>
-          </p:cNvPr>
+          </a:blip>
+          <a:stretch>
+            <a:fillRect/>
+          </a:stretch>
+        </p:blipFill>
+        <p:spPr>
+          <a:xfrm>
+            <a:off x="1" y="1970240"/>
+            <a:ext cx="10437812" cy="321164"/>
+          </a:xfrm>
+          <a:prstGeom prst="rect">
+            <a:avLst/>
+          </a:prstGeom>
+        </p:spPr>
+      </p:pic>
+      <p:pic>
+        <p:nvPicPr>
+          <p:cNvPr id="16" name="Picture 15" descr="HD-ShadowShort.png"/>
+          <p:cNvPicPr>
+            <a:picLocks noChangeAspect="1"/>
+          </p:cNvPicPr>
+          <p:nvPr/>
+        </p:nvPicPr>
+        <p:blipFill>
+          <a:blip r:embed="rId3">
+            <a:extLst>
+              <a:ext uri="{28A0092B-C50C-407E-A947-70E740481C1C}">
+                <a14:useLocalDpi xmlns:a14="http://schemas.microsoft.com/office/drawing/2010/main" val="0"/>
+              </a:ext>
+            </a:extLst>
+          </a:blip>
+          <a:stretch>
+            <a:fillRect/>
+          </a:stretch>
+        </p:blipFill>
+        <p:spPr>
+          <a:xfrm>
+            <a:off x="10585826" y="1971234"/>
+            <a:ext cx="1602997" cy="144270"/>
+          </a:xfrm>
+          <a:prstGeom prst="rect">
+            <a:avLst/>
+          </a:prstGeom>
+        </p:spPr>
+      </p:pic>
+      <p:sp>
+        <p:nvSpPr>
+          <p:cNvPr id="17" name="Rectangle 16"/>
+          <p:cNvSpPr/>
+          <p:nvPr/>
+        </p:nvSpPr>
+        <p:spPr bwMode="ltGray">
+          <a:xfrm>
+            <a:off x="0" y="609600"/>
+            <a:ext cx="10437812" cy="1368198"/>
+          </a:xfrm>
+          <a:prstGeom prst="rect">
+            <a:avLst/>
+          </a:prstGeom>
+          <a:solidFill>
+            <a:schemeClr val="bg1">
+              <a:lumMod val="85000"/>
+              <a:lumOff val="15000"/>
+            </a:schemeClr>
+          </a:solidFill>
+          <a:ln>
+            <a:noFill/>
+          </a:ln>
+        </p:spPr>
+        <p:style>
+          <a:lnRef idx="2">
+            <a:schemeClr val="accent1">
+              <a:shade val="50000"/>
+            </a:schemeClr>
+          </a:lnRef>
+          <a:fillRef idx="1">
+            <a:schemeClr val="accent1"/>
+          </a:fillRef>
+          <a:effectRef idx="0">
+            <a:schemeClr val="accent1"/>
+          </a:effectRef>
+          <a:fontRef idx="minor">
+            <a:schemeClr val="lt1"/>
+          </a:fontRef>
+        </p:style>
+      </p:sp>
+      <p:sp>
+        <p:nvSpPr>
+          <p:cNvPr id="18" name="Rectangle 17"/>
+          <p:cNvSpPr/>
+          <p:nvPr/>
+        </p:nvSpPr>
+        <p:spPr>
+          <a:xfrm>
+            <a:off x="10585827" y="609600"/>
+            <a:ext cx="1602997" cy="1368198"/>
+          </a:xfrm>
+          <a:prstGeom prst="rect">
+            <a:avLst/>
+          </a:prstGeom>
+          <a:solidFill>
+            <a:schemeClr val="accent1"/>
+          </a:solidFill>
+          <a:ln>
+            <a:noFill/>
+          </a:ln>
+        </p:spPr>
+        <p:style>
+          <a:lnRef idx="2">
+            <a:schemeClr val="accent1">
+              <a:shade val="50000"/>
+            </a:schemeClr>
+          </a:lnRef>
+          <a:fillRef idx="1">
+            <a:schemeClr val="accent1"/>
+          </a:fillRef>
+          <a:effectRef idx="0">
+            <a:schemeClr val="accent1"/>
+          </a:effectRef>
+          <a:fontRef idx="minor">
+            <a:schemeClr val="lt1"/>
+          </a:fontRef>
+        </p:style>
+      </p:sp>
+      <p:sp>
+        <p:nvSpPr>
+          <p:cNvPr id="2" name="Title 1"/>
           <p:cNvSpPr>
             <a:spLocks noGrp="1"/>
           </p:cNvSpPr>
@@ -787,18 +4536,13 @@
               <a:rPr lang="ru-RU"/>
               <a:t>Образец заголовка</a:t>
             </a:r>
-          </a:p>
-        </p:txBody>
-      </p:sp>
-      <p:sp>
-        <p:nvSpPr>
-          <p:cNvPr id="3" name="Объект 2">
-            <a:extLst>
-              <a:ext uri="{FF2B5EF4-FFF2-40B4-BE49-F238E27FC236}">
-                <a16:creationId xmlns:a16="http://schemas.microsoft.com/office/drawing/2014/main" id="{3FBBB282-0CCD-D27C-9DBE-958B8FD1C866}"/>
-              </a:ext>
-            </a:extLst>
-          </p:cNvPr>
+            <a:endParaRPr lang="en-US" dirty="0"/>
+          </a:p>
+        </p:txBody>
+      </p:sp>
+      <p:sp>
+        <p:nvSpPr>
+          <p:cNvPr id="3" name="Content Placeholder 2"/>
           <p:cNvSpPr>
             <a:spLocks noGrp="1"/>
           </p:cNvSpPr>
@@ -844,18 +4588,13 @@
               <a:rPr lang="ru-RU"/>
               <a:t>Пятый уровень</a:t>
             </a:r>
-          </a:p>
-        </p:txBody>
-      </p:sp>
-      <p:sp>
-        <p:nvSpPr>
-          <p:cNvPr id="4" name="Дата 3">
-            <a:extLst>
-              <a:ext uri="{FF2B5EF4-FFF2-40B4-BE49-F238E27FC236}">
-                <a16:creationId xmlns:a16="http://schemas.microsoft.com/office/drawing/2014/main" id="{D6C125FE-13FA-E55A-2907-928D3E47F015}"/>
-              </a:ext>
-            </a:extLst>
-          </p:cNvPr>
+            <a:endParaRPr lang="en-US" dirty="0"/>
+          </a:p>
+        </p:txBody>
+      </p:sp>
+      <p:sp>
+        <p:nvSpPr>
+          <p:cNvPr id="4" name="Date Placeholder 3"/>
           <p:cNvSpPr>
             <a:spLocks noGrp="1"/>
           </p:cNvSpPr>
@@ -870,7 +4609,7 @@
           <a:p>
             <a:fld id="{D8CD3351-83B4-4F00-93E1-4A5ED87C0F85}" type="datetimeFigureOut">
               <a:rPr lang="ru-RU" smtClean="0"/>
-              <a:t>23.04.2023</a:t>
+              <a:t>24.04.2023</a:t>
             </a:fld>
             <a:endParaRPr lang="ru-RU"/>
           </a:p>
@@ -878,13 +4617,7 @@
       </p:sp>
       <p:sp>
         <p:nvSpPr>
-          <p:cNvPr id="5" name="Нижний колонтитул 4">
-            <a:extLst>
-              <a:ext uri="{FF2B5EF4-FFF2-40B4-BE49-F238E27FC236}">
-                <a16:creationId xmlns:a16="http://schemas.microsoft.com/office/drawing/2014/main" id="{40C9BF98-7E01-EC36-CE88-FAF16988A825}"/>
-              </a:ext>
-            </a:extLst>
-          </p:cNvPr>
+          <p:cNvPr id="5" name="Footer Placeholder 4"/>
           <p:cNvSpPr>
             <a:spLocks noGrp="1"/>
           </p:cNvSpPr>
@@ -903,13 +4636,7 @@
       </p:sp>
       <p:sp>
         <p:nvSpPr>
-          <p:cNvPr id="6" name="Номер слайда 5">
-            <a:extLst>
-              <a:ext uri="{FF2B5EF4-FFF2-40B4-BE49-F238E27FC236}">
-                <a16:creationId xmlns:a16="http://schemas.microsoft.com/office/drawing/2014/main" id="{351EB7BE-5DA1-CB43-90C9-C3C293CA1E84}"/>
-              </a:ext>
-            </a:extLst>
-          </p:cNvPr>
+          <p:cNvPr id="6" name="Slide Number Placeholder 5"/>
           <p:cNvSpPr>
             <a:spLocks noGrp="1"/>
           </p:cNvSpPr>
@@ -933,7 +4660,7 @@
     </p:spTree>
     <p:extLst>
       <p:ext uri="{BB962C8B-B14F-4D97-AF65-F5344CB8AC3E}">
-        <p14:creationId xmlns:p14="http://schemas.microsoft.com/office/powerpoint/2010/main" val="1679076724"/>
+        <p14:creationId xmlns:p14="http://schemas.microsoft.com/office/powerpoint/2010/main" val="2761150331"/>
       </p:ext>
     </p:extLst>
   </p:cSld>
@@ -960,15 +4687,148 @@
           <a:chExt cx="0" cy="0"/>
         </a:xfrm>
       </p:grpSpPr>
-      <p:sp>
-        <p:nvSpPr>
-          <p:cNvPr id="2" name="Заголовок 1">
+      <p:pic>
+        <p:nvPicPr>
+          <p:cNvPr id="7" name="Picture 6" descr="HD-ShadowLong.png"/>
+          <p:cNvPicPr>
+            <a:picLocks noChangeAspect="1"/>
+          </p:cNvPicPr>
+          <p:nvPr/>
+        </p:nvPicPr>
+        <p:blipFill>
+          <a:blip r:embed="rId2">
             <a:extLst>
-              <a:ext uri="{FF2B5EF4-FFF2-40B4-BE49-F238E27FC236}">
-                <a16:creationId xmlns:a16="http://schemas.microsoft.com/office/drawing/2014/main" id="{0205A38B-3511-4889-9763-58D0ECD20073}"/>
+              <a:ext uri="{28A0092B-C50C-407E-A947-70E740481C1C}">
+                <a14:useLocalDpi xmlns:a14="http://schemas.microsoft.com/office/drawing/2010/main" val="0"/>
               </a:ext>
             </a:extLst>
-          </p:cNvPr>
+          </a:blip>
+          <a:stretch>
+            <a:fillRect/>
+          </a:stretch>
+        </p:blipFill>
+        <p:spPr>
+          <a:xfrm>
+            <a:off x="-1" y="4086907"/>
+            <a:ext cx="10437812" cy="321164"/>
+          </a:xfrm>
+          <a:prstGeom prst="rect">
+            <a:avLst/>
+          </a:prstGeom>
+        </p:spPr>
+      </p:pic>
+      <p:pic>
+        <p:nvPicPr>
+          <p:cNvPr id="8" name="Picture 7" descr="HD-ShadowShort.png"/>
+          <p:cNvPicPr>
+            <a:picLocks noChangeAspect="1"/>
+          </p:cNvPicPr>
+          <p:nvPr/>
+        </p:nvPicPr>
+        <p:blipFill>
+          <a:blip r:embed="rId3">
+            <a:extLst>
+              <a:ext uri="{28A0092B-C50C-407E-A947-70E740481C1C}">
+                <a14:useLocalDpi xmlns:a14="http://schemas.microsoft.com/office/drawing/2010/main" val="0"/>
+              </a:ext>
+            </a:extLst>
+          </a:blip>
+          <a:stretch>
+            <a:fillRect/>
+          </a:stretch>
+        </p:blipFill>
+        <p:spPr>
+          <a:xfrm>
+            <a:off x="10585824" y="4087901"/>
+            <a:ext cx="1602997" cy="144270"/>
+          </a:xfrm>
+          <a:prstGeom prst="rect">
+            <a:avLst/>
+          </a:prstGeom>
+        </p:spPr>
+      </p:pic>
+      <p:sp>
+        <p:nvSpPr>
+          <p:cNvPr id="9" name="Rectangle 8"/>
+          <p:cNvSpPr/>
+          <p:nvPr/>
+        </p:nvSpPr>
+        <p:spPr bwMode="ltGray">
+          <a:xfrm>
+            <a:off x="-2" y="2726267"/>
+            <a:ext cx="10437812" cy="1368198"/>
+          </a:xfrm>
+          <a:prstGeom prst="rect">
+            <a:avLst/>
+          </a:prstGeom>
+          <a:solidFill>
+            <a:schemeClr val="bg1">
+              <a:lumMod val="85000"/>
+              <a:lumOff val="15000"/>
+            </a:schemeClr>
+          </a:solidFill>
+          <a:ln>
+            <a:noFill/>
+          </a:ln>
+        </p:spPr>
+        <p:style>
+          <a:lnRef idx="2">
+            <a:schemeClr val="accent1">
+              <a:shade val="50000"/>
+            </a:schemeClr>
+          </a:lnRef>
+          <a:fillRef idx="1">
+            <a:schemeClr val="accent1"/>
+          </a:fillRef>
+          <a:effectRef idx="0">
+            <a:schemeClr val="accent1"/>
+          </a:effectRef>
+          <a:fontRef idx="minor">
+            <a:schemeClr val="lt1"/>
+          </a:fontRef>
+        </p:style>
+      </p:sp>
+      <p:sp>
+        <p:nvSpPr>
+          <p:cNvPr id="10" name="Rectangle 9"/>
+          <p:cNvSpPr/>
+          <p:nvPr/>
+        </p:nvSpPr>
+        <p:spPr>
+          <a:xfrm>
+            <a:off x="10585825" y="2726267"/>
+            <a:ext cx="1602997" cy="1368198"/>
+          </a:xfrm>
+          <a:prstGeom prst="rect">
+            <a:avLst/>
+          </a:prstGeom>
+          <a:solidFill>
+            <a:schemeClr val="accent1"/>
+          </a:solidFill>
+          <a:ln>
+            <a:noFill/>
+          </a:ln>
+        </p:spPr>
+        <p:style>
+          <a:lnRef idx="2">
+            <a:schemeClr val="accent1">
+              <a:shade val="50000"/>
+            </a:schemeClr>
+          </a:lnRef>
+          <a:fillRef idx="1">
+            <a:schemeClr val="accent1"/>
+          </a:fillRef>
+          <a:effectRef idx="0">
+            <a:schemeClr val="accent1"/>
+          </a:effectRef>
+          <a:fontRef idx="minor">
+            <a:schemeClr val="lt1"/>
+          </a:fontRef>
+        </p:style>
+      </p:sp>
+      <p:sp>
+        <p:nvSpPr>
+          <p:cNvPr id="2" name="Title 1"/>
           <p:cNvSpPr>
             <a:spLocks noGrp="1"/>
           </p:cNvSpPr>
@@ -978,15 +4838,17 @@
         </p:nvSpPr>
         <p:spPr>
           <a:xfrm>
-            <a:off x="831850" y="1709738"/>
-            <a:ext cx="10515600" cy="2852737"/>
-          </a:xfrm>
-        </p:spPr>
-        <p:txBody>
-          <a:bodyPr anchor="b"/>
+            <a:off x="680322" y="2869895"/>
+            <a:ext cx="9613860" cy="1090788"/>
+          </a:xfrm>
+        </p:spPr>
+        <p:txBody>
+          <a:bodyPr anchor="ctr">
+            <a:normAutofit/>
+          </a:bodyPr>
           <a:lstStyle>
-            <a:lvl1pPr>
-              <a:defRPr sz="6000"/>
+            <a:lvl1pPr algn="r">
+              <a:defRPr sz="3600"/>
             </a:lvl1pPr>
           </a:lstStyle>
           <a:p>
@@ -994,18 +4856,13 @@
               <a:rPr lang="ru-RU"/>
               <a:t>Образец заголовка</a:t>
             </a:r>
-          </a:p>
-        </p:txBody>
-      </p:sp>
-      <p:sp>
-        <p:nvSpPr>
-          <p:cNvPr id="3" name="Текст 2">
-            <a:extLst>
-              <a:ext uri="{FF2B5EF4-FFF2-40B4-BE49-F238E27FC236}">
-                <a16:creationId xmlns:a16="http://schemas.microsoft.com/office/drawing/2014/main" id="{DA5E66A1-5A2A-BC51-BC36-A3CA2FC2CEC9}"/>
-              </a:ext>
-            </a:extLst>
-          </p:cNvPr>
+            <a:endParaRPr lang="en-US" dirty="0"/>
+          </a:p>
+        </p:txBody>
+      </p:sp>
+      <p:sp>
+        <p:nvSpPr>
+          <p:cNvPr id="3" name="Text Placeholder 2"/>
           <p:cNvSpPr>
             <a:spLocks noGrp="1"/>
           </p:cNvSpPr>
@@ -1015,16 +4872,18 @@
         </p:nvSpPr>
         <p:spPr>
           <a:xfrm>
-            <a:off x="831850" y="4589463"/>
-            <a:ext cx="10515600" cy="1500187"/>
-          </a:xfrm>
-        </p:spPr>
-        <p:txBody>
-          <a:bodyPr/>
+            <a:off x="680322" y="4232171"/>
+            <a:ext cx="9613860" cy="1704017"/>
+          </a:xfrm>
+        </p:spPr>
+        <p:txBody>
+          <a:bodyPr>
+            <a:normAutofit/>
+          </a:bodyPr>
           <a:lstStyle>
-            <a:lvl1pPr marL="0" indent="0">
-              <a:buNone/>
-              <a:defRPr sz="2400">
+            <a:lvl1pPr marL="0" indent="0" algn="r">
+              <a:buNone/>
+              <a:defRPr sz="2000">
                 <a:solidFill>
                   <a:schemeClr val="tx1">
                     <a:tint val="75000"/>
@@ -1124,13 +4983,7 @@
       </p:sp>
       <p:sp>
         <p:nvSpPr>
-          <p:cNvPr id="4" name="Дата 3">
-            <a:extLst>
-              <a:ext uri="{FF2B5EF4-FFF2-40B4-BE49-F238E27FC236}">
-                <a16:creationId xmlns:a16="http://schemas.microsoft.com/office/drawing/2014/main" id="{9A350AEC-B52A-363B-4212-D22B8DEA3935}"/>
-              </a:ext>
-            </a:extLst>
-          </p:cNvPr>
+          <p:cNvPr id="4" name="Date Placeholder 3"/>
           <p:cNvSpPr>
             <a:spLocks noGrp="1"/>
           </p:cNvSpPr>
@@ -1145,7 +4998,7 @@
           <a:p>
             <a:fld id="{D8CD3351-83B4-4F00-93E1-4A5ED87C0F85}" type="datetimeFigureOut">
               <a:rPr lang="ru-RU" smtClean="0"/>
-              <a:t>23.04.2023</a:t>
+              <a:t>24.04.2023</a:t>
             </a:fld>
             <a:endParaRPr lang="ru-RU"/>
           </a:p>
@@ -1153,13 +5006,7 @@
       </p:sp>
       <p:sp>
         <p:nvSpPr>
-          <p:cNvPr id="5" name="Нижний колонтитул 4">
-            <a:extLst>
-              <a:ext uri="{FF2B5EF4-FFF2-40B4-BE49-F238E27FC236}">
-                <a16:creationId xmlns:a16="http://schemas.microsoft.com/office/drawing/2014/main" id="{5E91EB38-E9EE-B340-CE7D-D14D047AB38C}"/>
-              </a:ext>
-            </a:extLst>
-          </p:cNvPr>
+          <p:cNvPr id="5" name="Footer Placeholder 4"/>
           <p:cNvSpPr>
             <a:spLocks noGrp="1"/>
           </p:cNvSpPr>
@@ -1178,13 +5025,7 @@
       </p:sp>
       <p:sp>
         <p:nvSpPr>
-          <p:cNvPr id="6" name="Номер слайда 5">
-            <a:extLst>
-              <a:ext uri="{FF2B5EF4-FFF2-40B4-BE49-F238E27FC236}">
-                <a16:creationId xmlns:a16="http://schemas.microsoft.com/office/drawing/2014/main" id="{9362E1D7-0D90-C501-C8C9-150CDA2F07FC}"/>
-              </a:ext>
-            </a:extLst>
-          </p:cNvPr>
+          <p:cNvPr id="6" name="Slide Number Placeholder 5"/>
           <p:cNvSpPr>
             <a:spLocks noGrp="1"/>
           </p:cNvSpPr>
@@ -1192,7 +5033,12 @@
             <p:ph type="sldNum" sz="quarter" idx="12"/>
           </p:nvPr>
         </p:nvSpPr>
-        <p:spPr/>
+        <p:spPr>
+          <a:xfrm>
+            <a:off x="10729455" y="2869895"/>
+            <a:ext cx="1154151" cy="1090789"/>
+          </a:xfrm>
+        </p:spPr>
         <p:txBody>
           <a:bodyPr/>
           <a:lstStyle/>
@@ -1208,7 +5054,7 @@
     </p:spTree>
     <p:extLst>
       <p:ext uri="{BB962C8B-B14F-4D97-AF65-F5344CB8AC3E}">
-        <p14:creationId xmlns:p14="http://schemas.microsoft.com/office/powerpoint/2010/main" val="2883749841"/>
+        <p14:creationId xmlns:p14="http://schemas.microsoft.com/office/powerpoint/2010/main" val="3627166429"/>
       </p:ext>
     </p:extLst>
   </p:cSld>
@@ -1235,15 +5081,148 @@
           <a:chExt cx="0" cy="0"/>
         </a:xfrm>
       </p:grpSpPr>
-      <p:sp>
-        <p:nvSpPr>
-          <p:cNvPr id="2" name="Заголовок 1">
+      <p:pic>
+        <p:nvPicPr>
+          <p:cNvPr id="8" name="Picture 7" descr="HD-ShadowLong.png"/>
+          <p:cNvPicPr>
+            <a:picLocks noChangeAspect="1"/>
+          </p:cNvPicPr>
+          <p:nvPr/>
+        </p:nvPicPr>
+        <p:blipFill>
+          <a:blip r:embed="rId2">
             <a:extLst>
-              <a:ext uri="{FF2B5EF4-FFF2-40B4-BE49-F238E27FC236}">
-                <a16:creationId xmlns:a16="http://schemas.microsoft.com/office/drawing/2014/main" id="{CE2EFB5D-D5FB-512C-1A08-11F18AC8A76D}"/>
+              <a:ext uri="{28A0092B-C50C-407E-A947-70E740481C1C}">
+                <a14:useLocalDpi xmlns:a14="http://schemas.microsoft.com/office/drawing/2010/main" val="0"/>
               </a:ext>
             </a:extLst>
-          </p:cNvPr>
+          </a:blip>
+          <a:stretch>
+            <a:fillRect/>
+          </a:stretch>
+        </p:blipFill>
+        <p:spPr>
+          <a:xfrm>
+            <a:off x="1" y="1970240"/>
+            <a:ext cx="10437812" cy="321164"/>
+          </a:xfrm>
+          <a:prstGeom prst="rect">
+            <a:avLst/>
+          </a:prstGeom>
+        </p:spPr>
+      </p:pic>
+      <p:pic>
+        <p:nvPicPr>
+          <p:cNvPr id="9" name="Picture 8" descr="HD-ShadowShort.png"/>
+          <p:cNvPicPr>
+            <a:picLocks noChangeAspect="1"/>
+          </p:cNvPicPr>
+          <p:nvPr/>
+        </p:nvPicPr>
+        <p:blipFill>
+          <a:blip r:embed="rId3">
+            <a:extLst>
+              <a:ext uri="{28A0092B-C50C-407E-A947-70E740481C1C}">
+                <a14:useLocalDpi xmlns:a14="http://schemas.microsoft.com/office/drawing/2010/main" val="0"/>
+              </a:ext>
+            </a:extLst>
+          </a:blip>
+          <a:stretch>
+            <a:fillRect/>
+          </a:stretch>
+        </p:blipFill>
+        <p:spPr>
+          <a:xfrm>
+            <a:off x="10585826" y="1971234"/>
+            <a:ext cx="1602997" cy="144270"/>
+          </a:xfrm>
+          <a:prstGeom prst="rect">
+            <a:avLst/>
+          </a:prstGeom>
+        </p:spPr>
+      </p:pic>
+      <p:sp>
+        <p:nvSpPr>
+          <p:cNvPr id="10" name="Rectangle 9"/>
+          <p:cNvSpPr/>
+          <p:nvPr/>
+        </p:nvSpPr>
+        <p:spPr bwMode="ltGray">
+          <a:xfrm>
+            <a:off x="0" y="609600"/>
+            <a:ext cx="10437812" cy="1368198"/>
+          </a:xfrm>
+          <a:prstGeom prst="rect">
+            <a:avLst/>
+          </a:prstGeom>
+          <a:solidFill>
+            <a:schemeClr val="bg1">
+              <a:lumMod val="85000"/>
+              <a:lumOff val="15000"/>
+            </a:schemeClr>
+          </a:solidFill>
+          <a:ln>
+            <a:noFill/>
+          </a:ln>
+        </p:spPr>
+        <p:style>
+          <a:lnRef idx="2">
+            <a:schemeClr val="accent1">
+              <a:shade val="50000"/>
+            </a:schemeClr>
+          </a:lnRef>
+          <a:fillRef idx="1">
+            <a:schemeClr val="accent1"/>
+          </a:fillRef>
+          <a:effectRef idx="0">
+            <a:schemeClr val="accent1"/>
+          </a:effectRef>
+          <a:fontRef idx="minor">
+            <a:schemeClr val="lt1"/>
+          </a:fontRef>
+        </p:style>
+      </p:sp>
+      <p:sp>
+        <p:nvSpPr>
+          <p:cNvPr id="11" name="Rectangle 10"/>
+          <p:cNvSpPr/>
+          <p:nvPr/>
+        </p:nvSpPr>
+        <p:spPr>
+          <a:xfrm>
+            <a:off x="10585827" y="609600"/>
+            <a:ext cx="1602997" cy="1368198"/>
+          </a:xfrm>
+          <a:prstGeom prst="rect">
+            <a:avLst/>
+          </a:prstGeom>
+          <a:solidFill>
+            <a:schemeClr val="accent1"/>
+          </a:solidFill>
+          <a:ln>
+            <a:noFill/>
+          </a:ln>
+        </p:spPr>
+        <p:style>
+          <a:lnRef idx="2">
+            <a:schemeClr val="accent1">
+              <a:shade val="50000"/>
+            </a:schemeClr>
+          </a:lnRef>
+          <a:fillRef idx="1">
+            <a:schemeClr val="accent1"/>
+          </a:fillRef>
+          <a:effectRef idx="0">
+            <a:schemeClr val="accent1"/>
+          </a:effectRef>
+          <a:fontRef idx="minor">
+            <a:schemeClr val="lt1"/>
+          </a:fontRef>
+        </p:style>
+      </p:sp>
+      <p:sp>
+        <p:nvSpPr>
+          <p:cNvPr id="2" name="Title 1"/>
           <p:cNvSpPr>
             <a:spLocks noGrp="1"/>
           </p:cNvSpPr>
@@ -1260,18 +5239,13 @@
               <a:rPr lang="ru-RU"/>
               <a:t>Образец заголовка</a:t>
             </a:r>
-          </a:p>
-        </p:txBody>
-      </p:sp>
-      <p:sp>
-        <p:nvSpPr>
-          <p:cNvPr id="3" name="Объект 2">
-            <a:extLst>
-              <a:ext uri="{FF2B5EF4-FFF2-40B4-BE49-F238E27FC236}">
-                <a16:creationId xmlns:a16="http://schemas.microsoft.com/office/drawing/2014/main" id="{47E552F2-C9E5-38E1-7E8F-92447483E863}"/>
-              </a:ext>
-            </a:extLst>
-          </p:cNvPr>
+            <a:endParaRPr lang="en-US" dirty="0"/>
+          </a:p>
+        </p:txBody>
+      </p:sp>
+      <p:sp>
+        <p:nvSpPr>
+          <p:cNvPr id="3" name="Content Placeholder 2"/>
           <p:cNvSpPr>
             <a:spLocks noGrp="1"/>
           </p:cNvSpPr>
@@ -1281,8 +5255,8 @@
         </p:nvSpPr>
         <p:spPr>
           <a:xfrm>
-            <a:off x="838200" y="1825625"/>
-            <a:ext cx="5181600" cy="4351338"/>
+            <a:off x="680320" y="2336873"/>
+            <a:ext cx="4698358" cy="3599316"/>
           </a:xfrm>
         </p:spPr>
         <p:txBody>
@@ -1322,18 +5296,13 @@
               <a:rPr lang="ru-RU"/>
               <a:t>Пятый уровень</a:t>
             </a:r>
-          </a:p>
-        </p:txBody>
-      </p:sp>
-      <p:sp>
-        <p:nvSpPr>
-          <p:cNvPr id="4" name="Объект 3">
-            <a:extLst>
-              <a:ext uri="{FF2B5EF4-FFF2-40B4-BE49-F238E27FC236}">
-                <a16:creationId xmlns:a16="http://schemas.microsoft.com/office/drawing/2014/main" id="{9DF9DDD1-81EE-FCBE-9264-CF30EE3F9FB8}"/>
-              </a:ext>
-            </a:extLst>
-          </p:cNvPr>
+            <a:endParaRPr lang="en-US" dirty="0"/>
+          </a:p>
+        </p:txBody>
+      </p:sp>
+      <p:sp>
+        <p:nvSpPr>
+          <p:cNvPr id="4" name="Content Placeholder 3"/>
           <p:cNvSpPr>
             <a:spLocks noGrp="1"/>
           </p:cNvSpPr>
@@ -1343,8 +5312,8 @@
         </p:nvSpPr>
         <p:spPr>
           <a:xfrm>
-            <a:off x="6172200" y="1825625"/>
-            <a:ext cx="5181600" cy="4351338"/>
+            <a:off x="5594123" y="2336873"/>
+            <a:ext cx="4700058" cy="3599316"/>
           </a:xfrm>
         </p:spPr>
         <p:txBody>
@@ -1384,18 +5353,13 @@
               <a:rPr lang="ru-RU"/>
               <a:t>Пятый уровень</a:t>
             </a:r>
-          </a:p>
-        </p:txBody>
-      </p:sp>
-      <p:sp>
-        <p:nvSpPr>
-          <p:cNvPr id="5" name="Дата 4">
-            <a:extLst>
-              <a:ext uri="{FF2B5EF4-FFF2-40B4-BE49-F238E27FC236}">
-                <a16:creationId xmlns:a16="http://schemas.microsoft.com/office/drawing/2014/main" id="{6284C65F-41FB-3B5F-CFD2-4FF742832886}"/>
-              </a:ext>
-            </a:extLst>
-          </p:cNvPr>
+            <a:endParaRPr lang="en-US" dirty="0"/>
+          </a:p>
+        </p:txBody>
+      </p:sp>
+      <p:sp>
+        <p:nvSpPr>
+          <p:cNvPr id="5" name="Date Placeholder 4"/>
           <p:cNvSpPr>
             <a:spLocks noGrp="1"/>
           </p:cNvSpPr>
@@ -1410,7 +5374,7 @@
           <a:p>
             <a:fld id="{D8CD3351-83B4-4F00-93E1-4A5ED87C0F85}" type="datetimeFigureOut">
               <a:rPr lang="ru-RU" smtClean="0"/>
-              <a:t>23.04.2023</a:t>
+              <a:t>24.04.2023</a:t>
             </a:fld>
             <a:endParaRPr lang="ru-RU"/>
           </a:p>
@@ -1418,13 +5382,7 @@
       </p:sp>
       <p:sp>
         <p:nvSpPr>
-          <p:cNvPr id="6" name="Нижний колонтитул 5">
-            <a:extLst>
-              <a:ext uri="{FF2B5EF4-FFF2-40B4-BE49-F238E27FC236}">
-                <a16:creationId xmlns:a16="http://schemas.microsoft.com/office/drawing/2014/main" id="{4800FC19-846E-748D-DB30-696D4DA0FB49}"/>
-              </a:ext>
-            </a:extLst>
-          </p:cNvPr>
+          <p:cNvPr id="6" name="Footer Placeholder 5"/>
           <p:cNvSpPr>
             <a:spLocks noGrp="1"/>
           </p:cNvSpPr>
@@ -1443,13 +5401,7 @@
       </p:sp>
       <p:sp>
         <p:nvSpPr>
-          <p:cNvPr id="7" name="Номер слайда 6">
-            <a:extLst>
-              <a:ext uri="{FF2B5EF4-FFF2-40B4-BE49-F238E27FC236}">
-                <a16:creationId xmlns:a16="http://schemas.microsoft.com/office/drawing/2014/main" id="{6241F657-74C8-B171-1A59-BDC20F279DDA}"/>
-              </a:ext>
-            </a:extLst>
-          </p:cNvPr>
+          <p:cNvPr id="7" name="Slide Number Placeholder 6"/>
           <p:cNvSpPr>
             <a:spLocks noGrp="1"/>
           </p:cNvSpPr>
@@ -1473,7 +5425,7 @@
     </p:spTree>
     <p:extLst>
       <p:ext uri="{BB962C8B-B14F-4D97-AF65-F5344CB8AC3E}">
-        <p14:creationId xmlns:p14="http://schemas.microsoft.com/office/powerpoint/2010/main" val="3064719567"/>
+        <p14:creationId xmlns:p14="http://schemas.microsoft.com/office/powerpoint/2010/main" val="3387125471"/>
       </p:ext>
     </p:extLst>
   </p:cSld>
@@ -1500,15 +5452,148 @@
           <a:chExt cx="0" cy="0"/>
         </a:xfrm>
       </p:grpSpPr>
-      <p:sp>
-        <p:nvSpPr>
-          <p:cNvPr id="2" name="Заголовок 1">
+      <p:pic>
+        <p:nvPicPr>
+          <p:cNvPr id="10" name="Picture 9" descr="HD-ShadowLong.png"/>
+          <p:cNvPicPr>
+            <a:picLocks noChangeAspect="1"/>
+          </p:cNvPicPr>
+          <p:nvPr/>
+        </p:nvPicPr>
+        <p:blipFill>
+          <a:blip r:embed="rId2">
             <a:extLst>
-              <a:ext uri="{FF2B5EF4-FFF2-40B4-BE49-F238E27FC236}">
-                <a16:creationId xmlns:a16="http://schemas.microsoft.com/office/drawing/2014/main" id="{4CE21A2A-DA83-7695-D18B-95AC4C511640}"/>
+              <a:ext uri="{28A0092B-C50C-407E-A947-70E740481C1C}">
+                <a14:useLocalDpi xmlns:a14="http://schemas.microsoft.com/office/drawing/2010/main" val="0"/>
               </a:ext>
             </a:extLst>
-          </p:cNvPr>
+          </a:blip>
+          <a:stretch>
+            <a:fillRect/>
+          </a:stretch>
+        </p:blipFill>
+        <p:spPr>
+          <a:xfrm>
+            <a:off x="1" y="1970240"/>
+            <a:ext cx="10437812" cy="321164"/>
+          </a:xfrm>
+          <a:prstGeom prst="rect">
+            <a:avLst/>
+          </a:prstGeom>
+        </p:spPr>
+      </p:pic>
+      <p:pic>
+        <p:nvPicPr>
+          <p:cNvPr id="11" name="Picture 10" descr="HD-ShadowShort.png"/>
+          <p:cNvPicPr>
+            <a:picLocks noChangeAspect="1"/>
+          </p:cNvPicPr>
+          <p:nvPr/>
+        </p:nvPicPr>
+        <p:blipFill>
+          <a:blip r:embed="rId3">
+            <a:extLst>
+              <a:ext uri="{28A0092B-C50C-407E-A947-70E740481C1C}">
+                <a14:useLocalDpi xmlns:a14="http://schemas.microsoft.com/office/drawing/2010/main" val="0"/>
+              </a:ext>
+            </a:extLst>
+          </a:blip>
+          <a:stretch>
+            <a:fillRect/>
+          </a:stretch>
+        </p:blipFill>
+        <p:spPr>
+          <a:xfrm>
+            <a:off x="10585826" y="1971234"/>
+            <a:ext cx="1602997" cy="144270"/>
+          </a:xfrm>
+          <a:prstGeom prst="rect">
+            <a:avLst/>
+          </a:prstGeom>
+        </p:spPr>
+      </p:pic>
+      <p:sp>
+        <p:nvSpPr>
+          <p:cNvPr id="12" name="Rectangle 11"/>
+          <p:cNvSpPr/>
+          <p:nvPr/>
+        </p:nvSpPr>
+        <p:spPr bwMode="ltGray">
+          <a:xfrm>
+            <a:off x="0" y="609600"/>
+            <a:ext cx="10437812" cy="1368198"/>
+          </a:xfrm>
+          <a:prstGeom prst="rect">
+            <a:avLst/>
+          </a:prstGeom>
+          <a:solidFill>
+            <a:schemeClr val="bg1">
+              <a:lumMod val="85000"/>
+              <a:lumOff val="15000"/>
+            </a:schemeClr>
+          </a:solidFill>
+          <a:ln>
+            <a:noFill/>
+          </a:ln>
+        </p:spPr>
+        <p:style>
+          <a:lnRef idx="2">
+            <a:schemeClr val="accent1">
+              <a:shade val="50000"/>
+            </a:schemeClr>
+          </a:lnRef>
+          <a:fillRef idx="1">
+            <a:schemeClr val="accent1"/>
+          </a:fillRef>
+          <a:effectRef idx="0">
+            <a:schemeClr val="accent1"/>
+          </a:effectRef>
+          <a:fontRef idx="minor">
+            <a:schemeClr val="lt1"/>
+          </a:fontRef>
+        </p:style>
+      </p:sp>
+      <p:sp>
+        <p:nvSpPr>
+          <p:cNvPr id="13" name="Rectangle 12"/>
+          <p:cNvSpPr/>
+          <p:nvPr/>
+        </p:nvSpPr>
+        <p:spPr>
+          <a:xfrm>
+            <a:off x="10585827" y="609600"/>
+            <a:ext cx="1602997" cy="1368198"/>
+          </a:xfrm>
+          <a:prstGeom prst="rect">
+            <a:avLst/>
+          </a:prstGeom>
+          <a:solidFill>
+            <a:schemeClr val="accent1"/>
+          </a:solidFill>
+          <a:ln>
+            <a:noFill/>
+          </a:ln>
+        </p:spPr>
+        <p:style>
+          <a:lnRef idx="2">
+            <a:schemeClr val="accent1">
+              <a:shade val="50000"/>
+            </a:schemeClr>
+          </a:lnRef>
+          <a:fillRef idx="1">
+            <a:schemeClr val="accent1"/>
+          </a:fillRef>
+          <a:effectRef idx="0">
+            <a:schemeClr val="accent1"/>
+          </a:effectRef>
+          <a:fontRef idx="minor">
+            <a:schemeClr val="lt1"/>
+          </a:fontRef>
+        </p:style>
+      </p:sp>
+      <p:sp>
+        <p:nvSpPr>
+          <p:cNvPr id="2" name="Title 1"/>
           <p:cNvSpPr>
             <a:spLocks noGrp="1"/>
           </p:cNvSpPr>
@@ -1518,8 +5603,8 @@
         </p:nvSpPr>
         <p:spPr>
           <a:xfrm>
-            <a:off x="839788" y="365125"/>
-            <a:ext cx="10515600" cy="1325563"/>
+            <a:off x="680319" y="753229"/>
+            <a:ext cx="9613863" cy="1080937"/>
           </a:xfrm>
         </p:spPr>
         <p:txBody>
@@ -1530,18 +5615,13 @@
               <a:rPr lang="ru-RU"/>
               <a:t>Образец заголовка</a:t>
             </a:r>
-          </a:p>
-        </p:txBody>
-      </p:sp>
-      <p:sp>
-        <p:nvSpPr>
-          <p:cNvPr id="3" name="Текст 2">
-            <a:extLst>
-              <a:ext uri="{FF2B5EF4-FFF2-40B4-BE49-F238E27FC236}">
-                <a16:creationId xmlns:a16="http://schemas.microsoft.com/office/drawing/2014/main" id="{E2FDC931-5135-959A-4900-6123F37403B3}"/>
-              </a:ext>
-            </a:extLst>
-          </p:cNvPr>
+            <a:endParaRPr lang="en-US" dirty="0"/>
+          </a:p>
+        </p:txBody>
+      </p:sp>
+      <p:sp>
+        <p:nvSpPr>
+          <p:cNvPr id="3" name="Text Placeholder 2"/>
           <p:cNvSpPr>
             <a:spLocks noGrp="1"/>
           </p:cNvSpPr>
@@ -1551,8 +5631,8 @@
         </p:nvSpPr>
         <p:spPr>
           <a:xfrm>
-            <a:off x="839788" y="1681163"/>
-            <a:ext cx="5157787" cy="823912"/>
+            <a:off x="906350" y="2336873"/>
+            <a:ext cx="4472327" cy="693135"/>
           </a:xfrm>
         </p:spPr>
         <p:txBody>
@@ -1606,13 +5686,7 @@
       </p:sp>
       <p:sp>
         <p:nvSpPr>
-          <p:cNvPr id="4" name="Объект 3">
-            <a:extLst>
-              <a:ext uri="{FF2B5EF4-FFF2-40B4-BE49-F238E27FC236}">
-                <a16:creationId xmlns:a16="http://schemas.microsoft.com/office/drawing/2014/main" id="{336A95B5-DA16-76C4-49BE-FD62828813FA}"/>
-              </a:ext>
-            </a:extLst>
-          </p:cNvPr>
+          <p:cNvPr id="4" name="Content Placeholder 3"/>
           <p:cNvSpPr>
             <a:spLocks noGrp="1"/>
           </p:cNvSpPr>
@@ -1622,8 +5696,8 @@
         </p:nvSpPr>
         <p:spPr>
           <a:xfrm>
-            <a:off x="839788" y="2505075"/>
-            <a:ext cx="5157787" cy="3684588"/>
+            <a:off x="680322" y="3030008"/>
+            <a:ext cx="4698355" cy="2906179"/>
           </a:xfrm>
         </p:spPr>
         <p:txBody>
@@ -1663,18 +5737,13 @@
               <a:rPr lang="ru-RU"/>
               <a:t>Пятый уровень</a:t>
             </a:r>
-          </a:p>
-        </p:txBody>
-      </p:sp>
-      <p:sp>
-        <p:nvSpPr>
-          <p:cNvPr id="5" name="Текст 4">
-            <a:extLst>
-              <a:ext uri="{FF2B5EF4-FFF2-40B4-BE49-F238E27FC236}">
-                <a16:creationId xmlns:a16="http://schemas.microsoft.com/office/drawing/2014/main" id="{32EDFDB7-2F51-D61B-741F-5600138D8898}"/>
-              </a:ext>
-            </a:extLst>
-          </p:cNvPr>
+            <a:endParaRPr lang="en-US" dirty="0"/>
+          </a:p>
+        </p:txBody>
+      </p:sp>
+      <p:sp>
+        <p:nvSpPr>
+          <p:cNvPr id="5" name="Text Placeholder 4"/>
           <p:cNvSpPr>
             <a:spLocks noGrp="1"/>
           </p:cNvSpPr>
@@ -1684,8 +5753,8 @@
         </p:nvSpPr>
         <p:spPr>
           <a:xfrm>
-            <a:off x="6172200" y="1681163"/>
-            <a:ext cx="5183188" cy="823912"/>
+            <a:off x="5820154" y="2336873"/>
+            <a:ext cx="4474028" cy="692076"/>
           </a:xfrm>
         </p:spPr>
         <p:txBody>
@@ -1739,13 +5808,7 @@
       </p:sp>
       <p:sp>
         <p:nvSpPr>
-          <p:cNvPr id="6" name="Объект 5">
-            <a:extLst>
-              <a:ext uri="{FF2B5EF4-FFF2-40B4-BE49-F238E27FC236}">
-                <a16:creationId xmlns:a16="http://schemas.microsoft.com/office/drawing/2014/main" id="{BE445919-1C78-6D6C-DAE8-3FAE639BB690}"/>
-              </a:ext>
-            </a:extLst>
-          </p:cNvPr>
+          <p:cNvPr id="6" name="Content Placeholder 5"/>
           <p:cNvSpPr>
             <a:spLocks noGrp="1"/>
           </p:cNvSpPr>
@@ -1755,8 +5818,8 @@
         </p:nvSpPr>
         <p:spPr>
           <a:xfrm>
-            <a:off x="6172200" y="2505075"/>
-            <a:ext cx="5183188" cy="3684588"/>
+            <a:off x="5594123" y="3030008"/>
+            <a:ext cx="4700059" cy="2906179"/>
           </a:xfrm>
         </p:spPr>
         <p:txBody>
@@ -1796,18 +5859,13 @@
               <a:rPr lang="ru-RU"/>
               <a:t>Пятый уровень</a:t>
             </a:r>
-          </a:p>
-        </p:txBody>
-      </p:sp>
-      <p:sp>
-        <p:nvSpPr>
-          <p:cNvPr id="7" name="Дата 6">
-            <a:extLst>
-              <a:ext uri="{FF2B5EF4-FFF2-40B4-BE49-F238E27FC236}">
-                <a16:creationId xmlns:a16="http://schemas.microsoft.com/office/drawing/2014/main" id="{2B142036-B44F-5184-4A2E-45BEEB556E49}"/>
-              </a:ext>
-            </a:extLst>
-          </p:cNvPr>
+            <a:endParaRPr lang="en-US" dirty="0"/>
+          </a:p>
+        </p:txBody>
+      </p:sp>
+      <p:sp>
+        <p:nvSpPr>
+          <p:cNvPr id="7" name="Date Placeholder 6"/>
           <p:cNvSpPr>
             <a:spLocks noGrp="1"/>
           </p:cNvSpPr>
@@ -1822,7 +5880,7 @@
           <a:p>
             <a:fld id="{D8CD3351-83B4-4F00-93E1-4A5ED87C0F85}" type="datetimeFigureOut">
               <a:rPr lang="ru-RU" smtClean="0"/>
-              <a:t>23.04.2023</a:t>
+              <a:t>24.04.2023</a:t>
             </a:fld>
             <a:endParaRPr lang="ru-RU"/>
           </a:p>
@@ -1830,13 +5888,7 @@
       </p:sp>
       <p:sp>
         <p:nvSpPr>
-          <p:cNvPr id="8" name="Нижний колонтитул 7">
-            <a:extLst>
-              <a:ext uri="{FF2B5EF4-FFF2-40B4-BE49-F238E27FC236}">
-                <a16:creationId xmlns:a16="http://schemas.microsoft.com/office/drawing/2014/main" id="{35B0C438-B07C-3D29-0F68-98834FBAB107}"/>
-              </a:ext>
-            </a:extLst>
-          </p:cNvPr>
+          <p:cNvPr id="8" name="Footer Placeholder 7"/>
           <p:cNvSpPr>
             <a:spLocks noGrp="1"/>
           </p:cNvSpPr>
@@ -1855,13 +5907,7 @@
       </p:sp>
       <p:sp>
         <p:nvSpPr>
-          <p:cNvPr id="9" name="Номер слайда 8">
-            <a:extLst>
-              <a:ext uri="{FF2B5EF4-FFF2-40B4-BE49-F238E27FC236}">
-                <a16:creationId xmlns:a16="http://schemas.microsoft.com/office/drawing/2014/main" id="{5F4C06CB-A38F-1F46-69FB-70C7D5204B9B}"/>
-              </a:ext>
-            </a:extLst>
-          </p:cNvPr>
+          <p:cNvPr id="9" name="Slide Number Placeholder 8"/>
           <p:cNvSpPr>
             <a:spLocks noGrp="1"/>
           </p:cNvSpPr>
@@ -1885,7 +5931,7 @@
     </p:spTree>
     <p:extLst>
       <p:ext uri="{BB962C8B-B14F-4D97-AF65-F5344CB8AC3E}">
-        <p14:creationId xmlns:p14="http://schemas.microsoft.com/office/powerpoint/2010/main" val="1871442048"/>
+        <p14:creationId xmlns:p14="http://schemas.microsoft.com/office/powerpoint/2010/main" val="2577209159"/>
       </p:ext>
     </p:extLst>
   </p:cSld>
@@ -1912,15 +5958,148 @@
           <a:chExt cx="0" cy="0"/>
         </a:xfrm>
       </p:grpSpPr>
-      <p:sp>
-        <p:nvSpPr>
-          <p:cNvPr id="2" name="Заголовок 1">
+      <p:pic>
+        <p:nvPicPr>
+          <p:cNvPr id="6" name="Picture 5" descr="HD-ShadowLong.png"/>
+          <p:cNvPicPr>
+            <a:picLocks noChangeAspect="1"/>
+          </p:cNvPicPr>
+          <p:nvPr/>
+        </p:nvPicPr>
+        <p:blipFill>
+          <a:blip r:embed="rId2">
             <a:extLst>
-              <a:ext uri="{FF2B5EF4-FFF2-40B4-BE49-F238E27FC236}">
-                <a16:creationId xmlns:a16="http://schemas.microsoft.com/office/drawing/2014/main" id="{4EA68D1B-8230-AC6F-042A-B9CDD5DE2462}"/>
+              <a:ext uri="{28A0092B-C50C-407E-A947-70E740481C1C}">
+                <a14:useLocalDpi xmlns:a14="http://schemas.microsoft.com/office/drawing/2010/main" val="0"/>
               </a:ext>
             </a:extLst>
-          </p:cNvPr>
+          </a:blip>
+          <a:stretch>
+            <a:fillRect/>
+          </a:stretch>
+        </p:blipFill>
+        <p:spPr>
+          <a:xfrm>
+            <a:off x="1" y="1970240"/>
+            <a:ext cx="10437812" cy="321164"/>
+          </a:xfrm>
+          <a:prstGeom prst="rect">
+            <a:avLst/>
+          </a:prstGeom>
+        </p:spPr>
+      </p:pic>
+      <p:pic>
+        <p:nvPicPr>
+          <p:cNvPr id="7" name="Picture 6" descr="HD-ShadowShort.png"/>
+          <p:cNvPicPr>
+            <a:picLocks noChangeAspect="1"/>
+          </p:cNvPicPr>
+          <p:nvPr/>
+        </p:nvPicPr>
+        <p:blipFill>
+          <a:blip r:embed="rId3">
+            <a:extLst>
+              <a:ext uri="{28A0092B-C50C-407E-A947-70E740481C1C}">
+                <a14:useLocalDpi xmlns:a14="http://schemas.microsoft.com/office/drawing/2010/main" val="0"/>
+              </a:ext>
+            </a:extLst>
+          </a:blip>
+          <a:stretch>
+            <a:fillRect/>
+          </a:stretch>
+        </p:blipFill>
+        <p:spPr>
+          <a:xfrm>
+            <a:off x="10585826" y="1971234"/>
+            <a:ext cx="1602997" cy="144270"/>
+          </a:xfrm>
+          <a:prstGeom prst="rect">
+            <a:avLst/>
+          </a:prstGeom>
+        </p:spPr>
+      </p:pic>
+      <p:sp>
+        <p:nvSpPr>
+          <p:cNvPr id="8" name="Rectangle 7"/>
+          <p:cNvSpPr/>
+          <p:nvPr/>
+        </p:nvSpPr>
+        <p:spPr bwMode="ltGray">
+          <a:xfrm>
+            <a:off x="0" y="609600"/>
+            <a:ext cx="10437812" cy="1368198"/>
+          </a:xfrm>
+          <a:prstGeom prst="rect">
+            <a:avLst/>
+          </a:prstGeom>
+          <a:solidFill>
+            <a:schemeClr val="bg1">
+              <a:lumMod val="85000"/>
+              <a:lumOff val="15000"/>
+            </a:schemeClr>
+          </a:solidFill>
+          <a:ln>
+            <a:noFill/>
+          </a:ln>
+        </p:spPr>
+        <p:style>
+          <a:lnRef idx="2">
+            <a:schemeClr val="accent1">
+              <a:shade val="50000"/>
+            </a:schemeClr>
+          </a:lnRef>
+          <a:fillRef idx="1">
+            <a:schemeClr val="accent1"/>
+          </a:fillRef>
+          <a:effectRef idx="0">
+            <a:schemeClr val="accent1"/>
+          </a:effectRef>
+          <a:fontRef idx="minor">
+            <a:schemeClr val="lt1"/>
+          </a:fontRef>
+        </p:style>
+      </p:sp>
+      <p:sp>
+        <p:nvSpPr>
+          <p:cNvPr id="9" name="Rectangle 8"/>
+          <p:cNvSpPr/>
+          <p:nvPr/>
+        </p:nvSpPr>
+        <p:spPr>
+          <a:xfrm>
+            <a:off x="10585827" y="609600"/>
+            <a:ext cx="1602997" cy="1368198"/>
+          </a:xfrm>
+          <a:prstGeom prst="rect">
+            <a:avLst/>
+          </a:prstGeom>
+          <a:solidFill>
+            <a:schemeClr val="accent1"/>
+          </a:solidFill>
+          <a:ln>
+            <a:noFill/>
+          </a:ln>
+        </p:spPr>
+        <p:style>
+          <a:lnRef idx="2">
+            <a:schemeClr val="accent1">
+              <a:shade val="50000"/>
+            </a:schemeClr>
+          </a:lnRef>
+          <a:fillRef idx="1">
+            <a:schemeClr val="accent1"/>
+          </a:fillRef>
+          <a:effectRef idx="0">
+            <a:schemeClr val="accent1"/>
+          </a:effectRef>
+          <a:fontRef idx="minor">
+            <a:schemeClr val="lt1"/>
+          </a:fontRef>
+        </p:style>
+      </p:sp>
+      <p:sp>
+        <p:nvSpPr>
+          <p:cNvPr id="2" name="Title 1"/>
           <p:cNvSpPr>
             <a:spLocks noGrp="1"/>
           </p:cNvSpPr>
@@ -1937,18 +6116,13 @@
               <a:rPr lang="ru-RU"/>
               <a:t>Образец заголовка</a:t>
             </a:r>
-          </a:p>
-        </p:txBody>
-      </p:sp>
-      <p:sp>
-        <p:nvSpPr>
-          <p:cNvPr id="3" name="Дата 2">
-            <a:extLst>
-              <a:ext uri="{FF2B5EF4-FFF2-40B4-BE49-F238E27FC236}">
-                <a16:creationId xmlns:a16="http://schemas.microsoft.com/office/drawing/2014/main" id="{36DD0C89-83E4-153B-43C5-D1D387CDF735}"/>
-              </a:ext>
-            </a:extLst>
-          </p:cNvPr>
+            <a:endParaRPr lang="en-US" dirty="0"/>
+          </a:p>
+        </p:txBody>
+      </p:sp>
+      <p:sp>
+        <p:nvSpPr>
+          <p:cNvPr id="3" name="Date Placeholder 2"/>
           <p:cNvSpPr>
             <a:spLocks noGrp="1"/>
           </p:cNvSpPr>
@@ -1963,7 +6137,7 @@
           <a:p>
             <a:fld id="{D8CD3351-83B4-4F00-93E1-4A5ED87C0F85}" type="datetimeFigureOut">
               <a:rPr lang="ru-RU" smtClean="0"/>
-              <a:t>23.04.2023</a:t>
+              <a:t>24.04.2023</a:t>
             </a:fld>
             <a:endParaRPr lang="ru-RU"/>
           </a:p>
@@ -1971,13 +6145,7 @@
       </p:sp>
       <p:sp>
         <p:nvSpPr>
-          <p:cNvPr id="4" name="Нижний колонтитул 3">
-            <a:extLst>
-              <a:ext uri="{FF2B5EF4-FFF2-40B4-BE49-F238E27FC236}">
-                <a16:creationId xmlns:a16="http://schemas.microsoft.com/office/drawing/2014/main" id="{1C612109-5D6D-AAD2-C4FF-8202A0C2BD3D}"/>
-              </a:ext>
-            </a:extLst>
-          </p:cNvPr>
+          <p:cNvPr id="4" name="Footer Placeholder 3"/>
           <p:cNvSpPr>
             <a:spLocks noGrp="1"/>
           </p:cNvSpPr>
@@ -1996,13 +6164,7 @@
       </p:sp>
       <p:sp>
         <p:nvSpPr>
-          <p:cNvPr id="5" name="Номер слайда 4">
-            <a:extLst>
-              <a:ext uri="{FF2B5EF4-FFF2-40B4-BE49-F238E27FC236}">
-                <a16:creationId xmlns:a16="http://schemas.microsoft.com/office/drawing/2014/main" id="{7363EBC8-122F-1115-F376-17CC4B980559}"/>
-              </a:ext>
-            </a:extLst>
-          </p:cNvPr>
+          <p:cNvPr id="5" name="Slide Number Placeholder 4"/>
           <p:cNvSpPr>
             <a:spLocks noGrp="1"/>
           </p:cNvSpPr>
@@ -2026,7 +6188,7 @@
     </p:spTree>
     <p:extLst>
       <p:ext uri="{BB962C8B-B14F-4D97-AF65-F5344CB8AC3E}">
-        <p14:creationId xmlns:p14="http://schemas.microsoft.com/office/powerpoint/2010/main" val="145610965"/>
+        <p14:creationId xmlns:p14="http://schemas.microsoft.com/office/powerpoint/2010/main" val="1699970661"/>
       </p:ext>
     </p:extLst>
   </p:cSld>
@@ -2053,15 +6215,77 @@
           <a:chExt cx="0" cy="0"/>
         </a:xfrm>
       </p:grpSpPr>
-      <p:sp>
-        <p:nvSpPr>
-          <p:cNvPr id="2" name="Дата 1">
+      <p:pic>
+        <p:nvPicPr>
+          <p:cNvPr id="5" name="Picture 4" descr="HD-ShadowShort.png"/>
+          <p:cNvPicPr>
+            <a:picLocks noChangeAspect="1"/>
+          </p:cNvPicPr>
+          <p:nvPr/>
+        </p:nvPicPr>
+        <p:blipFill>
+          <a:blip r:embed="rId2">
             <a:extLst>
-              <a:ext uri="{FF2B5EF4-FFF2-40B4-BE49-F238E27FC236}">
-                <a16:creationId xmlns:a16="http://schemas.microsoft.com/office/drawing/2014/main" id="{59F29FC0-0A9E-1FD7-C6E4-AE89F0377F12}"/>
+              <a:ext uri="{28A0092B-C50C-407E-A947-70E740481C1C}">
+                <a14:useLocalDpi xmlns:a14="http://schemas.microsoft.com/office/drawing/2010/main" val="0"/>
               </a:ext>
             </a:extLst>
-          </p:cNvPr>
+          </a:blip>
+          <a:stretch>
+            <a:fillRect/>
+          </a:stretch>
+        </p:blipFill>
+        <p:spPr>
+          <a:xfrm>
+            <a:off x="10585826" y="1971234"/>
+            <a:ext cx="1602997" cy="144270"/>
+          </a:xfrm>
+          <a:prstGeom prst="rect">
+            <a:avLst/>
+          </a:prstGeom>
+        </p:spPr>
+      </p:pic>
+      <p:sp>
+        <p:nvSpPr>
+          <p:cNvPr id="6" name="Rectangle 5"/>
+          <p:cNvSpPr/>
+          <p:nvPr/>
+        </p:nvSpPr>
+        <p:spPr>
+          <a:xfrm>
+            <a:off x="10585827" y="609600"/>
+            <a:ext cx="1602997" cy="1368198"/>
+          </a:xfrm>
+          <a:prstGeom prst="rect">
+            <a:avLst/>
+          </a:prstGeom>
+          <a:solidFill>
+            <a:schemeClr val="accent1"/>
+          </a:solidFill>
+          <a:ln>
+            <a:noFill/>
+          </a:ln>
+        </p:spPr>
+        <p:style>
+          <a:lnRef idx="2">
+            <a:schemeClr val="accent1">
+              <a:shade val="50000"/>
+            </a:schemeClr>
+          </a:lnRef>
+          <a:fillRef idx="1">
+            <a:schemeClr val="accent1"/>
+          </a:fillRef>
+          <a:effectRef idx="0">
+            <a:schemeClr val="accent1"/>
+          </a:effectRef>
+          <a:fontRef idx="minor">
+            <a:schemeClr val="lt1"/>
+          </a:fontRef>
+        </p:style>
+      </p:sp>
+      <p:sp>
+        <p:nvSpPr>
+          <p:cNvPr id="2" name="Date Placeholder 1"/>
           <p:cNvSpPr>
             <a:spLocks noGrp="1"/>
           </p:cNvSpPr>
@@ -2076,7 +6300,7 @@
           <a:p>
             <a:fld id="{D8CD3351-83B4-4F00-93E1-4A5ED87C0F85}" type="datetimeFigureOut">
               <a:rPr lang="ru-RU" smtClean="0"/>
-              <a:t>23.04.2023</a:t>
+              <a:t>24.04.2023</a:t>
             </a:fld>
             <a:endParaRPr lang="ru-RU"/>
           </a:p>
@@ -2084,13 +6308,7 @@
       </p:sp>
       <p:sp>
         <p:nvSpPr>
-          <p:cNvPr id="3" name="Нижний колонтитул 2">
-            <a:extLst>
-              <a:ext uri="{FF2B5EF4-FFF2-40B4-BE49-F238E27FC236}">
-                <a16:creationId xmlns:a16="http://schemas.microsoft.com/office/drawing/2014/main" id="{EE1E95FD-288F-EC08-F2C2-84748A7025A2}"/>
-              </a:ext>
-            </a:extLst>
-          </p:cNvPr>
+          <p:cNvPr id="3" name="Footer Placeholder 2"/>
           <p:cNvSpPr>
             <a:spLocks noGrp="1"/>
           </p:cNvSpPr>
@@ -2109,13 +6327,7 @@
       </p:sp>
       <p:sp>
         <p:nvSpPr>
-          <p:cNvPr id="4" name="Номер слайда 3">
-            <a:extLst>
-              <a:ext uri="{FF2B5EF4-FFF2-40B4-BE49-F238E27FC236}">
-                <a16:creationId xmlns:a16="http://schemas.microsoft.com/office/drawing/2014/main" id="{73B8F618-F117-1128-3965-1750F7E5C704}"/>
-              </a:ext>
-            </a:extLst>
-          </p:cNvPr>
+          <p:cNvPr id="4" name="Slide Number Placeholder 3"/>
           <p:cNvSpPr>
             <a:spLocks noGrp="1"/>
           </p:cNvSpPr>
@@ -2139,7 +6351,7 @@
     </p:spTree>
     <p:extLst>
       <p:ext uri="{BB962C8B-B14F-4D97-AF65-F5344CB8AC3E}">
-        <p14:creationId xmlns:p14="http://schemas.microsoft.com/office/powerpoint/2010/main" val="48250039"/>
+        <p14:creationId xmlns:p14="http://schemas.microsoft.com/office/powerpoint/2010/main" val="3992530466"/>
       </p:ext>
     </p:extLst>
   </p:cSld>
@@ -2166,15 +6378,148 @@
           <a:chExt cx="0" cy="0"/>
         </a:xfrm>
       </p:grpSpPr>
-      <p:sp>
-        <p:nvSpPr>
-          <p:cNvPr id="2" name="Заголовок 1">
+      <p:pic>
+        <p:nvPicPr>
+          <p:cNvPr id="8" name="Picture 7" descr="HD-ShadowLong.png"/>
+          <p:cNvPicPr>
+            <a:picLocks noChangeAspect="1"/>
+          </p:cNvPicPr>
+          <p:nvPr/>
+        </p:nvPicPr>
+        <p:blipFill>
+          <a:blip r:embed="rId2">
             <a:extLst>
-              <a:ext uri="{FF2B5EF4-FFF2-40B4-BE49-F238E27FC236}">
-                <a16:creationId xmlns:a16="http://schemas.microsoft.com/office/drawing/2014/main" id="{D013C0CC-804A-20D3-9C2E-B1340C12CD3E}"/>
+              <a:ext uri="{28A0092B-C50C-407E-A947-70E740481C1C}">
+                <a14:useLocalDpi xmlns:a14="http://schemas.microsoft.com/office/drawing/2010/main" val="0"/>
               </a:ext>
             </a:extLst>
-          </p:cNvPr>
+          </a:blip>
+          <a:stretch>
+            <a:fillRect/>
+          </a:stretch>
+        </p:blipFill>
+        <p:spPr>
+          <a:xfrm>
+            <a:off x="1" y="1970240"/>
+            <a:ext cx="10437812" cy="321164"/>
+          </a:xfrm>
+          <a:prstGeom prst="rect">
+            <a:avLst/>
+          </a:prstGeom>
+        </p:spPr>
+      </p:pic>
+      <p:pic>
+        <p:nvPicPr>
+          <p:cNvPr id="9" name="Picture 8" descr="HD-ShadowShort.png"/>
+          <p:cNvPicPr>
+            <a:picLocks noChangeAspect="1"/>
+          </p:cNvPicPr>
+          <p:nvPr/>
+        </p:nvPicPr>
+        <p:blipFill>
+          <a:blip r:embed="rId3">
+            <a:extLst>
+              <a:ext uri="{28A0092B-C50C-407E-A947-70E740481C1C}">
+                <a14:useLocalDpi xmlns:a14="http://schemas.microsoft.com/office/drawing/2010/main" val="0"/>
+              </a:ext>
+            </a:extLst>
+          </a:blip>
+          <a:stretch>
+            <a:fillRect/>
+          </a:stretch>
+        </p:blipFill>
+        <p:spPr>
+          <a:xfrm>
+            <a:off x="10585826" y="1971234"/>
+            <a:ext cx="1602997" cy="144270"/>
+          </a:xfrm>
+          <a:prstGeom prst="rect">
+            <a:avLst/>
+          </a:prstGeom>
+        </p:spPr>
+      </p:pic>
+      <p:sp>
+        <p:nvSpPr>
+          <p:cNvPr id="10" name="Rectangle 9"/>
+          <p:cNvSpPr/>
+          <p:nvPr/>
+        </p:nvSpPr>
+        <p:spPr bwMode="ltGray">
+          <a:xfrm>
+            <a:off x="0" y="609600"/>
+            <a:ext cx="10437812" cy="1368198"/>
+          </a:xfrm>
+          <a:prstGeom prst="rect">
+            <a:avLst/>
+          </a:prstGeom>
+          <a:solidFill>
+            <a:schemeClr val="bg1">
+              <a:lumMod val="85000"/>
+              <a:lumOff val="15000"/>
+            </a:schemeClr>
+          </a:solidFill>
+          <a:ln>
+            <a:noFill/>
+          </a:ln>
+        </p:spPr>
+        <p:style>
+          <a:lnRef idx="2">
+            <a:schemeClr val="accent1">
+              <a:shade val="50000"/>
+            </a:schemeClr>
+          </a:lnRef>
+          <a:fillRef idx="1">
+            <a:schemeClr val="accent1"/>
+          </a:fillRef>
+          <a:effectRef idx="0">
+            <a:schemeClr val="accent1"/>
+          </a:effectRef>
+          <a:fontRef idx="minor">
+            <a:schemeClr val="lt1"/>
+          </a:fontRef>
+        </p:style>
+      </p:sp>
+      <p:sp>
+        <p:nvSpPr>
+          <p:cNvPr id="11" name="Rectangle 10"/>
+          <p:cNvSpPr/>
+          <p:nvPr/>
+        </p:nvSpPr>
+        <p:spPr>
+          <a:xfrm>
+            <a:off x="10585827" y="609600"/>
+            <a:ext cx="1602997" cy="1368198"/>
+          </a:xfrm>
+          <a:prstGeom prst="rect">
+            <a:avLst/>
+          </a:prstGeom>
+          <a:solidFill>
+            <a:schemeClr val="accent1"/>
+          </a:solidFill>
+          <a:ln>
+            <a:noFill/>
+          </a:ln>
+        </p:spPr>
+        <p:style>
+          <a:lnRef idx="2">
+            <a:schemeClr val="accent1">
+              <a:shade val="50000"/>
+            </a:schemeClr>
+          </a:lnRef>
+          <a:fillRef idx="1">
+            <a:schemeClr val="accent1"/>
+          </a:fillRef>
+          <a:effectRef idx="0">
+            <a:schemeClr val="accent1"/>
+          </a:effectRef>
+          <a:fontRef idx="minor">
+            <a:schemeClr val="lt1"/>
+          </a:fontRef>
+        </p:style>
+      </p:sp>
+      <p:sp>
+        <p:nvSpPr>
+          <p:cNvPr id="2" name="Title 1"/>
           <p:cNvSpPr>
             <a:spLocks noGrp="1"/>
           </p:cNvSpPr>
@@ -2184,15 +6529,17 @@
         </p:nvSpPr>
         <p:spPr>
           <a:xfrm>
-            <a:off x="839788" y="457200"/>
-            <a:ext cx="3932237" cy="1600200"/>
-          </a:xfrm>
-        </p:spPr>
-        <p:txBody>
-          <a:bodyPr anchor="b"/>
+            <a:off x="680321" y="753227"/>
+            <a:ext cx="9613859" cy="1080940"/>
+          </a:xfrm>
+        </p:spPr>
+        <p:txBody>
+          <a:bodyPr anchor="ctr">
+            <a:normAutofit/>
+          </a:bodyPr>
           <a:lstStyle>
             <a:lvl1pPr>
-              <a:defRPr sz="3200"/>
+              <a:defRPr sz="3600"/>
             </a:lvl1pPr>
           </a:lstStyle>
           <a:p>
@@ -2200,18 +6547,13 @@
               <a:rPr lang="ru-RU"/>
               <a:t>Образец заголовка</a:t>
             </a:r>
-          </a:p>
-        </p:txBody>
-      </p:sp>
-      <p:sp>
-        <p:nvSpPr>
-          <p:cNvPr id="3" name="Объект 2">
-            <a:extLst>
-              <a:ext uri="{FF2B5EF4-FFF2-40B4-BE49-F238E27FC236}">
-                <a16:creationId xmlns:a16="http://schemas.microsoft.com/office/drawing/2014/main" id="{99700BB7-F124-5E75-F104-1D5893B4D98F}"/>
-              </a:ext>
-            </a:extLst>
-          </p:cNvPr>
+            <a:endParaRPr lang="en-US" dirty="0"/>
+          </a:p>
+        </p:txBody>
+      </p:sp>
+      <p:sp>
+        <p:nvSpPr>
+          <p:cNvPr id="3" name="Content Placeholder 2"/>
           <p:cNvSpPr>
             <a:spLocks noGrp="1"/>
           </p:cNvSpPr>
@@ -2221,41 +6563,13 @@
         </p:nvSpPr>
         <p:spPr>
           <a:xfrm>
-            <a:off x="5183188" y="987425"/>
-            <a:ext cx="6172200" cy="4873625"/>
+            <a:off x="4685846" y="2336873"/>
+            <a:ext cx="5608336" cy="3599313"/>
           </a:xfrm>
         </p:spPr>
         <p:txBody>
           <a:bodyPr/>
-          <a:lstStyle>
-            <a:lvl1pPr>
-              <a:defRPr sz="3200"/>
-            </a:lvl1pPr>
-            <a:lvl2pPr>
-              <a:defRPr sz="2800"/>
-            </a:lvl2pPr>
-            <a:lvl3pPr>
-              <a:defRPr sz="2400"/>
-            </a:lvl3pPr>
-            <a:lvl4pPr>
-              <a:defRPr sz="2000"/>
-            </a:lvl4pPr>
-            <a:lvl5pPr>
-              <a:defRPr sz="2000"/>
-            </a:lvl5pPr>
-            <a:lvl6pPr>
-              <a:defRPr sz="2000"/>
-            </a:lvl6pPr>
-            <a:lvl7pPr>
-              <a:defRPr sz="2000"/>
-            </a:lvl7pPr>
-            <a:lvl8pPr>
-              <a:defRPr sz="2000"/>
-            </a:lvl8pPr>
-            <a:lvl9pPr>
-              <a:defRPr sz="2000"/>
-            </a:lvl9pPr>
-          </a:lstStyle>
+          <a:lstStyle/>
           <a:p>
             <a:pPr lvl="0"/>
             <a:r>
@@ -2290,18 +6604,13 @@
               <a:rPr lang="ru-RU"/>
               <a:t>Пятый уровень</a:t>
             </a:r>
-          </a:p>
-        </p:txBody>
-      </p:sp>
-      <p:sp>
-        <p:nvSpPr>
-          <p:cNvPr id="4" name="Текст 3">
-            <a:extLst>
-              <a:ext uri="{FF2B5EF4-FFF2-40B4-BE49-F238E27FC236}">
-                <a16:creationId xmlns:a16="http://schemas.microsoft.com/office/drawing/2014/main" id="{8BF9EE0D-A3F5-30CB-D440-A19D74F8DC92}"/>
-              </a:ext>
-            </a:extLst>
-          </p:cNvPr>
+            <a:endParaRPr lang="en-US" dirty="0"/>
+          </a:p>
+        </p:txBody>
+      </p:sp>
+      <p:sp>
+        <p:nvSpPr>
+          <p:cNvPr id="4" name="Text Placeholder 3"/>
           <p:cNvSpPr>
             <a:spLocks noGrp="1"/>
           </p:cNvSpPr>
@@ -2311,12 +6620,12 @@
         </p:nvSpPr>
         <p:spPr>
           <a:xfrm>
-            <a:off x="839788" y="2057400"/>
-            <a:ext cx="3932237" cy="3811588"/>
-          </a:xfrm>
-        </p:spPr>
-        <p:txBody>
-          <a:bodyPr/>
+            <a:off x="680322" y="2336872"/>
+            <a:ext cx="3790078" cy="3599317"/>
+          </a:xfrm>
+        </p:spPr>
+        <p:txBody>
+          <a:bodyPr anchor="ctr"/>
           <a:lstStyle>
             <a:lvl1pPr marL="0" indent="0">
               <a:buNone/>
@@ -2366,13 +6675,7 @@
       </p:sp>
       <p:sp>
         <p:nvSpPr>
-          <p:cNvPr id="5" name="Дата 4">
-            <a:extLst>
-              <a:ext uri="{FF2B5EF4-FFF2-40B4-BE49-F238E27FC236}">
-                <a16:creationId xmlns:a16="http://schemas.microsoft.com/office/drawing/2014/main" id="{22187D01-2DB6-FD5F-5ACD-AB9B3F51194A}"/>
-              </a:ext>
-            </a:extLst>
-          </p:cNvPr>
+          <p:cNvPr id="5" name="Date Placeholder 4"/>
           <p:cNvSpPr>
             <a:spLocks noGrp="1"/>
           </p:cNvSpPr>
@@ -2387,7 +6690,7 @@
           <a:p>
             <a:fld id="{D8CD3351-83B4-4F00-93E1-4A5ED87C0F85}" type="datetimeFigureOut">
               <a:rPr lang="ru-RU" smtClean="0"/>
-              <a:t>23.04.2023</a:t>
+              <a:t>24.04.2023</a:t>
             </a:fld>
             <a:endParaRPr lang="ru-RU"/>
           </a:p>
@@ -2395,13 +6698,7 @@
       </p:sp>
       <p:sp>
         <p:nvSpPr>
-          <p:cNvPr id="6" name="Нижний колонтитул 5">
-            <a:extLst>
-              <a:ext uri="{FF2B5EF4-FFF2-40B4-BE49-F238E27FC236}">
-                <a16:creationId xmlns:a16="http://schemas.microsoft.com/office/drawing/2014/main" id="{5DB01D24-D1A2-AB1E-7227-ECBC7A1307D1}"/>
-              </a:ext>
-            </a:extLst>
-          </p:cNvPr>
+          <p:cNvPr id="6" name="Footer Placeholder 5"/>
           <p:cNvSpPr>
             <a:spLocks noGrp="1"/>
           </p:cNvSpPr>
@@ -2420,13 +6717,7 @@
       </p:sp>
       <p:sp>
         <p:nvSpPr>
-          <p:cNvPr id="7" name="Номер слайда 6">
-            <a:extLst>
-              <a:ext uri="{FF2B5EF4-FFF2-40B4-BE49-F238E27FC236}">
-                <a16:creationId xmlns:a16="http://schemas.microsoft.com/office/drawing/2014/main" id="{2AC350D8-D92D-4D3B-E6C2-7297CA881C6F}"/>
-              </a:ext>
-            </a:extLst>
-          </p:cNvPr>
+          <p:cNvPr id="7" name="Slide Number Placeholder 6"/>
           <p:cNvSpPr>
             <a:spLocks noGrp="1"/>
           </p:cNvSpPr>
@@ -2450,7 +6741,7 @@
     </p:spTree>
     <p:extLst>
       <p:ext uri="{BB962C8B-B14F-4D97-AF65-F5344CB8AC3E}">
-        <p14:creationId xmlns:p14="http://schemas.microsoft.com/office/powerpoint/2010/main" val="1390037037"/>
+        <p14:creationId xmlns:p14="http://schemas.microsoft.com/office/powerpoint/2010/main" val="1143683835"/>
       </p:ext>
     </p:extLst>
   </p:cSld>
@@ -2477,15 +6768,148 @@
           <a:chExt cx="0" cy="0"/>
         </a:xfrm>
       </p:grpSpPr>
-      <p:sp>
-        <p:nvSpPr>
-          <p:cNvPr id="2" name="Заголовок 1">
+      <p:pic>
+        <p:nvPicPr>
+          <p:cNvPr id="8" name="Picture 7" descr="HD-ShadowLong.png"/>
+          <p:cNvPicPr>
+            <a:picLocks noChangeAspect="1"/>
+          </p:cNvPicPr>
+          <p:nvPr/>
+        </p:nvPicPr>
+        <p:blipFill>
+          <a:blip r:embed="rId2">
             <a:extLst>
-              <a:ext uri="{FF2B5EF4-FFF2-40B4-BE49-F238E27FC236}">
-                <a16:creationId xmlns:a16="http://schemas.microsoft.com/office/drawing/2014/main" id="{71B11F6B-7A13-A041-A6FB-BCC0B882846F}"/>
+              <a:ext uri="{28A0092B-C50C-407E-A947-70E740481C1C}">
+                <a14:useLocalDpi xmlns:a14="http://schemas.microsoft.com/office/drawing/2010/main" val="0"/>
               </a:ext>
             </a:extLst>
-          </p:cNvPr>
+          </a:blip>
+          <a:stretch>
+            <a:fillRect/>
+          </a:stretch>
+        </p:blipFill>
+        <p:spPr>
+          <a:xfrm>
+            <a:off x="1" y="1970240"/>
+            <a:ext cx="10437812" cy="321164"/>
+          </a:xfrm>
+          <a:prstGeom prst="rect">
+            <a:avLst/>
+          </a:prstGeom>
+        </p:spPr>
+      </p:pic>
+      <p:pic>
+        <p:nvPicPr>
+          <p:cNvPr id="9" name="Picture 8" descr="HD-ShadowShort.png"/>
+          <p:cNvPicPr>
+            <a:picLocks noChangeAspect="1"/>
+          </p:cNvPicPr>
+          <p:nvPr/>
+        </p:nvPicPr>
+        <p:blipFill>
+          <a:blip r:embed="rId3">
+            <a:extLst>
+              <a:ext uri="{28A0092B-C50C-407E-A947-70E740481C1C}">
+                <a14:useLocalDpi xmlns:a14="http://schemas.microsoft.com/office/drawing/2010/main" val="0"/>
+              </a:ext>
+            </a:extLst>
+          </a:blip>
+          <a:stretch>
+            <a:fillRect/>
+          </a:stretch>
+        </p:blipFill>
+        <p:spPr>
+          <a:xfrm>
+            <a:off x="10585826" y="1971234"/>
+            <a:ext cx="1602997" cy="144270"/>
+          </a:xfrm>
+          <a:prstGeom prst="rect">
+            <a:avLst/>
+          </a:prstGeom>
+        </p:spPr>
+      </p:pic>
+      <p:sp>
+        <p:nvSpPr>
+          <p:cNvPr id="10" name="Rectangle 9"/>
+          <p:cNvSpPr/>
+          <p:nvPr/>
+        </p:nvSpPr>
+        <p:spPr bwMode="ltGray">
+          <a:xfrm>
+            <a:off x="0" y="609600"/>
+            <a:ext cx="10437812" cy="1368198"/>
+          </a:xfrm>
+          <a:prstGeom prst="rect">
+            <a:avLst/>
+          </a:prstGeom>
+          <a:solidFill>
+            <a:schemeClr val="bg1">
+              <a:lumMod val="85000"/>
+              <a:lumOff val="15000"/>
+            </a:schemeClr>
+          </a:solidFill>
+          <a:ln>
+            <a:noFill/>
+          </a:ln>
+        </p:spPr>
+        <p:style>
+          <a:lnRef idx="2">
+            <a:schemeClr val="accent1">
+              <a:shade val="50000"/>
+            </a:schemeClr>
+          </a:lnRef>
+          <a:fillRef idx="1">
+            <a:schemeClr val="accent1"/>
+          </a:fillRef>
+          <a:effectRef idx="0">
+            <a:schemeClr val="accent1"/>
+          </a:effectRef>
+          <a:fontRef idx="minor">
+            <a:schemeClr val="lt1"/>
+          </a:fontRef>
+        </p:style>
+      </p:sp>
+      <p:sp>
+        <p:nvSpPr>
+          <p:cNvPr id="11" name="Rectangle 10"/>
+          <p:cNvSpPr/>
+          <p:nvPr/>
+        </p:nvSpPr>
+        <p:spPr>
+          <a:xfrm>
+            <a:off x="10585827" y="609600"/>
+            <a:ext cx="1602997" cy="1368198"/>
+          </a:xfrm>
+          <a:prstGeom prst="rect">
+            <a:avLst/>
+          </a:prstGeom>
+          <a:solidFill>
+            <a:schemeClr val="accent1"/>
+          </a:solidFill>
+          <a:ln>
+            <a:noFill/>
+          </a:ln>
+        </p:spPr>
+        <p:style>
+          <a:lnRef idx="2">
+            <a:schemeClr val="accent1">
+              <a:shade val="50000"/>
+            </a:schemeClr>
+          </a:lnRef>
+          <a:fillRef idx="1">
+            <a:schemeClr val="accent1"/>
+          </a:fillRef>
+          <a:effectRef idx="0">
+            <a:schemeClr val="accent1"/>
+          </a:effectRef>
+          <a:fontRef idx="minor">
+            <a:schemeClr val="lt1"/>
+          </a:fontRef>
+        </p:style>
+      </p:sp>
+      <p:sp>
+        <p:nvSpPr>
+          <p:cNvPr id="2" name="Title 1"/>
           <p:cNvSpPr>
             <a:spLocks noGrp="1"/>
           </p:cNvSpPr>
@@ -2495,15 +6919,17 @@
         </p:nvSpPr>
         <p:spPr>
           <a:xfrm>
-            <a:off x="839788" y="457200"/>
-            <a:ext cx="3932237" cy="1600200"/>
-          </a:xfrm>
-        </p:spPr>
-        <p:txBody>
-          <a:bodyPr anchor="b"/>
+            <a:off x="680323" y="753228"/>
+            <a:ext cx="9613857" cy="1080938"/>
+          </a:xfrm>
+        </p:spPr>
+        <p:txBody>
+          <a:bodyPr anchor="ctr">
+            <a:normAutofit/>
+          </a:bodyPr>
           <a:lstStyle>
             <a:lvl1pPr>
-              <a:defRPr sz="3200"/>
+              <a:defRPr sz="3600"/>
             </a:lvl1pPr>
           </a:lstStyle>
           <a:p>
@@ -2511,20 +6937,15 @@
               <a:rPr lang="ru-RU"/>
               <a:t>Образец заголовка</a:t>
             </a:r>
-          </a:p>
-        </p:txBody>
-      </p:sp>
-      <p:sp>
-        <p:nvSpPr>
-          <p:cNvPr id="3" name="Рисунок 2">
-            <a:extLst>
-              <a:ext uri="{FF2B5EF4-FFF2-40B4-BE49-F238E27FC236}">
-                <a16:creationId xmlns:a16="http://schemas.microsoft.com/office/drawing/2014/main" id="{DB7EBDB4-368D-DD83-8961-76AA4D7F63AB}"/>
-              </a:ext>
-            </a:extLst>
-          </p:cNvPr>
-          <p:cNvSpPr>
-            <a:spLocks noGrp="1"/>
+            <a:endParaRPr lang="en-US" dirty="0"/>
+          </a:p>
+        </p:txBody>
+      </p:sp>
+      <p:sp>
+        <p:nvSpPr>
+          <p:cNvPr id="3" name="Picture Placeholder 2"/>
+          <p:cNvSpPr>
+            <a:spLocks noGrp="1" noChangeAspect="1"/>
           </p:cNvSpPr>
           <p:nvPr>
             <p:ph type="pic" idx="1"/>
@@ -2532,12 +6953,23 @@
         </p:nvSpPr>
         <p:spPr>
           <a:xfrm>
-            <a:off x="5183188" y="987425"/>
-            <a:ext cx="6172200" cy="4873625"/>
-          </a:xfrm>
-        </p:spPr>
-        <p:txBody>
-          <a:bodyPr/>
+            <a:off x="4868333" y="2336874"/>
+            <a:ext cx="5425849" cy="3599312"/>
+          </a:xfrm>
+          <a:noFill/>
+          <a:ln>
+            <a:noFill/>
+          </a:ln>
+          <a:effectLst>
+            <a:outerShdw blurRad="76200" dist="63500" dir="5040000" algn="tl" rotWithShape="0">
+              <a:srgbClr val="000000">
+                <a:alpha val="41000"/>
+              </a:srgbClr>
+            </a:outerShdw>
+          </a:effectLst>
+        </p:spPr>
+        <p:txBody>
+          <a:bodyPr anchor="t"/>
           <a:lstStyle>
             <a:lvl1pPr marL="0" indent="0">
               <a:buNone/>
@@ -2577,19 +7009,17 @@
             </a:lvl9pPr>
           </a:lstStyle>
           <a:p>
-            <a:endParaRPr lang="ru-RU"/>
-          </a:p>
-        </p:txBody>
-      </p:sp>
-      <p:sp>
-        <p:nvSpPr>
-          <p:cNvPr id="4" name="Текст 3">
-            <a:extLst>
-              <a:ext uri="{FF2B5EF4-FFF2-40B4-BE49-F238E27FC236}">
-                <a16:creationId xmlns:a16="http://schemas.microsoft.com/office/drawing/2014/main" id="{75C160F8-4A52-A73C-33FE-2BF73C0E8D25}"/>
-              </a:ext>
-            </a:extLst>
-          </p:cNvPr>
+            <a:r>
+              <a:rPr lang="ru-RU"/>
+              <a:t>Вставка рисунка</a:t>
+            </a:r>
+            <a:endParaRPr lang="en-US" dirty="0"/>
+          </a:p>
+        </p:txBody>
+      </p:sp>
+      <p:sp>
+        <p:nvSpPr>
+          <p:cNvPr id="4" name="Text Placeholder 3"/>
           <p:cNvSpPr>
             <a:spLocks noGrp="1"/>
           </p:cNvSpPr>
@@ -2599,12 +7029,12 @@
         </p:nvSpPr>
         <p:spPr>
           <a:xfrm>
-            <a:off x="839788" y="2057400"/>
-            <a:ext cx="3932237" cy="3811588"/>
-          </a:xfrm>
-        </p:spPr>
-        <p:txBody>
-          <a:bodyPr/>
+            <a:off x="680323" y="2336873"/>
+            <a:ext cx="3876256" cy="3599315"/>
+          </a:xfrm>
+        </p:spPr>
+        <p:txBody>
+          <a:bodyPr anchor="ctr"/>
           <a:lstStyle>
             <a:lvl1pPr marL="0" indent="0">
               <a:buNone/>
@@ -2654,13 +7084,7 @@
       </p:sp>
       <p:sp>
         <p:nvSpPr>
-          <p:cNvPr id="5" name="Дата 4">
-            <a:extLst>
-              <a:ext uri="{FF2B5EF4-FFF2-40B4-BE49-F238E27FC236}">
-                <a16:creationId xmlns:a16="http://schemas.microsoft.com/office/drawing/2014/main" id="{08CD2798-6978-6537-3609-5EDC3D100737}"/>
-              </a:ext>
-            </a:extLst>
-          </p:cNvPr>
+          <p:cNvPr id="5" name="Date Placeholder 4"/>
           <p:cNvSpPr>
             <a:spLocks noGrp="1"/>
           </p:cNvSpPr>
@@ -2675,7 +7099,7 @@
           <a:p>
             <a:fld id="{D8CD3351-83B4-4F00-93E1-4A5ED87C0F85}" type="datetimeFigureOut">
               <a:rPr lang="ru-RU" smtClean="0"/>
-              <a:t>23.04.2023</a:t>
+              <a:t>24.04.2023</a:t>
             </a:fld>
             <a:endParaRPr lang="ru-RU"/>
           </a:p>
@@ -2683,13 +7107,7 @@
       </p:sp>
       <p:sp>
         <p:nvSpPr>
-          <p:cNvPr id="6" name="Нижний колонтитул 5">
-            <a:extLst>
-              <a:ext uri="{FF2B5EF4-FFF2-40B4-BE49-F238E27FC236}">
-                <a16:creationId xmlns:a16="http://schemas.microsoft.com/office/drawing/2014/main" id="{14CDBC0F-BE1D-325F-DC84-B247F2C8AFFD}"/>
-              </a:ext>
-            </a:extLst>
-          </p:cNvPr>
+          <p:cNvPr id="6" name="Footer Placeholder 5"/>
           <p:cNvSpPr>
             <a:spLocks noGrp="1"/>
           </p:cNvSpPr>
@@ -2708,13 +7126,7 @@
       </p:sp>
       <p:sp>
         <p:nvSpPr>
-          <p:cNvPr id="7" name="Номер слайда 6">
-            <a:extLst>
-              <a:ext uri="{FF2B5EF4-FFF2-40B4-BE49-F238E27FC236}">
-                <a16:creationId xmlns:a16="http://schemas.microsoft.com/office/drawing/2014/main" id="{02E95BDA-6AC5-E91D-CD00-1E94802F4A1A}"/>
-              </a:ext>
-            </a:extLst>
-          </p:cNvPr>
+          <p:cNvPr id="7" name="Slide Number Placeholder 6"/>
           <p:cNvSpPr>
             <a:spLocks noGrp="1"/>
           </p:cNvSpPr>
@@ -2738,7 +7150,7 @@
     </p:spTree>
     <p:extLst>
       <p:ext uri="{BB962C8B-B14F-4D97-AF65-F5344CB8AC3E}">
-        <p14:creationId xmlns:p14="http://schemas.microsoft.com/office/powerpoint/2010/main" val="689724981"/>
+        <p14:creationId xmlns:p14="http://schemas.microsoft.com/office/powerpoint/2010/main" val="153928074"/>
       </p:ext>
     </p:extLst>
   </p:cSld>
@@ -2752,8 +7164,8 @@
 <p:sldMaster xmlns:a="http://schemas.openxmlformats.org/drawingml/2006/main" xmlns:r="http://schemas.openxmlformats.org/officeDocument/2006/relationships" xmlns:p="http://schemas.openxmlformats.org/presentationml/2006/main">
   <p:cSld>
     <p:bg>
-      <p:bgRef idx="1001">
-        <a:schemeClr val="bg1"/>
+      <p:bgRef idx="1003">
+        <a:schemeClr val="bg2"/>
       </p:bgRef>
     </p:bg>
     <p:spTree>
@@ -2770,15 +7182,40 @@
           <a:chExt cx="0" cy="0"/>
         </a:xfrm>
       </p:grpSpPr>
-      <p:sp>
-        <p:nvSpPr>
-          <p:cNvPr id="2" name="Заголовок 1">
+      <p:pic>
+        <p:nvPicPr>
+          <p:cNvPr id="7" name="Picture 6" descr="hashOverlay-FullResolve.png"/>
+          <p:cNvPicPr>
+            <a:picLocks noChangeAspect="1"/>
+          </p:cNvPicPr>
+          <p:nvPr/>
+        </p:nvPicPr>
+        <p:blipFill>
+          <a:blip r:embed="rId19">
+            <a:alphaModFix amt="10000"/>
             <a:extLst>
-              <a:ext uri="{FF2B5EF4-FFF2-40B4-BE49-F238E27FC236}">
-                <a16:creationId xmlns:a16="http://schemas.microsoft.com/office/drawing/2014/main" id="{9266BB89-7108-62D4-3342-68638D0AB5DF}"/>
+              <a:ext uri="{28A0092B-C50C-407E-A947-70E740481C1C}">
+                <a14:useLocalDpi xmlns:a14="http://schemas.microsoft.com/office/drawing/2010/main" val="0"/>
               </a:ext>
             </a:extLst>
-          </p:cNvPr>
+          </a:blip>
+          <a:stretch>
+            <a:fillRect/>
+          </a:stretch>
+        </p:blipFill>
+        <p:spPr>
+          <a:xfrm>
+            <a:off x="0" y="0"/>
+            <a:ext cx="12192000" cy="6858000"/>
+          </a:xfrm>
+          <a:prstGeom prst="rect">
+            <a:avLst/>
+          </a:prstGeom>
+        </p:spPr>
+      </p:pic>
+      <p:sp>
+        <p:nvSpPr>
+          <p:cNvPr id="2" name="Title Placeholder 1"/>
           <p:cNvSpPr>
             <a:spLocks noGrp="1"/>
           </p:cNvSpPr>
@@ -2788,8 +7225,8 @@
         </p:nvSpPr>
         <p:spPr>
           <a:xfrm>
-            <a:off x="838200" y="365125"/>
-            <a:ext cx="10515600" cy="1325563"/>
+            <a:off x="680321" y="753228"/>
+            <a:ext cx="9613861" cy="1080938"/>
           </a:xfrm>
           <a:prstGeom prst="rect">
             <a:avLst/>
@@ -2805,18 +7242,13 @@
               <a:rPr lang="ru-RU"/>
               <a:t>Образец заголовка</a:t>
             </a:r>
-          </a:p>
-        </p:txBody>
-      </p:sp>
-      <p:sp>
-        <p:nvSpPr>
-          <p:cNvPr id="3" name="Текст 2">
-            <a:extLst>
-              <a:ext uri="{FF2B5EF4-FFF2-40B4-BE49-F238E27FC236}">
-                <a16:creationId xmlns:a16="http://schemas.microsoft.com/office/drawing/2014/main" id="{1BB1B05A-8866-C830-55A5-55D9A68644F9}"/>
-              </a:ext>
-            </a:extLst>
-          </p:cNvPr>
+            <a:endParaRPr lang="en-US" dirty="0"/>
+          </a:p>
+        </p:txBody>
+      </p:sp>
+      <p:sp>
+        <p:nvSpPr>
+          <p:cNvPr id="3" name="Text Placeholder 2"/>
           <p:cNvSpPr>
             <a:spLocks noGrp="1"/>
           </p:cNvSpPr>
@@ -2826,8 +7258,8 @@
         </p:nvSpPr>
         <p:spPr>
           <a:xfrm>
-            <a:off x="838200" y="1825625"/>
-            <a:ext cx="10515600" cy="4351338"/>
+            <a:off x="680321" y="2336873"/>
+            <a:ext cx="9613861" cy="3599316"/>
           </a:xfrm>
           <a:prstGeom prst="rect">
             <a:avLst/>
@@ -2872,18 +7304,13 @@
               <a:rPr lang="ru-RU"/>
               <a:t>Пятый уровень</a:t>
             </a:r>
-          </a:p>
-        </p:txBody>
-      </p:sp>
-      <p:sp>
-        <p:nvSpPr>
-          <p:cNvPr id="4" name="Дата 3">
-            <a:extLst>
-              <a:ext uri="{FF2B5EF4-FFF2-40B4-BE49-F238E27FC236}">
-                <a16:creationId xmlns:a16="http://schemas.microsoft.com/office/drawing/2014/main" id="{CF99D25A-5270-6677-EEB8-25FFDDC2F476}"/>
-              </a:ext>
-            </a:extLst>
-          </p:cNvPr>
+            <a:endParaRPr lang="en-US" dirty="0"/>
+          </a:p>
+        </p:txBody>
+      </p:sp>
+      <p:sp>
+        <p:nvSpPr>
+          <p:cNvPr id="4" name="Date Placeholder 3"/>
           <p:cNvSpPr>
             <a:spLocks noGrp="1"/>
           </p:cNvSpPr>
@@ -2893,7 +7320,7 @@
         </p:nvSpPr>
         <p:spPr>
           <a:xfrm>
-            <a:off x="838200" y="6356350"/>
+            <a:off x="7550981" y="5936187"/>
             <a:ext cx="2743200" cy="365125"/>
           </a:xfrm>
           <a:prstGeom prst="rect">
@@ -2903,8 +7330,8 @@
         <p:txBody>
           <a:bodyPr vert="horz" lIns="91440" tIns="45720" rIns="91440" bIns="45720" rtlCol="0" anchor="ctr"/>
           <a:lstStyle>
-            <a:lvl1pPr algn="l">
-              <a:defRPr sz="1200">
+            <a:lvl1pPr algn="r">
+              <a:defRPr sz="1050">
                 <a:solidFill>
                   <a:schemeClr val="tx1">
                     <a:tint val="75000"/>
@@ -2916,7 +7343,7 @@
           <a:p>
             <a:fld id="{D8CD3351-83B4-4F00-93E1-4A5ED87C0F85}" type="datetimeFigureOut">
               <a:rPr lang="ru-RU" smtClean="0"/>
-              <a:t>23.04.2023</a:t>
+              <a:t>24.04.2023</a:t>
             </a:fld>
             <a:endParaRPr lang="ru-RU"/>
           </a:p>
@@ -2924,13 +7351,7 @@
       </p:sp>
       <p:sp>
         <p:nvSpPr>
-          <p:cNvPr id="5" name="Нижний колонтитул 4">
-            <a:extLst>
-              <a:ext uri="{FF2B5EF4-FFF2-40B4-BE49-F238E27FC236}">
-                <a16:creationId xmlns:a16="http://schemas.microsoft.com/office/drawing/2014/main" id="{E56BE245-4D16-CB3C-10CC-D8E8794A0ECB}"/>
-              </a:ext>
-            </a:extLst>
-          </p:cNvPr>
+          <p:cNvPr id="5" name="Footer Placeholder 4"/>
           <p:cNvSpPr>
             <a:spLocks noGrp="1"/>
           </p:cNvSpPr>
@@ -2940,8 +7361,8 @@
         </p:nvSpPr>
         <p:spPr>
           <a:xfrm>
-            <a:off x="4038600" y="6356350"/>
-            <a:ext cx="4114800" cy="365125"/>
+            <a:off x="680321" y="5936188"/>
+            <a:ext cx="6870660" cy="365125"/>
           </a:xfrm>
           <a:prstGeom prst="rect">
             <a:avLst/>
@@ -2950,8 +7371,8 @@
         <p:txBody>
           <a:bodyPr vert="horz" lIns="91440" tIns="45720" rIns="91440" bIns="45720" rtlCol="0" anchor="ctr"/>
           <a:lstStyle>
-            <a:lvl1pPr algn="ctr">
-              <a:defRPr sz="1200">
+            <a:lvl1pPr algn="l">
+              <a:defRPr sz="1050">
                 <a:solidFill>
                   <a:schemeClr val="tx1">
                     <a:tint val="75000"/>
@@ -2967,13 +7388,7 @@
       </p:sp>
       <p:sp>
         <p:nvSpPr>
-          <p:cNvPr id="6" name="Номер слайда 5">
-            <a:extLst>
-              <a:ext uri="{FF2B5EF4-FFF2-40B4-BE49-F238E27FC236}">
-                <a16:creationId xmlns:a16="http://schemas.microsoft.com/office/drawing/2014/main" id="{BAD9D145-0909-5603-5967-152B42383166}"/>
-              </a:ext>
-            </a:extLst>
-          </p:cNvPr>
+          <p:cNvPr id="6" name="Slide Number Placeholder 5"/>
           <p:cNvSpPr>
             <a:spLocks noGrp="1"/>
           </p:cNvSpPr>
@@ -2983,8 +7398,8 @@
         </p:nvSpPr>
         <p:spPr>
           <a:xfrm>
-            <a:off x="8610600" y="6356350"/>
-            <a:ext cx="2743200" cy="365125"/>
+            <a:off x="10729455" y="753227"/>
+            <a:ext cx="1154151" cy="1090789"/>
           </a:xfrm>
           <a:prstGeom prst="rect">
             <a:avLst/>
@@ -2993,8 +7408,8 @@
         <p:txBody>
           <a:bodyPr vert="horz" lIns="91440" tIns="45720" rIns="91440" bIns="45720" rtlCol="0" anchor="ctr"/>
           <a:lstStyle>
-            <a:lvl1pPr algn="r">
-              <a:defRPr sz="1200">
+            <a:lvl1pPr algn="l">
+              <a:defRPr sz="3600">
                 <a:solidFill>
                   <a:schemeClr val="tx1">
                     <a:tint val="75000"/>
@@ -3015,23 +7430,29 @@
     </p:spTree>
     <p:extLst>
       <p:ext uri="{BB962C8B-B14F-4D97-AF65-F5344CB8AC3E}">
-        <p14:creationId xmlns:p14="http://schemas.microsoft.com/office/powerpoint/2010/main" val="1901189309"/>
+        <p14:creationId xmlns:p14="http://schemas.microsoft.com/office/powerpoint/2010/main" val="256294366"/>
       </p:ext>
     </p:extLst>
   </p:cSld>
-  <p:clrMap bg1="lt1" tx1="dk1" bg2="lt2" tx2="dk2" accent1="accent1" accent2="accent2" accent3="accent3" accent4="accent4" accent5="accent5" accent6="accent6" hlink="hlink" folHlink="folHlink"/>
+  <p:clrMap bg1="dk1" tx1="lt1" bg2="dk2" tx2="lt2" accent1="accent1" accent2="accent2" accent3="accent3" accent4="accent4" accent5="accent5" accent6="accent6" hlink="hlink" folHlink="folHlink"/>
   <p:sldLayoutIdLst>
-    <p:sldLayoutId id="2147483649" r:id="rId1"/>
-    <p:sldLayoutId id="2147483650" r:id="rId2"/>
-    <p:sldLayoutId id="2147483651" r:id="rId3"/>
-    <p:sldLayoutId id="2147483652" r:id="rId4"/>
-    <p:sldLayoutId id="2147483653" r:id="rId5"/>
-    <p:sldLayoutId id="2147483654" r:id="rId6"/>
-    <p:sldLayoutId id="2147483655" r:id="rId7"/>
-    <p:sldLayoutId id="2147483656" r:id="rId8"/>
-    <p:sldLayoutId id="2147483657" r:id="rId9"/>
-    <p:sldLayoutId id="2147483658" r:id="rId10"/>
-    <p:sldLayoutId id="2147483659" r:id="rId11"/>
+    <p:sldLayoutId id="2147483713" r:id="rId1"/>
+    <p:sldLayoutId id="2147483714" r:id="rId2"/>
+    <p:sldLayoutId id="2147483715" r:id="rId3"/>
+    <p:sldLayoutId id="2147483716" r:id="rId4"/>
+    <p:sldLayoutId id="2147483717" r:id="rId5"/>
+    <p:sldLayoutId id="2147483718" r:id="rId6"/>
+    <p:sldLayoutId id="2147483719" r:id="rId7"/>
+    <p:sldLayoutId id="2147483720" r:id="rId8"/>
+    <p:sldLayoutId id="2147483721" r:id="rId9"/>
+    <p:sldLayoutId id="2147483722" r:id="rId10"/>
+    <p:sldLayoutId id="2147483723" r:id="rId11"/>
+    <p:sldLayoutId id="2147483724" r:id="rId12"/>
+    <p:sldLayoutId id="2147483725" r:id="rId13"/>
+    <p:sldLayoutId id="2147483726" r:id="rId14"/>
+    <p:sldLayoutId id="2147483727" r:id="rId15"/>
+    <p:sldLayoutId id="2147483728" r:id="rId16"/>
+    <p:sldLayoutId id="2147483729" r:id="rId17"/>
   </p:sldLayoutIdLst>
   <p:txStyles>
     <p:titleStyle>
@@ -3043,7 +7464,7 @@
           <a:spcPct val="0"/>
         </a:spcBef>
         <a:buNone/>
-        <a:defRPr sz="4400" kern="1200">
+        <a:defRPr sz="3600" kern="1200">
           <a:solidFill>
             <a:schemeClr val="tx1"/>
           </a:solidFill>
@@ -3063,7 +7484,7 @@
         </a:spcBef>
         <a:buFont typeface="Arial" panose="020B0604020202020204" pitchFamily="34" charset="0"/>
         <a:buChar char="•"/>
-        <a:defRPr sz="2800" kern="1200">
+        <a:defRPr sz="2400" kern="1200">
           <a:solidFill>
             <a:schemeClr val="tx1"/>
           </a:solidFill>
@@ -3081,7 +7502,7 @@
         </a:spcBef>
         <a:buFont typeface="Arial" panose="020B0604020202020204" pitchFamily="34" charset="0"/>
         <a:buChar char="•"/>
-        <a:defRPr sz="2400" kern="1200">
+        <a:defRPr sz="2000" kern="1200">
           <a:solidFill>
             <a:schemeClr val="tx1"/>
           </a:solidFill>
@@ -3099,7 +7520,7 @@
         </a:spcBef>
         <a:buFont typeface="Arial" panose="020B0604020202020204" pitchFamily="34" charset="0"/>
         <a:buChar char="•"/>
-        <a:defRPr sz="2000" kern="1200">
+        <a:defRPr sz="1800" kern="1200">
           <a:solidFill>
             <a:schemeClr val="tx1"/>
           </a:solidFill>
@@ -3117,7 +7538,7 @@
         </a:spcBef>
         <a:buFont typeface="Arial" panose="020B0604020202020204" pitchFamily="34" charset="0"/>
         <a:buChar char="•"/>
-        <a:defRPr sz="1800" kern="1200">
+        <a:defRPr sz="1600" kern="1200">
           <a:solidFill>
             <a:schemeClr val="tx1"/>
           </a:solidFill>
@@ -3135,7 +7556,7 @@
         </a:spcBef>
         <a:buFont typeface="Arial" panose="020B0604020202020204" pitchFamily="34" charset="0"/>
         <a:buChar char="•"/>
-        <a:defRPr sz="1800" kern="1200">
+        <a:defRPr sz="1600" kern="1200">
           <a:solidFill>
             <a:schemeClr val="tx1"/>
           </a:solidFill>
@@ -3153,7 +7574,7 @@
         </a:spcBef>
         <a:buFont typeface="Arial" panose="020B0604020202020204" pitchFamily="34" charset="0"/>
         <a:buChar char="•"/>
-        <a:defRPr sz="1800" kern="1200">
+        <a:defRPr sz="1400" kern="1200">
           <a:solidFill>
             <a:schemeClr val="tx1"/>
           </a:solidFill>
@@ -3171,7 +7592,7 @@
         </a:spcBef>
         <a:buFont typeface="Arial" panose="020B0604020202020204" pitchFamily="34" charset="0"/>
         <a:buChar char="•"/>
-        <a:defRPr sz="1800" kern="1200">
+        <a:defRPr sz="1400" kern="1200">
           <a:solidFill>
             <a:schemeClr val="tx1"/>
           </a:solidFill>
@@ -3189,7 +7610,7 @@
         </a:spcBef>
         <a:buFont typeface="Arial" panose="020B0604020202020204" pitchFamily="34" charset="0"/>
         <a:buChar char="•"/>
-        <a:defRPr sz="1800" kern="1200">
+        <a:defRPr sz="1400" kern="1200">
           <a:solidFill>
             <a:schemeClr val="tx1"/>
           </a:solidFill>
@@ -3207,7 +7628,7 @@
         </a:spcBef>
         <a:buFont typeface="Arial" panose="020B0604020202020204" pitchFamily="34" charset="0"/>
         <a:buChar char="•"/>
-        <a:defRPr sz="1800" kern="1200">
+        <a:defRPr sz="1400" kern="1200">
           <a:solidFill>
             <a:schemeClr val="tx1"/>
           </a:solidFill>
@@ -3219,7 +7640,7 @@
     </p:bodyStyle>
     <p:otherStyle>
       <a:defPPr>
-        <a:defRPr lang="ru-RU"/>
+        <a:defRPr lang="en-US"/>
       </a:defPPr>
       <a:lvl1pPr marL="0" algn="l" defTabSz="914400" rtl="0" eaLnBrk="1" latinLnBrk="0" hangingPunct="1">
         <a:defRPr sz="1800" kern="1200">
@@ -3317,7 +7738,7 @@
 </file>
 
 <file path=ppt/slides/slide1.xml><?xml version="1.0" encoding="utf-8"?>
-<p:sld xmlns:a="http://schemas.openxmlformats.org/drawingml/2006/main" xmlns:r="http://schemas.openxmlformats.org/officeDocument/2006/relationships" xmlns:p="http://schemas.openxmlformats.org/presentationml/2006/main" showMasterPhAnim="0">
+<p:sld xmlns:a="http://schemas.openxmlformats.org/drawingml/2006/main" xmlns:r="http://schemas.openxmlformats.org/officeDocument/2006/relationships" xmlns:p="http://schemas.openxmlformats.org/presentationml/2006/main">
   <p:cSld>
     <p:spTree>
       <p:nvGrpSpPr>
@@ -3325,7 +7746,7 @@
         <p:cNvGrpSpPr/>
         <p:nvPr/>
       </p:nvGrpSpPr>
-      <p:grpSpPr bwMode="auto">
+      <p:grpSpPr>
         <a:xfrm>
           <a:off x="0" y="0"/>
           <a:ext cx="0" cy="0"/>
@@ -3335,7 +7756,13 @@
       </p:grpSpPr>
       <p:sp>
         <p:nvSpPr>
-          <p:cNvPr id="2" name="Title 1"/>
+          <p:cNvPr id="2" name="Заголовок 1">
+            <a:extLst>
+              <a:ext uri="{FF2B5EF4-FFF2-40B4-BE49-F238E27FC236}">
+                <a16:creationId xmlns:a16="http://schemas.microsoft.com/office/drawing/2014/main" id="{5D86B7FA-F416-6F5E-274A-7339357ECCBB}"/>
+              </a:ext>
+            </a:extLst>
+          </p:cNvPr>
           <p:cNvSpPr>
             <a:spLocks noGrp="1"/>
           </p:cNvSpPr>
@@ -3343,29 +7770,28 @@
             <p:ph type="ctrTitle"/>
           </p:nvPr>
         </p:nvSpPr>
-        <p:spPr bwMode="auto"/>
+        <p:spPr/>
         <p:txBody>
           <a:bodyPr/>
           <a:lstStyle/>
           <a:p>
-            <a:pPr>
-              <a:defRPr/>
-            </a:pPr>
-            <a:r>
-              <a:rPr lang="en-US" b="1" dirty="0" err="1"/>
-              <a:t>Vodorod</a:t>
-            </a:r>
-            <a:r>
-              <a:rPr lang="en-US" b="1" dirty="0"/>
-              <a:t> Store</a:t>
-            </a:r>
-            <a:endParaRPr lang="ru-RU" b="1" dirty="0"/>
-          </a:p>
-        </p:txBody>
-      </p:sp>
-      <p:sp>
-        <p:nvSpPr>
-          <p:cNvPr id="3" name="Subtitle 2"/>
+            <a:r>
+              <a:rPr lang="en-US" dirty="0"/>
+              <a:t>VODOROD STORE</a:t>
+            </a:r>
+            <a:endParaRPr lang="ru-RU" dirty="0"/>
+          </a:p>
+        </p:txBody>
+      </p:sp>
+      <p:sp>
+        <p:nvSpPr>
+          <p:cNvPr id="3" name="Подзаголовок 2">
+            <a:extLst>
+              <a:ext uri="{FF2B5EF4-FFF2-40B4-BE49-F238E27FC236}">
+                <a16:creationId xmlns:a16="http://schemas.microsoft.com/office/drawing/2014/main" id="{DF0334ED-EEB4-B4D3-6757-75749DC07ED3}"/>
+              </a:ext>
+            </a:extLst>
+          </p:cNvPr>
           <p:cNvSpPr>
             <a:spLocks noGrp="1"/>
           </p:cNvSpPr>
@@ -3373,132 +7799,77 @@
             <p:ph type="subTitle" idx="1"/>
           </p:nvPr>
         </p:nvSpPr>
-        <p:spPr bwMode="auto"/>
-        <p:txBody>
-          <a:bodyPr/>
-          <a:lstStyle/>
-          <a:p>
-            <a:pPr>
-              <a:defRPr/>
-            </a:pPr>
-            <a:r>
-              <a:rPr lang="ru-RU" dirty="0" err="1"/>
-              <a:t>Zamkadishi</a:t>
-            </a:r>
-            <a:endParaRPr lang="ru-RU" dirty="0"/>
-          </a:p>
-        </p:txBody>
-      </p:sp>
-      <p:sp>
-        <p:nvSpPr>
-          <p:cNvPr id="789658504" name="TextBox 789658503"/>
-          <p:cNvSpPr txBox="1"/>
-          <p:nvPr/>
-        </p:nvSpPr>
-        <p:spPr bwMode="auto">
-          <a:xfrm>
-            <a:off x="4021522" y="4429918"/>
-            <a:ext cx="4148955" cy="1501373"/>
-          </a:xfrm>
-          <a:prstGeom prst="rect">
-            <a:avLst/>
-          </a:prstGeom>
-          <a:noFill/>
-        </p:spPr>
-        <p:txBody>
-          <a:bodyPr vertOverflow="overflow" horzOverflow="overflow" vert="horz" wrap="square" lIns="91440" tIns="45720" rIns="91440" bIns="45720" numCol="1" spcCol="0" rtlCol="0" fromWordArt="0" anchor="t" anchorCtr="0" forceAA="0" compatLnSpc="0">
-            <a:spAutoFit/>
+        <p:spPr>
+          <a:xfrm>
+            <a:off x="680322" y="4394039"/>
+            <a:ext cx="8144134" cy="2147438"/>
+          </a:xfrm>
+        </p:spPr>
+        <p:txBody>
+          <a:bodyPr>
+            <a:normAutofit fontScale="85000" lnSpcReduction="20000"/>
           </a:bodyPr>
           <a:lstStyle/>
           <a:p>
-            <a:pPr algn="ctr">
-              <a:defRPr/>
-            </a:pPr>
-            <a:r>
-              <a:rPr dirty="0" err="1"/>
-              <a:t>Селезнёв</a:t>
-            </a:r>
-            <a:r>
-              <a:rPr dirty="0"/>
-              <a:t> </a:t>
-            </a:r>
-            <a:r>
-              <a:rPr dirty="0" err="1"/>
-              <a:t>Никита</a:t>
-            </a:r>
-            <a:r>
-              <a:rPr dirty="0"/>
-              <a:t> </a:t>
-            </a:r>
-            <a:r>
-              <a:rPr dirty="0" err="1"/>
-              <a:t>Александрович</a:t>
-            </a:r>
-            <a:endParaRPr dirty="0"/>
-          </a:p>
-          <a:p>
-            <a:pPr algn="ctr">
-              <a:defRPr/>
-            </a:pPr>
-            <a:endParaRPr dirty="0"/>
-          </a:p>
-          <a:p>
-            <a:pPr algn="ctr">
-              <a:defRPr/>
-            </a:pPr>
-            <a:r>
-              <a:rPr dirty="0" err="1"/>
-              <a:t>Соловь</a:t>
-            </a:r>
+            <a:r>
+              <a:rPr lang="en-US" dirty="0"/>
+              <a:t>Tm </a:t>
+            </a:r>
+            <a:r>
+              <a:rPr lang="en-US" dirty="0" err="1"/>
+              <a:t>Zamkadishi</a:t>
+            </a:r>
+            <a:endParaRPr lang="ru-RU" dirty="0"/>
+          </a:p>
+          <a:p>
             <a:r>
               <a:rPr lang="ru-RU" dirty="0"/>
-              <a:t>е</a:t>
-            </a:r>
-            <a:r>
-              <a:rPr dirty="0"/>
-              <a:t>в Кирилл </a:t>
-            </a:r>
-            <a:r>
-              <a:rPr dirty="0" err="1"/>
-              <a:t>Дмитриевич</a:t>
-            </a:r>
-            <a:endParaRPr dirty="0"/>
-          </a:p>
-          <a:p>
-            <a:pPr>
-              <a:defRPr/>
-            </a:pPr>
-            <a:endParaRPr dirty="0"/>
-          </a:p>
-          <a:p>
-            <a:pPr algn="ctr">
-              <a:defRPr/>
-            </a:pPr>
-            <a:r>
-              <a:rPr dirty="0" err="1"/>
-              <a:t>Андрюхин</a:t>
-            </a:r>
-            <a:r>
-              <a:rPr dirty="0"/>
-              <a:t> </a:t>
-            </a:r>
-            <a:r>
-              <a:rPr dirty="0" err="1"/>
-              <a:t>Артём</a:t>
-            </a:r>
-            <a:r>
-              <a:rPr dirty="0"/>
-              <a:t> </a:t>
-            </a:r>
-            <a:r>
-              <a:rPr dirty="0" err="1"/>
-              <a:t>Павлович</a:t>
-            </a:r>
-            <a:endParaRPr dirty="0"/>
+              <a:t>Селезнев Никита Александрович</a:t>
+            </a:r>
+          </a:p>
+          <a:p>
+            <a:r>
+              <a:rPr lang="ru-RU" dirty="0"/>
+              <a:t>Соловьев Кирилл Дмитриевич</a:t>
+            </a:r>
+          </a:p>
+          <a:p>
+            <a:r>
+              <a:rPr lang="ru-RU" dirty="0"/>
+              <a:t>Андрюхин Артем</a:t>
+            </a:r>
+          </a:p>
+          <a:p>
+            <a:endParaRPr lang="ru-RU" dirty="0"/>
+          </a:p>
+          <a:p>
+            <a:r>
+              <a:rPr lang="ru-RU" dirty="0"/>
+              <a:t>Преподаватель</a:t>
+            </a:r>
+          </a:p>
+          <a:p>
+            <a:r>
+              <a:rPr lang="ru-RU" dirty="0" err="1"/>
+              <a:t>Кормановский</a:t>
+            </a:r>
+            <a:r>
+              <a:rPr lang="ru-RU" dirty="0"/>
+              <a:t> Михаил Владимирович</a:t>
+            </a:r>
+            <a:endParaRPr lang="en-US" dirty="0"/>
+          </a:p>
+          <a:p>
+            <a:endParaRPr lang="ru-RU" dirty="0"/>
           </a:p>
         </p:txBody>
       </p:sp>
     </p:spTree>
+    <p:extLst>
+      <p:ext uri="{BB962C8B-B14F-4D97-AF65-F5344CB8AC3E}">
+        <p14:creationId xmlns:p14="http://schemas.microsoft.com/office/powerpoint/2010/main" val="2233740306"/>
+      </p:ext>
+    </p:extLst>
   </p:cSld>
   <p:clrMapOvr>
     <a:masterClrMapping/>
@@ -3714,7 +8085,7 @@
           <p:cNvPr id="2" name="Заголовок 1">
             <a:extLst>
               <a:ext uri="{FF2B5EF4-FFF2-40B4-BE49-F238E27FC236}">
-                <a16:creationId xmlns:a16="http://schemas.microsoft.com/office/drawing/2014/main" id="{2421AF40-E24D-04AF-49D2-0AF4B146CC96}"/>
+                <a16:creationId xmlns:a16="http://schemas.microsoft.com/office/drawing/2014/main" id="{B57CD095-C401-C454-CF56-00AA044AE9DE}"/>
               </a:ext>
             </a:extLst>
           </p:cNvPr>
@@ -3739,10 +8110,10 @@
       </p:sp>
       <p:sp>
         <p:nvSpPr>
-          <p:cNvPr id="3" name="Объект 2">
+          <p:cNvPr id="4" name="Текст 3">
             <a:extLst>
               <a:ext uri="{FF2B5EF4-FFF2-40B4-BE49-F238E27FC236}">
-                <a16:creationId xmlns:a16="http://schemas.microsoft.com/office/drawing/2014/main" id="{C8436FF5-5240-8DC7-3524-A7D45D764755}"/>
+                <a16:creationId xmlns:a16="http://schemas.microsoft.com/office/drawing/2014/main" id="{EB29BD03-55E0-8EE4-5206-06E3898648B9}"/>
               </a:ext>
             </a:extLst>
           </p:cNvPr>
@@ -3750,18 +8121,13 @@
             <a:spLocks noGrp="1"/>
           </p:cNvSpPr>
           <p:nvPr>
-            <p:ph idx="1"/>
-          </p:nvPr>
-        </p:nvSpPr>
-        <p:spPr>
-          <a:xfrm>
-            <a:off x="838200" y="1825625"/>
-            <a:ext cx="6999514" cy="4351338"/>
-          </a:xfrm>
-        </p:spPr>
+            <p:ph type="body" sz="half" idx="2"/>
+          </p:nvPr>
+        </p:nvSpPr>
+        <p:spPr/>
         <p:txBody>
           <a:bodyPr>
-            <a:normAutofit fontScale="85000" lnSpcReduction="20000"/>
+            <a:normAutofit fontScale="92500" lnSpcReduction="10000"/>
           </a:bodyPr>
           <a:lstStyle/>
           <a:p>
@@ -3794,6 +8160,71 @@
             <a:r>
               <a:rPr lang="ru-RU" dirty="0"/>
               <a:t> товары и предоставляет пользователям возможность выбирать их в соответствии с определенными параметрами и характеристиками. Например, если покупатель ищет новый мобильный телефон, маркетплейс позволит выбрать марку, модель, операционную систему и другие характеристики телефона, чтобы сузить выбор и найти товар, который соответствует требованиям.</a:t>
+            </a:r>
+          </a:p>
+        </p:txBody>
+      </p:sp>
+      <p:pic>
+        <p:nvPicPr>
+          <p:cNvPr id="8" name="Рисунок 7">
+            <a:extLst>
+              <a:ext uri="{FF2B5EF4-FFF2-40B4-BE49-F238E27FC236}">
+                <a16:creationId xmlns:a16="http://schemas.microsoft.com/office/drawing/2014/main" id="{FAC3E07F-A453-8655-5E3E-4960C75CDAFB}"/>
+              </a:ext>
+            </a:extLst>
+          </p:cNvPr>
+          <p:cNvPicPr>
+            <a:picLocks noChangeAspect="1"/>
+          </p:cNvPicPr>
+          <p:nvPr/>
+        </p:nvPicPr>
+        <p:blipFill>
+          <a:blip r:embed="rId2"/>
+          <a:stretch>
+            <a:fillRect/>
+          </a:stretch>
+        </p:blipFill>
+        <p:spPr>
+          <a:xfrm>
+            <a:off x="5196578" y="2336873"/>
+            <a:ext cx="6442829" cy="3047927"/>
+          </a:xfrm>
+          <a:prstGeom prst="rect">
+            <a:avLst/>
+          </a:prstGeom>
+        </p:spPr>
+      </p:pic>
+      <p:sp>
+        <p:nvSpPr>
+          <p:cNvPr id="9" name="TextBox 8">
+            <a:extLst>
+              <a:ext uri="{FF2B5EF4-FFF2-40B4-BE49-F238E27FC236}">
+                <a16:creationId xmlns:a16="http://schemas.microsoft.com/office/drawing/2014/main" id="{2577A74D-8CA0-C519-0A6D-0A05DEE2FB36}"/>
+              </a:ext>
+            </a:extLst>
+          </p:cNvPr>
+          <p:cNvSpPr txBox="1"/>
+          <p:nvPr/>
+        </p:nvSpPr>
+        <p:spPr>
+          <a:xfrm>
+            <a:off x="6591210" y="5539906"/>
+            <a:ext cx="3653564" cy="369332"/>
+          </a:xfrm>
+          <a:prstGeom prst="rect">
+            <a:avLst/>
+          </a:prstGeom>
+          <a:noFill/>
+        </p:spPr>
+        <p:txBody>
+          <a:bodyPr wrap="none" rtlCol="0">
+            <a:spAutoFit/>
+          </a:bodyPr>
+          <a:lstStyle/>
+          <a:p>
+            <a:r>
+              <a:rPr lang="ru-RU" dirty="0"/>
+              <a:t>Главная страница маркетплейса</a:t>
             </a:r>
           </a:p>
         </p:txBody>
@@ -3801,7 +8232,7 @@
     </p:spTree>
     <p:extLst>
       <p:ext uri="{BB962C8B-B14F-4D97-AF65-F5344CB8AC3E}">
-        <p14:creationId xmlns:p14="http://schemas.microsoft.com/office/powerpoint/2010/main" val="847397963"/>
+        <p14:creationId xmlns:p14="http://schemas.microsoft.com/office/powerpoint/2010/main" val="2710092554"/>
       </p:ext>
     </p:extLst>
   </p:cSld>
@@ -3931,12 +8362,88 @@
           <a:chExt cx="0" cy="0"/>
         </a:xfrm>
       </p:grpSpPr>
+      <p:sp>
+        <p:nvSpPr>
+          <p:cNvPr id="2" name="Заголовок 1">
+            <a:extLst>
+              <a:ext uri="{FF2B5EF4-FFF2-40B4-BE49-F238E27FC236}">
+                <a16:creationId xmlns:a16="http://schemas.microsoft.com/office/drawing/2014/main" id="{4AD54847-3A61-66F6-37C9-340066F2E7A0}"/>
+              </a:ext>
+            </a:extLst>
+          </p:cNvPr>
+          <p:cNvSpPr>
+            <a:spLocks noGrp="1"/>
+          </p:cNvSpPr>
+          <p:nvPr>
+            <p:ph type="title"/>
+          </p:nvPr>
+        </p:nvSpPr>
+        <p:spPr/>
+        <p:txBody>
+          <a:bodyPr/>
+          <a:lstStyle/>
+          <a:p>
+            <a:r>
+              <a:rPr lang="ru-RU" dirty="0"/>
+              <a:t>Архитектура приложения</a:t>
+            </a:r>
+          </a:p>
+        </p:txBody>
+      </p:sp>
+      <p:sp>
+        <p:nvSpPr>
+          <p:cNvPr id="4" name="Текст 3">
+            <a:extLst>
+              <a:ext uri="{FF2B5EF4-FFF2-40B4-BE49-F238E27FC236}">
+                <a16:creationId xmlns:a16="http://schemas.microsoft.com/office/drawing/2014/main" id="{0B6675DD-3BAB-88DA-9F77-2A625E600910}"/>
+              </a:ext>
+            </a:extLst>
+          </p:cNvPr>
+          <p:cNvSpPr>
+            <a:spLocks noGrp="1"/>
+          </p:cNvSpPr>
+          <p:nvPr>
+            <p:ph type="body" sz="half" idx="2"/>
+          </p:nvPr>
+        </p:nvSpPr>
+        <p:spPr/>
+        <p:txBody>
+          <a:bodyPr>
+            <a:normAutofit lnSpcReduction="10000"/>
+          </a:bodyPr>
+          <a:lstStyle/>
+          <a:p>
+            <a:pPr marL="0" indent="0">
+              <a:buNone/>
+            </a:pPr>
+            <a:r>
+              <a:rPr lang="ru-RU" dirty="0"/>
+              <a:t>Архитектура базы данных позволила назначить уникальные характеристики для категорий товаров, путем связи с конкретным набором характеристик. Например у смартфона можно узнать какой у него процессор, а у куртки – в какой сезон ее носить.</a:t>
+            </a:r>
+          </a:p>
+          <a:p>
+            <a:pPr marL="0" indent="0">
+              <a:buNone/>
+            </a:pPr>
+            <a:endParaRPr lang="ru-RU" dirty="0"/>
+          </a:p>
+          <a:p>
+            <a:pPr marL="0" indent="0">
+              <a:buNone/>
+            </a:pPr>
+            <a:r>
+              <a:rPr lang="ru-RU" dirty="0"/>
+              <a:t>Также на сайте представлены интерфейсы для покупателя, поставщика и гостя товара. Гость может только создать аккаунт, войти в него, просмотреть главную страницу. У пользователь набор действий гораздо шире.</a:t>
+            </a:r>
+          </a:p>
+        </p:txBody>
+      </p:sp>
       <p:pic>
         <p:nvPicPr>
-          <p:cNvPr id="5" name="Рисунок 4">
+          <p:cNvPr id="6" name="Рисунок 5">
             <a:extLst>
               <a:ext uri="{FF2B5EF4-FFF2-40B4-BE49-F238E27FC236}">
-                <a16:creationId xmlns:a16="http://schemas.microsoft.com/office/drawing/2014/main" id="{E6029479-926A-D5B5-CD81-2217D0D81ADF}"/>
+                <a16:creationId xmlns:a16="http://schemas.microsoft.com/office/drawing/2014/main" id="{22BE2354-A9A0-837A-F766-778A1EC114B8}"/>
               </a:ext>
             </a:extLst>
           </p:cNvPr>
@@ -3953,8 +8460,8 @@
         </p:blipFill>
         <p:spPr>
           <a:xfrm>
-            <a:off x="1172718" y="437148"/>
-            <a:ext cx="9846563" cy="4658141"/>
+            <a:off x="6190636" y="2200237"/>
+            <a:ext cx="4253970" cy="3910397"/>
           </a:xfrm>
           <a:prstGeom prst="rect">
             <a:avLst/>
@@ -3963,35 +8470,35 @@
       </p:pic>
       <p:sp>
         <p:nvSpPr>
-          <p:cNvPr id="2" name="Заголовок 1">
+          <p:cNvPr id="7" name="TextBox 6">
             <a:extLst>
               <a:ext uri="{FF2B5EF4-FFF2-40B4-BE49-F238E27FC236}">
-                <a16:creationId xmlns:a16="http://schemas.microsoft.com/office/drawing/2014/main" id="{CFE2A119-9248-C6C6-4996-4EB730F8FC06}"/>
+                <a16:creationId xmlns:a16="http://schemas.microsoft.com/office/drawing/2014/main" id="{6815BB92-0FD4-0984-2D07-AD1FD12ACF87}"/>
               </a:ext>
             </a:extLst>
           </p:cNvPr>
-          <p:cNvSpPr>
-            <a:spLocks noGrp="1"/>
-          </p:cNvSpPr>
-          <p:nvPr>
-            <p:ph type="title"/>
-          </p:nvPr>
-        </p:nvSpPr>
-        <p:spPr>
-          <a:xfrm>
-            <a:off x="0" y="5095289"/>
-            <a:ext cx="10515600" cy="1325563"/>
-          </a:xfrm>
-        </p:spPr>
-        <p:txBody>
-          <a:bodyPr>
-            <a:normAutofit/>
+          <p:cNvSpPr txBox="1"/>
+          <p:nvPr/>
+        </p:nvSpPr>
+        <p:spPr>
+          <a:xfrm>
+            <a:off x="6682397" y="6212028"/>
+            <a:ext cx="3270447" cy="369332"/>
+          </a:xfrm>
+          <a:prstGeom prst="rect">
+            <a:avLst/>
+          </a:prstGeom>
+          <a:noFill/>
+        </p:spPr>
+        <p:txBody>
+          <a:bodyPr wrap="none" rtlCol="0">
+            <a:spAutoFit/>
           </a:bodyPr>
           <a:lstStyle/>
           <a:p>
             <a:r>
-              <a:rPr lang="ru-RU" sz="2000" b="1" dirty="0"/>
-              <a:t>Главная страница маркетплейса</a:t>
+              <a:rPr lang="ru-RU" dirty="0"/>
+              <a:t>Форма авторизации на сайте</a:t>
             </a:r>
           </a:p>
         </p:txBody>
@@ -3999,7 +8506,7 @@
     </p:spTree>
     <p:extLst>
       <p:ext uri="{BB962C8B-B14F-4D97-AF65-F5344CB8AC3E}">
-        <p14:creationId xmlns:p14="http://schemas.microsoft.com/office/powerpoint/2010/main" val="2232969361"/>
+        <p14:creationId xmlns:p14="http://schemas.microsoft.com/office/powerpoint/2010/main" val="3910746214"/>
       </p:ext>
     </p:extLst>
   </p:cSld>
@@ -4031,147 +8538,6 @@
           <p:cNvPr id="2" name="Заголовок 1">
             <a:extLst>
               <a:ext uri="{FF2B5EF4-FFF2-40B4-BE49-F238E27FC236}">
-                <a16:creationId xmlns:a16="http://schemas.microsoft.com/office/drawing/2014/main" id="{4EA91C83-E8D6-630A-4CC4-6A051B2E4EC9}"/>
-              </a:ext>
-            </a:extLst>
-          </p:cNvPr>
-          <p:cNvSpPr>
-            <a:spLocks noGrp="1"/>
-          </p:cNvSpPr>
-          <p:nvPr>
-            <p:ph type="title"/>
-          </p:nvPr>
-        </p:nvSpPr>
-        <p:spPr/>
-        <p:txBody>
-          <a:bodyPr/>
-          <a:lstStyle/>
-          <a:p>
-            <a:r>
-              <a:rPr lang="ru-RU" dirty="0"/>
-              <a:t>Архитектура приложения</a:t>
-            </a:r>
-          </a:p>
-        </p:txBody>
-      </p:sp>
-      <p:sp>
-        <p:nvSpPr>
-          <p:cNvPr id="3" name="Объект 2">
-            <a:extLst>
-              <a:ext uri="{FF2B5EF4-FFF2-40B4-BE49-F238E27FC236}">
-                <a16:creationId xmlns:a16="http://schemas.microsoft.com/office/drawing/2014/main" id="{2C8F3C60-529D-43B1-9164-218C8B6E4F6B}"/>
-              </a:ext>
-            </a:extLst>
-          </p:cNvPr>
-          <p:cNvSpPr>
-            <a:spLocks noGrp="1"/>
-          </p:cNvSpPr>
-          <p:nvPr>
-            <p:ph idx="1"/>
-          </p:nvPr>
-        </p:nvSpPr>
-        <p:spPr>
-          <a:xfrm>
-            <a:off x="584200" y="1690688"/>
-            <a:ext cx="6128657" cy="4351338"/>
-          </a:xfrm>
-        </p:spPr>
-        <p:txBody>
-          <a:bodyPr>
-            <a:normAutofit fontScale="85000" lnSpcReduction="10000"/>
-          </a:bodyPr>
-          <a:lstStyle/>
-          <a:p>
-            <a:pPr marL="0" indent="0">
-              <a:buNone/>
-            </a:pPr>
-            <a:r>
-              <a:rPr lang="ru-RU" dirty="0"/>
-              <a:t>Архитектура базы данных позволила назначить уникальные характеристики для категорий товаров, путем связи с конкретным набором характеристик. Например у смартфона можно узнать какой у него процессор, а у куртки – в какой сезон ее носить.</a:t>
-            </a:r>
-          </a:p>
-          <a:p>
-            <a:pPr marL="0" indent="0">
-              <a:buNone/>
-            </a:pPr>
-            <a:endParaRPr lang="ru-RU" dirty="0"/>
-          </a:p>
-          <a:p>
-            <a:pPr marL="0" indent="0">
-              <a:buNone/>
-            </a:pPr>
-            <a:r>
-              <a:rPr lang="ru-RU" dirty="0"/>
-              <a:t>Также на сайте представлены интерфейсы для покупателя, поставщика и гостя товара. Гость может только создать аккаунт, войти в него, просмотреть главную страницу. У пользователь набор действий гораздо шире.</a:t>
-            </a:r>
-          </a:p>
-        </p:txBody>
-      </p:sp>
-      <p:pic>
-        <p:nvPicPr>
-          <p:cNvPr id="5" name="Рисунок 4">
-            <a:extLst>
-              <a:ext uri="{FF2B5EF4-FFF2-40B4-BE49-F238E27FC236}">
-                <a16:creationId xmlns:a16="http://schemas.microsoft.com/office/drawing/2014/main" id="{F8E9103D-F5CA-4676-4373-C3AE7C8D1413}"/>
-              </a:ext>
-            </a:extLst>
-          </p:cNvPr>
-          <p:cNvPicPr>
-            <a:picLocks noChangeAspect="1"/>
-          </p:cNvPicPr>
-          <p:nvPr/>
-        </p:nvPicPr>
-        <p:blipFill>
-          <a:blip r:embed="rId2"/>
-          <a:stretch>
-            <a:fillRect/>
-          </a:stretch>
-        </p:blipFill>
-        <p:spPr>
-          <a:xfrm>
-            <a:off x="6604000" y="1298015"/>
-            <a:ext cx="5588000" cy="5136684"/>
-          </a:xfrm>
-          <a:prstGeom prst="rect">
-            <a:avLst/>
-          </a:prstGeom>
-        </p:spPr>
-      </p:pic>
-    </p:spTree>
-    <p:extLst>
-      <p:ext uri="{BB962C8B-B14F-4D97-AF65-F5344CB8AC3E}">
-        <p14:creationId xmlns:p14="http://schemas.microsoft.com/office/powerpoint/2010/main" val="4091005984"/>
-      </p:ext>
-    </p:extLst>
-  </p:cSld>
-  <p:clrMapOvr>
-    <a:masterClrMapping/>
-  </p:clrMapOvr>
-</p:sld>
-</file>
-
-<file path=ppt/slides/slide8.xml><?xml version="1.0" encoding="utf-8"?>
-<p:sld xmlns:a="http://schemas.openxmlformats.org/drawingml/2006/main" xmlns:r="http://schemas.openxmlformats.org/officeDocument/2006/relationships" xmlns:p="http://schemas.openxmlformats.org/presentationml/2006/main">
-  <p:cSld>
-    <p:spTree>
-      <p:nvGrpSpPr>
-        <p:cNvPr id="1" name=""/>
-        <p:cNvGrpSpPr/>
-        <p:nvPr/>
-      </p:nvGrpSpPr>
-      <p:grpSpPr>
-        <a:xfrm>
-          <a:off x="0" y="0"/>
-          <a:ext cx="0" cy="0"/>
-          <a:chOff x="0" y="0"/>
-          <a:chExt cx="0" cy="0"/>
-        </a:xfrm>
-      </p:grpSpPr>
-      <p:sp>
-        <p:nvSpPr>
-          <p:cNvPr id="2" name="Заголовок 1">
-            <a:extLst>
-              <a:ext uri="{FF2B5EF4-FFF2-40B4-BE49-F238E27FC236}">
                 <a16:creationId xmlns:a16="http://schemas.microsoft.com/office/drawing/2014/main" id="{45091FF6-1954-CCE3-AA68-626135FADA52}"/>
               </a:ext>
             </a:extLst>
@@ -4243,9 +8609,9 @@
 </file>
 
 <file path=ppt/theme/theme1.xml><?xml version="1.0" encoding="utf-8"?>
-<a:theme xmlns:a="http://schemas.openxmlformats.org/drawingml/2006/main" name="Тема Office">
+<a:theme xmlns:a="http://schemas.openxmlformats.org/drawingml/2006/main" name="Берлин">
   <a:themeElements>
-    <a:clrScheme name="Стандартная">
+    <a:clrScheme name="Берлин">
       <a:dk1>
         <a:sysClr val="windowText" lastClr="000000"/>
       </a:dk1>
@@ -4253,44 +8619,44 @@
         <a:sysClr val="window" lastClr="FFFFFF"/>
       </a:lt1>
       <a:dk2>
-        <a:srgbClr val="44546A"/>
+        <a:srgbClr val="9D360E"/>
       </a:dk2>
       <a:lt2>
         <a:srgbClr val="E7E6E6"/>
       </a:lt2>
       <a:accent1>
-        <a:srgbClr val="4472C4"/>
+        <a:srgbClr val="F09415"/>
       </a:accent1>
       <a:accent2>
-        <a:srgbClr val="ED7D31"/>
+        <a:srgbClr val="C1B56B"/>
       </a:accent2>
       <a:accent3>
-        <a:srgbClr val="A5A5A5"/>
+        <a:srgbClr val="4BAF73"/>
       </a:accent3>
       <a:accent4>
-        <a:srgbClr val="FFC000"/>
+        <a:srgbClr val="5AA6C0"/>
       </a:accent4>
       <a:accent5>
-        <a:srgbClr val="5B9BD5"/>
+        <a:srgbClr val="D17DF9"/>
       </a:accent5>
       <a:accent6>
-        <a:srgbClr val="70AD47"/>
+        <a:srgbClr val="FA7E5C"/>
       </a:accent6>
       <a:hlink>
-        <a:srgbClr val="0563C1"/>
+        <a:srgbClr val="FFAE3E"/>
       </a:hlink>
       <a:folHlink>
-        <a:srgbClr val="954F72"/>
+        <a:srgbClr val="FCC77E"/>
       </a:folHlink>
     </a:clrScheme>
-    <a:fontScheme name="Стандартная">
+    <a:fontScheme name="Берлин">
       <a:majorFont>
-        <a:latin typeface="Calibri Light" panose="020F0302020204030204"/>
+        <a:latin typeface="Trebuchet MS" panose="020B0603020202020204"/>
         <a:ea typeface=""/>
         <a:cs typeface=""/>
-        <a:font script="Jpan" typeface="游ゴシック Light"/>
+        <a:font script="Jpan" typeface="ＭＳ Ｐゴシック"/>
         <a:font script="Hang" typeface="맑은 고딕"/>
-        <a:font script="Hans" typeface="等线 Light"/>
+        <a:font script="Hans" typeface="宋体"/>
         <a:font script="Hant" typeface="新細明體"/>
         <a:font script="Arab" typeface="Times New Roman"/>
         <a:font script="Hebr" typeface="Times New Roman"/>
@@ -4318,31 +8684,14 @@
         <a:font script="Viet" typeface="Times New Roman"/>
         <a:font script="Uigh" typeface="Microsoft Uighur"/>
         <a:font script="Geor" typeface="Sylfaen"/>
-        <a:font script="Armn" typeface="Arial"/>
-        <a:font script="Bugi" typeface="Leelawadee UI"/>
-        <a:font script="Bopo" typeface="Microsoft JhengHei"/>
-        <a:font script="Java" typeface="Javanese Text"/>
-        <a:font script="Lisu" typeface="Segoe UI"/>
-        <a:font script="Mymr" typeface="Myanmar Text"/>
-        <a:font script="Nkoo" typeface="Ebrima"/>
-        <a:font script="Olck" typeface="Nirmala UI"/>
-        <a:font script="Osma" typeface="Ebrima"/>
-        <a:font script="Phag" typeface="Phagspa"/>
-        <a:font script="Syrn" typeface="Estrangelo Edessa"/>
-        <a:font script="Syrj" typeface="Estrangelo Edessa"/>
-        <a:font script="Syre" typeface="Estrangelo Edessa"/>
-        <a:font script="Sora" typeface="Nirmala UI"/>
-        <a:font script="Tale" typeface="Microsoft Tai Le"/>
-        <a:font script="Talu" typeface="Microsoft New Tai Lue"/>
-        <a:font script="Tfng" typeface="Ebrima"/>
       </a:majorFont>
       <a:minorFont>
-        <a:latin typeface="Calibri" panose="020F0502020204030204"/>
+        <a:latin typeface="Trebuchet MS" panose="020B0603020202020204"/>
         <a:ea typeface=""/>
         <a:cs typeface=""/>
-        <a:font script="Jpan" typeface="游ゴシック"/>
+        <a:font script="Jpan" typeface="ＭＳ Ｐゴシック"/>
         <a:font script="Hang" typeface="맑은 고딕"/>
-        <a:font script="Hans" typeface="等线"/>
+        <a:font script="Hans" typeface="宋体"/>
         <a:font script="Hant" typeface="新細明體"/>
         <a:font script="Arab" typeface="Arial"/>
         <a:font script="Hebr" typeface="Arial"/>
@@ -4370,26 +8719,9 @@
         <a:font script="Viet" typeface="Arial"/>
         <a:font script="Uigh" typeface="Microsoft Uighur"/>
         <a:font script="Geor" typeface="Sylfaen"/>
-        <a:font script="Armn" typeface="Arial"/>
-        <a:font script="Bugi" typeface="Leelawadee UI"/>
-        <a:font script="Bopo" typeface="Microsoft JhengHei"/>
-        <a:font script="Java" typeface="Javanese Text"/>
-        <a:font script="Lisu" typeface="Segoe UI"/>
-        <a:font script="Mymr" typeface="Myanmar Text"/>
-        <a:font script="Nkoo" typeface="Ebrima"/>
-        <a:font script="Olck" typeface="Nirmala UI"/>
-        <a:font script="Osma" typeface="Ebrima"/>
-        <a:font script="Phag" typeface="Phagspa"/>
-        <a:font script="Syrn" typeface="Estrangelo Edessa"/>
-        <a:font script="Syrj" typeface="Estrangelo Edessa"/>
-        <a:font script="Syre" typeface="Estrangelo Edessa"/>
-        <a:font script="Sora" typeface="Nirmala UI"/>
-        <a:font script="Tale" typeface="Microsoft Tai Le"/>
-        <a:font script="Talu" typeface="Microsoft New Tai Lue"/>
-        <a:font script="Tfng" typeface="Ebrima"/>
       </a:minorFont>
     </a:fontScheme>
-    <a:fmtScheme name="Стандартная">
+    <a:fmtScheme name="Берлин">
       <a:fillStyleLst>
         <a:solidFill>
           <a:schemeClr val="phClr"/>
@@ -4398,23 +8730,16 @@
           <a:gsLst>
             <a:gs pos="0">
               <a:schemeClr val="phClr">
+                <a:tint val="60000"/>
+                <a:satMod val="100000"/>
                 <a:lumMod val="110000"/>
-                <a:satMod val="105000"/>
-                <a:tint val="67000"/>
-              </a:schemeClr>
-            </a:gs>
-            <a:gs pos="50000">
-              <a:schemeClr val="phClr">
-                <a:lumMod val="105000"/>
-                <a:satMod val="103000"/>
-                <a:tint val="73000"/>
               </a:schemeClr>
             </a:gs>
             <a:gs pos="100000">
               <a:schemeClr val="phClr">
-                <a:lumMod val="105000"/>
-                <a:satMod val="109000"/>
-                <a:tint val="81000"/>
+                <a:tint val="70000"/>
+                <a:satMod val="100000"/>
+                <a:lumMod val="100000"/>
               </a:schemeClr>
             </a:gs>
           </a:gsLst>
@@ -4424,23 +8749,23 @@
           <a:gsLst>
             <a:gs pos="0">
               <a:schemeClr val="phClr">
+                <a:tint val="94000"/>
                 <a:satMod val="103000"/>
                 <a:lumMod val="102000"/>
-                <a:tint val="94000"/>
               </a:schemeClr>
             </a:gs>
             <a:gs pos="50000">
               <a:schemeClr val="phClr">
+                <a:shade val="100000"/>
                 <a:satMod val="110000"/>
                 <a:lumMod val="100000"/>
-                <a:shade val="100000"/>
               </a:schemeClr>
             </a:gs>
             <a:gs pos="100000">
               <a:schemeClr val="phClr">
+                <a:shade val="78000"/>
+                <a:satMod val="120000"/>
                 <a:lumMod val="99000"/>
-                <a:satMod val="120000"/>
-                <a:shade val="78000"/>
               </a:schemeClr>
             </a:gs>
           </a:gsLst>
@@ -4448,26 +8773,23 @@
         </a:gradFill>
       </a:fillStyleLst>
       <a:lnStyleLst>
-        <a:ln w="6350" cap="flat" cmpd="sng" algn="ctr">
+        <a:ln w="9525" cap="flat" cmpd="sng" algn="ctr">
           <a:solidFill>
             <a:schemeClr val="phClr"/>
           </a:solidFill>
           <a:prstDash val="solid"/>
-          <a:miter lim="800000"/>
         </a:ln>
         <a:ln w="12700" cap="flat" cmpd="sng" algn="ctr">
           <a:solidFill>
             <a:schemeClr val="phClr"/>
           </a:solidFill>
           <a:prstDash val="solid"/>
-          <a:miter lim="800000"/>
         </a:ln>
         <a:ln w="19050" cap="flat" cmpd="sng" algn="ctr">
           <a:solidFill>
             <a:schemeClr val="phClr"/>
           </a:solidFill>
           <a:prstDash val="solid"/>
-          <a:miter lim="800000"/>
         </a:ln>
       </a:lnStyleLst>
       <a:effectStyleLst>
@@ -4501,28 +8823,31 @@
           <a:gsLst>
             <a:gs pos="0">
               <a:schemeClr val="phClr">
-                <a:tint val="93000"/>
-                <a:satMod val="150000"/>
-                <a:shade val="98000"/>
-                <a:lumMod val="102000"/>
+                <a:tint val="96000"/>
+                <a:shade val="100000"/>
+                <a:hueMod val="270000"/>
+                <a:satMod val="200000"/>
+                <a:lumMod val="128000"/>
               </a:schemeClr>
             </a:gs>
             <a:gs pos="50000">
               <a:schemeClr val="phClr">
-                <a:tint val="98000"/>
-                <a:satMod val="130000"/>
-                <a:shade val="90000"/>
-                <a:lumMod val="103000"/>
+                <a:shade val="100000"/>
+                <a:hueMod val="100000"/>
+                <a:satMod val="110000"/>
+                <a:lumMod val="130000"/>
               </a:schemeClr>
             </a:gs>
             <a:gs pos="100000">
               <a:schemeClr val="phClr">
-                <a:shade val="63000"/>
-                <a:satMod val="120000"/>
+                <a:shade val="78000"/>
+                <a:hueMod val="44000"/>
+                <a:satMod val="200000"/>
+                <a:lumMod val="69000"/>
               </a:schemeClr>
             </a:gs>
           </a:gsLst>
-          <a:lin ang="5400000" scaled="0"/>
+          <a:lin ang="2520000" scaled="0"/>
         </a:gradFill>
       </a:bgFillStyleLst>
     </a:fmtScheme>
@@ -4531,7 +8856,7 @@
   <a:extraClrSchemeLst/>
   <a:extLst>
     <a:ext uri="{05A4C25C-085E-4340-85A3-A5531E510DB2}">
-      <thm15:themeFamily xmlns:thm15="http://schemas.microsoft.com/office/thememl/2012/main" name="Office Theme" id="{62F939B6-93AF-4DB8-9C6B-D6C7DFDC589F}" vid="{4A3C46E8-61CC-4603-A589-7422A47A8E4A}"/>
+      <thm15:themeFamily xmlns:thm15="http://schemas.microsoft.com/office/thememl/2012/main" name="Berlin" id="{7B5DBA9E-B069-418E-9360-A61BDD0615A4}" vid="{C0CBE056-4EF4-4D92-969E-947779DA7AAA}"/>
     </a:ext>
   </a:extLst>
 </a:theme>
